--- a/Team9_MinimalToDo.pptx
+++ b/Team9_MinimalToDo.pptx
@@ -1,38 +1,39 @@
 
 <file path=ppt/presentation.xml><?xml version="1.0" encoding="utf-8"?>
-<p:presentation xmlns:a="http://schemas.openxmlformats.org/drawingml/2006/main" xmlns:r="http://schemas.openxmlformats.org/officeDocument/2006/relationships" xmlns:mc="http://schemas.openxmlformats.org/markup-compatibility/2006" xmlns:mv="urn:schemas-microsoft-com:mac:vml" xmlns:p="http://schemas.openxmlformats.org/presentationml/2006/main" xmlns:c="http://schemas.openxmlformats.org/drawingml/2006/chart" xmlns:dgm="http://schemas.openxmlformats.org/drawingml/2006/diagram" xmlns:o="urn:schemas-microsoft-com:office:office" xmlns:v="urn:schemas-microsoft-com:vml" xmlns:pvml="urn:schemas-microsoft-com:office:powerpoint" xmlns:com="http://schemas.openxmlformats.org/drawingml/2006/compatibility" xmlns:p14="http://schemas.microsoft.com/office/powerpoint/2010/main" xmlns:p15="http://schemas.microsoft.com/office/powerpoint/2012/main" autoCompressPictures="0" embedTrueTypeFonts="1" strictFirstAndLastChars="0" saveSubsetFonts="1">
+<p:presentation xmlns:a="http://schemas.openxmlformats.org/drawingml/2006/main" xmlns:r="http://schemas.openxmlformats.org/officeDocument/2006/relationships" xmlns:p="http://schemas.openxmlformats.org/presentationml/2006/main" strictFirstAndLastChars="0" embedTrueTypeFonts="1" autoCompressPictures="0">
   <p:sldMasterIdLst>
-    <p:sldMasterId id="2147483659" r:id="rId4"/>
+    <p:sldMasterId id="2147483659" r:id="rId1"/>
   </p:sldMasterIdLst>
   <p:notesMasterIdLst>
-    <p:notesMasterId r:id="rId5"/>
+    <p:notesMasterId r:id="rId7"/>
   </p:notesMasterIdLst>
   <p:sldIdLst>
-    <p:sldId id="256" r:id="rId6"/>
-    <p:sldId id="257" r:id="rId7"/>
-    <p:sldId id="258" r:id="rId8"/>
-    <p:sldId id="259" r:id="rId9"/>
+    <p:sldId id="256" r:id="rId2"/>
+    <p:sldId id="257" r:id="rId3"/>
+    <p:sldId id="260" r:id="rId4"/>
+    <p:sldId id="258" r:id="rId5"/>
+    <p:sldId id="259" r:id="rId6"/>
   </p:sldIdLst>
-  <p:sldSz cy="5143500" cx="9144000"/>
+  <p:sldSz cx="9144000" cy="5143500" type="screen16x9"/>
   <p:notesSz cx="6858000" cy="9144000"/>
   <p:embeddedFontLst>
     <p:embeddedFont>
-      <p:font typeface="Roboto"/>
-      <p:regular r:id="rId10"/>
-      <p:bold r:id="rId11"/>
-      <p:italic r:id="rId12"/>
-      <p:boldItalic r:id="rId13"/>
+      <p:font typeface="Roboto" panose="02000000000000000000" pitchFamily="2" charset="0"/>
+      <p:regular r:id="rId8"/>
+      <p:bold r:id="rId9"/>
+      <p:italic r:id="rId10"/>
+      <p:boldItalic r:id="rId11"/>
     </p:embeddedFont>
     <p:embeddedFont>
-      <p:font typeface="Roboto Mono"/>
-      <p:regular r:id="rId14"/>
-      <p:bold r:id="rId15"/>
-      <p:italic r:id="rId16"/>
-      <p:boldItalic r:id="rId17"/>
+      <p:font typeface="Roboto Mono" pitchFamily="2" charset="0"/>
+      <p:regular r:id="rId12"/>
+      <p:bold r:id="rId13"/>
+      <p:italic r:id="rId14"/>
+      <p:boldItalic r:id="rId15"/>
     </p:embeddedFont>
   </p:embeddedFontLst>
   <p:defaultTextStyle>
-    <a:defPPr lvl="0" marR="0" rtl="0" algn="l">
+    <a:defPPr marR="0" lvl="0" algn="l" rtl="0">
       <a:lnSpc>
         <a:spcPct val="100000"/>
       </a:lnSpc>
@@ -43,7 +44,7 @@
         <a:spcPts val="0"/>
       </a:spcAft>
     </a:defPPr>
-    <a:lvl1pPr lvl="0" marR="0" rtl="0" algn="l">
+    <a:lvl1pPr marR="0" lvl="0" algn="l" rtl="0">
       <a:lnSpc>
         <a:spcPct val="100000"/>
       </a:lnSpc>
@@ -57,7 +58,7 @@
         <a:srgbClr val="000000"/>
       </a:buClr>
       <a:buFont typeface="Arial"/>
-      <a:defRPr b="0" i="0" sz="1400" u="none" cap="none" strike="noStrike">
+      <a:defRPr sz="1400" b="0" i="0" u="none" strike="noStrike" cap="none">
         <a:solidFill>
           <a:srgbClr val="000000"/>
         </a:solidFill>
@@ -67,7 +68,7 @@
         <a:sym typeface="Arial"/>
       </a:defRPr>
     </a:lvl1pPr>
-    <a:lvl2pPr lvl="1" marR="0" rtl="0" algn="l">
+    <a:lvl2pPr marR="0" lvl="1" algn="l" rtl="0">
       <a:lnSpc>
         <a:spcPct val="100000"/>
       </a:lnSpc>
@@ -81,7 +82,7 @@
         <a:srgbClr val="000000"/>
       </a:buClr>
       <a:buFont typeface="Arial"/>
-      <a:defRPr b="0" i="0" sz="1400" u="none" cap="none" strike="noStrike">
+      <a:defRPr sz="1400" b="0" i="0" u="none" strike="noStrike" cap="none">
         <a:solidFill>
           <a:srgbClr val="000000"/>
         </a:solidFill>
@@ -91,7 +92,7 @@
         <a:sym typeface="Arial"/>
       </a:defRPr>
     </a:lvl2pPr>
-    <a:lvl3pPr lvl="2" marR="0" rtl="0" algn="l">
+    <a:lvl3pPr marR="0" lvl="2" algn="l" rtl="0">
       <a:lnSpc>
         <a:spcPct val="100000"/>
       </a:lnSpc>
@@ -105,7 +106,7 @@
         <a:srgbClr val="000000"/>
       </a:buClr>
       <a:buFont typeface="Arial"/>
-      <a:defRPr b="0" i="0" sz="1400" u="none" cap="none" strike="noStrike">
+      <a:defRPr sz="1400" b="0" i="0" u="none" strike="noStrike" cap="none">
         <a:solidFill>
           <a:srgbClr val="000000"/>
         </a:solidFill>
@@ -115,7 +116,7 @@
         <a:sym typeface="Arial"/>
       </a:defRPr>
     </a:lvl3pPr>
-    <a:lvl4pPr lvl="3" marR="0" rtl="0" algn="l">
+    <a:lvl4pPr marR="0" lvl="3" algn="l" rtl="0">
       <a:lnSpc>
         <a:spcPct val="100000"/>
       </a:lnSpc>
@@ -129,7 +130,7 @@
         <a:srgbClr val="000000"/>
       </a:buClr>
       <a:buFont typeface="Arial"/>
-      <a:defRPr b="0" i="0" sz="1400" u="none" cap="none" strike="noStrike">
+      <a:defRPr sz="1400" b="0" i="0" u="none" strike="noStrike" cap="none">
         <a:solidFill>
           <a:srgbClr val="000000"/>
         </a:solidFill>
@@ -139,7 +140,7 @@
         <a:sym typeface="Arial"/>
       </a:defRPr>
     </a:lvl4pPr>
-    <a:lvl5pPr lvl="4" marR="0" rtl="0" algn="l">
+    <a:lvl5pPr marR="0" lvl="4" algn="l" rtl="0">
       <a:lnSpc>
         <a:spcPct val="100000"/>
       </a:lnSpc>
@@ -153,7 +154,7 @@
         <a:srgbClr val="000000"/>
       </a:buClr>
       <a:buFont typeface="Arial"/>
-      <a:defRPr b="0" i="0" sz="1400" u="none" cap="none" strike="noStrike">
+      <a:defRPr sz="1400" b="0" i="0" u="none" strike="noStrike" cap="none">
         <a:solidFill>
           <a:srgbClr val="000000"/>
         </a:solidFill>
@@ -163,7 +164,7 @@
         <a:sym typeface="Arial"/>
       </a:defRPr>
     </a:lvl5pPr>
-    <a:lvl6pPr lvl="5" marR="0" rtl="0" algn="l">
+    <a:lvl6pPr marR="0" lvl="5" algn="l" rtl="0">
       <a:lnSpc>
         <a:spcPct val="100000"/>
       </a:lnSpc>
@@ -177,7 +178,7 @@
         <a:srgbClr val="000000"/>
       </a:buClr>
       <a:buFont typeface="Arial"/>
-      <a:defRPr b="0" i="0" sz="1400" u="none" cap="none" strike="noStrike">
+      <a:defRPr sz="1400" b="0" i="0" u="none" strike="noStrike" cap="none">
         <a:solidFill>
           <a:srgbClr val="000000"/>
         </a:solidFill>
@@ -187,7 +188,7 @@
         <a:sym typeface="Arial"/>
       </a:defRPr>
     </a:lvl6pPr>
-    <a:lvl7pPr lvl="6" marR="0" rtl="0" algn="l">
+    <a:lvl7pPr marR="0" lvl="6" algn="l" rtl="0">
       <a:lnSpc>
         <a:spcPct val="100000"/>
       </a:lnSpc>
@@ -201,7 +202,7 @@
         <a:srgbClr val="000000"/>
       </a:buClr>
       <a:buFont typeface="Arial"/>
-      <a:defRPr b="0" i="0" sz="1400" u="none" cap="none" strike="noStrike">
+      <a:defRPr sz="1400" b="0" i="0" u="none" strike="noStrike" cap="none">
         <a:solidFill>
           <a:srgbClr val="000000"/>
         </a:solidFill>
@@ -211,7 +212,7 @@
         <a:sym typeface="Arial"/>
       </a:defRPr>
     </a:lvl7pPr>
-    <a:lvl8pPr lvl="7" marR="0" rtl="0" algn="l">
+    <a:lvl8pPr marR="0" lvl="7" algn="l" rtl="0">
       <a:lnSpc>
         <a:spcPct val="100000"/>
       </a:lnSpc>
@@ -225,7 +226,7 @@
         <a:srgbClr val="000000"/>
       </a:buClr>
       <a:buFont typeface="Arial"/>
-      <a:defRPr b="0" i="0" sz="1400" u="none" cap="none" strike="noStrike">
+      <a:defRPr sz="1400" b="0" i="0" u="none" strike="noStrike" cap="none">
         <a:solidFill>
           <a:srgbClr val="000000"/>
         </a:solidFill>
@@ -235,7 +236,7 @@
         <a:sym typeface="Arial"/>
       </a:defRPr>
     </a:lvl8pPr>
-    <a:lvl9pPr lvl="8" marR="0" rtl="0" algn="l">
+    <a:lvl9pPr marR="0" lvl="8" algn="l" rtl="0">
       <a:lnSpc>
         <a:spcPct val="100000"/>
       </a:lnSpc>
@@ -249,7 +250,7 @@
         <a:srgbClr val="000000"/>
       </a:buClr>
       <a:buFont typeface="Arial"/>
-      <a:defRPr b="0" i="0" sz="1400" u="none" cap="none" strike="noStrike">
+      <a:defRPr sz="1400" b="0" i="0" u="none" strike="noStrike" cap="none">
         <a:solidFill>
           <a:srgbClr val="000000"/>
         </a:solidFill>
@@ -262,7 +263,7 @@
   </p:defaultTextStyle>
   <p:extLst>
     <p:ext uri="{EFAFB233-063F-42B5-8137-9DF3F51BA10A}">
-      <p15:sldGuideLst>
+      <p15:sldGuideLst xmlns:p15="http://schemas.microsoft.com/office/powerpoint/2012/main">
         <p15:guide id="1" orient="horz" pos="1620">
           <p15:clr>
             <a:srgbClr val="A4A3A4"/>
@@ -280,11 +281,16 @@
 </file>
 
 <file path=ppt/notesMasters/notesMaster1.xml><?xml version="1.0" encoding="utf-8"?>
-<p:notesMaster xmlns:a="http://schemas.openxmlformats.org/drawingml/2006/main" xmlns:r="http://schemas.openxmlformats.org/officeDocument/2006/relationships" xmlns:mc="http://schemas.openxmlformats.org/markup-compatibility/2006" xmlns:mv="urn:schemas-microsoft-com:mac:vml" xmlns:p="http://schemas.openxmlformats.org/presentationml/2006/main" xmlns:c="http://schemas.openxmlformats.org/drawingml/2006/chart" xmlns:dgm="http://schemas.openxmlformats.org/drawingml/2006/diagram" xmlns:o="urn:schemas-microsoft-com:office:office" xmlns:v="urn:schemas-microsoft-com:vml" xmlns:pvml="urn:schemas-microsoft-com:office:powerpoint" xmlns:com="http://schemas.openxmlformats.org/drawingml/2006/compatibility" xmlns:p14="http://schemas.microsoft.com/office/powerpoint/2010/main" xmlns:p15="http://schemas.microsoft.com/office/powerpoint/2012/main">
+<p:notesMaster xmlns:a="http://schemas.openxmlformats.org/drawingml/2006/main" xmlns:r="http://schemas.openxmlformats.org/officeDocument/2006/relationships" xmlns:p="http://schemas.openxmlformats.org/presentationml/2006/main">
   <p:cSld>
+    <p:bg>
+      <p:bgRef idx="1001">
+        <a:schemeClr val="bg1"/>
+      </p:bgRef>
+    </p:bg>
     <p:spTree>
       <p:nvGrpSpPr>
-        <p:cNvPr id="2" name="Shape 2"/>
+        <p:cNvPr id="1" name="Shape 2"/>
         <p:cNvGrpSpPr/>
         <p:nvPr/>
       </p:nvGrpSpPr>
@@ -299,9 +305,11 @@
       <p:sp>
         <p:nvSpPr>
           <p:cNvPr id="3" name="Google Shape;3;n"/>
-          <p:cNvSpPr/>
+          <p:cNvSpPr>
+            <a:spLocks noGrp="1" noRot="1" noChangeAspect="1"/>
+          </p:cNvSpPr>
           <p:nvPr>
-            <p:ph idx="2" type="sldImg"/>
+            <p:ph type="sldImg" idx="2"/>
           </p:nvPr>
         </p:nvSpPr>
         <p:spPr>
@@ -310,9 +318,13 @@
             <a:ext cx="6096075" cy="3429000"/>
           </a:xfrm>
           <a:custGeom>
-            <a:rect b="b" l="l" r="r" t="t"/>
+            <a:avLst/>
+            <a:gdLst/>
+            <a:ahLst/>
+            <a:cxnLst/>
+            <a:rect l="l" t="t" r="r" b="b"/>
             <a:pathLst>
-              <a:path extrusionOk="0" h="120000" w="120000">
+              <a:path w="120000" h="120000" extrusionOk="0">
                 <a:moveTo>
                   <a:pt x="0" y="0"/>
                 </a:moveTo>
@@ -330,23 +342,25 @@
             </a:pathLst>
           </a:custGeom>
           <a:noFill/>
-          <a:ln cap="flat" cmpd="sng" w="9525">
+          <a:ln w="9525" cap="flat" cmpd="sng">
             <a:solidFill>
               <a:srgbClr val="000000"/>
             </a:solidFill>
             <a:prstDash val="solid"/>
             <a:round/>
-            <a:headEnd len="sm" w="sm" type="none"/>
-            <a:tailEnd len="sm" w="sm" type="none"/>
+            <a:headEnd type="none" w="sm" len="sm"/>
+            <a:tailEnd type="none" w="sm" len="sm"/>
           </a:ln>
         </p:spPr>
       </p:sp>
       <p:sp>
         <p:nvSpPr>
           <p:cNvPr id="4" name="Google Shape;4;n"/>
-          <p:cNvSpPr txBox="1"/>
+          <p:cNvSpPr txBox="1">
+            <a:spLocks noGrp="1"/>
+          </p:cNvSpPr>
           <p:nvPr>
-            <p:ph idx="1" type="body"/>
+            <p:ph type="body" idx="1"/>
           </p:nvPr>
         </p:nvSpPr>
         <p:spPr>
@@ -363,9 +377,9 @@
           </a:ln>
         </p:spPr>
         <p:txBody>
-          <a:bodyPr anchorCtr="0" anchor="t" bIns="91425" lIns="91425" spcFirstLastPara="1" rIns="91425" wrap="square" tIns="91425"/>
+          <a:bodyPr spcFirstLastPara="1" wrap="square" lIns="91425" tIns="91425" rIns="91425" bIns="91425" anchor="t" anchorCtr="0"/>
           <a:lstStyle>
-            <a:lvl1pPr indent="-298450" lvl="0" marL="457200">
+            <a:lvl1pPr marL="457200" lvl="0" indent="-298450">
               <a:spcBef>
                 <a:spcPts val="0"/>
               </a:spcBef>
@@ -376,7 +390,7 @@
               <a:buChar char="●"/>
               <a:defRPr sz="1100"/>
             </a:lvl1pPr>
-            <a:lvl2pPr indent="-298450" lvl="1" marL="914400">
+            <a:lvl2pPr marL="914400" lvl="1" indent="-298450">
               <a:spcBef>
                 <a:spcPts val="0"/>
               </a:spcBef>
@@ -387,7 +401,7 @@
               <a:buChar char="○"/>
               <a:defRPr sz="1100"/>
             </a:lvl2pPr>
-            <a:lvl3pPr indent="-298450" lvl="2" marL="1371600">
+            <a:lvl3pPr marL="1371600" lvl="2" indent="-298450">
               <a:spcBef>
                 <a:spcPts val="0"/>
               </a:spcBef>
@@ -398,7 +412,7 @@
               <a:buChar char="■"/>
               <a:defRPr sz="1100"/>
             </a:lvl3pPr>
-            <a:lvl4pPr indent="-298450" lvl="3" marL="1828800">
+            <a:lvl4pPr marL="1828800" lvl="3" indent="-298450">
               <a:spcBef>
                 <a:spcPts val="0"/>
               </a:spcBef>
@@ -409,7 +423,7 @@
               <a:buChar char="●"/>
               <a:defRPr sz="1100"/>
             </a:lvl4pPr>
-            <a:lvl5pPr indent="-298450" lvl="4" marL="2286000">
+            <a:lvl5pPr marL="2286000" lvl="4" indent="-298450">
               <a:spcBef>
                 <a:spcPts val="0"/>
               </a:spcBef>
@@ -420,7 +434,7 @@
               <a:buChar char="○"/>
               <a:defRPr sz="1100"/>
             </a:lvl5pPr>
-            <a:lvl6pPr indent="-298450" lvl="5" marL="2743200">
+            <a:lvl6pPr marL="2743200" lvl="5" indent="-298450">
               <a:spcBef>
                 <a:spcPts val="0"/>
               </a:spcBef>
@@ -431,7 +445,7 @@
               <a:buChar char="■"/>
               <a:defRPr sz="1100"/>
             </a:lvl6pPr>
-            <a:lvl7pPr indent="-298450" lvl="6" marL="3200400">
+            <a:lvl7pPr marL="3200400" lvl="6" indent="-298450">
               <a:spcBef>
                 <a:spcPts val="0"/>
               </a:spcBef>
@@ -442,7 +456,7 @@
               <a:buChar char="●"/>
               <a:defRPr sz="1100"/>
             </a:lvl7pPr>
-            <a:lvl8pPr indent="-298450" lvl="7" marL="3657600">
+            <a:lvl8pPr marL="3657600" lvl="7" indent="-298450">
               <a:spcBef>
                 <a:spcPts val="0"/>
               </a:spcBef>
@@ -453,7 +467,7 @@
               <a:buChar char="○"/>
               <a:defRPr sz="1100"/>
             </a:lvl8pPr>
-            <a:lvl9pPr indent="-298450" lvl="8" marL="4114800">
+            <a:lvl9pPr marL="4114800" lvl="8" indent="-298450">
               <a:spcBef>
                 <a:spcPts val="0"/>
               </a:spcBef>
@@ -465,14 +479,16 @@
               <a:defRPr sz="1100"/>
             </a:lvl9pPr>
           </a:lstStyle>
-          <a:p/>
+          <a:p>
+            <a:endParaRPr/>
+          </a:p>
         </p:txBody>
       </p:sp>
     </p:spTree>
   </p:cSld>
-  <p:clrMap accent1="accent1" accent2="accent2" accent3="accent3" accent4="accent4" accent5="accent5" accent6="accent6" bg1="lt1" bg2="dk2" tx1="dk1" tx2="lt2" folHlink="folHlink" hlink="hlink"/>
+  <p:clrMap bg1="lt1" tx1="dk1" bg2="dk2" tx2="lt2" accent1="accent1" accent2="accent2" accent3="accent3" accent4="accent4" accent5="accent5" accent6="accent6" hlink="hlink" folHlink="folHlink"/>
   <p:notesStyle>
-    <a:defPPr lvl="0" marR="0" rtl="0" algn="l">
+    <a:defPPr marR="0" lvl="0" algn="l" rtl="0">
       <a:lnSpc>
         <a:spcPct val="100000"/>
       </a:lnSpc>
@@ -483,7 +499,7 @@
         <a:spcPts val="0"/>
       </a:spcAft>
     </a:defPPr>
-    <a:lvl1pPr lvl="0" marR="0" rtl="0" algn="l">
+    <a:lvl1pPr marR="0" lvl="0" algn="l" rtl="0">
       <a:lnSpc>
         <a:spcPct val="100000"/>
       </a:lnSpc>
@@ -497,7 +513,7 @@
         <a:srgbClr val="000000"/>
       </a:buClr>
       <a:buFont typeface="Arial"/>
-      <a:defRPr b="0" i="0" sz="1400" u="none" cap="none" strike="noStrike">
+      <a:defRPr sz="1400" b="0" i="0" u="none" strike="noStrike" cap="none">
         <a:solidFill>
           <a:srgbClr val="000000"/>
         </a:solidFill>
@@ -507,7 +523,7 @@
         <a:sym typeface="Arial"/>
       </a:defRPr>
     </a:lvl1pPr>
-    <a:lvl2pPr lvl="1" marR="0" rtl="0" algn="l">
+    <a:lvl2pPr marR="0" lvl="1" algn="l" rtl="0">
       <a:lnSpc>
         <a:spcPct val="100000"/>
       </a:lnSpc>
@@ -521,7 +537,7 @@
         <a:srgbClr val="000000"/>
       </a:buClr>
       <a:buFont typeface="Arial"/>
-      <a:defRPr b="0" i="0" sz="1400" u="none" cap="none" strike="noStrike">
+      <a:defRPr sz="1400" b="0" i="0" u="none" strike="noStrike" cap="none">
         <a:solidFill>
           <a:srgbClr val="000000"/>
         </a:solidFill>
@@ -531,7 +547,7 @@
         <a:sym typeface="Arial"/>
       </a:defRPr>
     </a:lvl2pPr>
-    <a:lvl3pPr lvl="2" marR="0" rtl="0" algn="l">
+    <a:lvl3pPr marR="0" lvl="2" algn="l" rtl="0">
       <a:lnSpc>
         <a:spcPct val="100000"/>
       </a:lnSpc>
@@ -545,7 +561,7 @@
         <a:srgbClr val="000000"/>
       </a:buClr>
       <a:buFont typeface="Arial"/>
-      <a:defRPr b="0" i="0" sz="1400" u="none" cap="none" strike="noStrike">
+      <a:defRPr sz="1400" b="0" i="0" u="none" strike="noStrike" cap="none">
         <a:solidFill>
           <a:srgbClr val="000000"/>
         </a:solidFill>
@@ -555,7 +571,7 @@
         <a:sym typeface="Arial"/>
       </a:defRPr>
     </a:lvl3pPr>
-    <a:lvl4pPr lvl="3" marR="0" rtl="0" algn="l">
+    <a:lvl4pPr marR="0" lvl="3" algn="l" rtl="0">
       <a:lnSpc>
         <a:spcPct val="100000"/>
       </a:lnSpc>
@@ -569,7 +585,7 @@
         <a:srgbClr val="000000"/>
       </a:buClr>
       <a:buFont typeface="Arial"/>
-      <a:defRPr b="0" i="0" sz="1400" u="none" cap="none" strike="noStrike">
+      <a:defRPr sz="1400" b="0" i="0" u="none" strike="noStrike" cap="none">
         <a:solidFill>
           <a:srgbClr val="000000"/>
         </a:solidFill>
@@ -579,7 +595,7 @@
         <a:sym typeface="Arial"/>
       </a:defRPr>
     </a:lvl4pPr>
-    <a:lvl5pPr lvl="4" marR="0" rtl="0" algn="l">
+    <a:lvl5pPr marR="0" lvl="4" algn="l" rtl="0">
       <a:lnSpc>
         <a:spcPct val="100000"/>
       </a:lnSpc>
@@ -593,7 +609,7 @@
         <a:srgbClr val="000000"/>
       </a:buClr>
       <a:buFont typeface="Arial"/>
-      <a:defRPr b="0" i="0" sz="1400" u="none" cap="none" strike="noStrike">
+      <a:defRPr sz="1400" b="0" i="0" u="none" strike="noStrike" cap="none">
         <a:solidFill>
           <a:srgbClr val="000000"/>
         </a:solidFill>
@@ -603,7 +619,7 @@
         <a:sym typeface="Arial"/>
       </a:defRPr>
     </a:lvl5pPr>
-    <a:lvl6pPr lvl="5" marR="0" rtl="0" algn="l">
+    <a:lvl6pPr marR="0" lvl="5" algn="l" rtl="0">
       <a:lnSpc>
         <a:spcPct val="100000"/>
       </a:lnSpc>
@@ -617,7 +633,7 @@
         <a:srgbClr val="000000"/>
       </a:buClr>
       <a:buFont typeface="Arial"/>
-      <a:defRPr b="0" i="0" sz="1400" u="none" cap="none" strike="noStrike">
+      <a:defRPr sz="1400" b="0" i="0" u="none" strike="noStrike" cap="none">
         <a:solidFill>
           <a:srgbClr val="000000"/>
         </a:solidFill>
@@ -627,7 +643,7 @@
         <a:sym typeface="Arial"/>
       </a:defRPr>
     </a:lvl6pPr>
-    <a:lvl7pPr lvl="6" marR="0" rtl="0" algn="l">
+    <a:lvl7pPr marR="0" lvl="6" algn="l" rtl="0">
       <a:lnSpc>
         <a:spcPct val="100000"/>
       </a:lnSpc>
@@ -641,7 +657,7 @@
         <a:srgbClr val="000000"/>
       </a:buClr>
       <a:buFont typeface="Arial"/>
-      <a:defRPr b="0" i="0" sz="1400" u="none" cap="none" strike="noStrike">
+      <a:defRPr sz="1400" b="0" i="0" u="none" strike="noStrike" cap="none">
         <a:solidFill>
           <a:srgbClr val="000000"/>
         </a:solidFill>
@@ -651,7 +667,7 @@
         <a:sym typeface="Arial"/>
       </a:defRPr>
     </a:lvl7pPr>
-    <a:lvl8pPr lvl="7" marR="0" rtl="0" algn="l">
+    <a:lvl8pPr marR="0" lvl="7" algn="l" rtl="0">
       <a:lnSpc>
         <a:spcPct val="100000"/>
       </a:lnSpc>
@@ -665,7 +681,7 @@
         <a:srgbClr val="000000"/>
       </a:buClr>
       <a:buFont typeface="Arial"/>
-      <a:defRPr b="0" i="0" sz="1400" u="none" cap="none" strike="noStrike">
+      <a:defRPr sz="1400" b="0" i="0" u="none" strike="noStrike" cap="none">
         <a:solidFill>
           <a:srgbClr val="000000"/>
         </a:solidFill>
@@ -675,7 +691,7 @@
         <a:sym typeface="Arial"/>
       </a:defRPr>
     </a:lvl8pPr>
-    <a:lvl9pPr lvl="8" marR="0" rtl="0" algn="l">
+    <a:lvl9pPr marR="0" lvl="8" algn="l" rtl="0">
       <a:lnSpc>
         <a:spcPct val="100000"/>
       </a:lnSpc>
@@ -689,7 +705,7 @@
         <a:srgbClr val="000000"/>
       </a:buClr>
       <a:buFont typeface="Arial"/>
-      <a:defRPr b="0" i="0" sz="1400" u="none" cap="none" strike="noStrike">
+      <a:defRPr sz="1400" b="0" i="0" u="none" strike="noStrike" cap="none">
         <a:solidFill>
           <a:srgbClr val="000000"/>
         </a:solidFill>
@@ -704,11 +720,11 @@
 </file>
 
 <file path=ppt/notesSlides/notesSlide1.xml><?xml version="1.0" encoding="utf-8"?>
-<p:notes xmlns:a="http://schemas.openxmlformats.org/drawingml/2006/main" xmlns:r="http://schemas.openxmlformats.org/officeDocument/2006/relationships" xmlns:mc="http://schemas.openxmlformats.org/markup-compatibility/2006" xmlns:mv="urn:schemas-microsoft-com:mac:vml" xmlns:p="http://schemas.openxmlformats.org/presentationml/2006/main" xmlns:c="http://schemas.openxmlformats.org/drawingml/2006/chart" xmlns:dgm="http://schemas.openxmlformats.org/drawingml/2006/diagram" xmlns:o="urn:schemas-microsoft-com:office:office" xmlns:v="urn:schemas-microsoft-com:vml" xmlns:pvml="urn:schemas-microsoft-com:office:powerpoint" xmlns:com="http://schemas.openxmlformats.org/drawingml/2006/compatibility" xmlns:p14="http://schemas.microsoft.com/office/powerpoint/2010/main" xmlns:p15="http://schemas.microsoft.com/office/powerpoint/2012/main" showMasterPhAnim="0" showMasterSp="0">
+<p:notes xmlns:a="http://schemas.openxmlformats.org/drawingml/2006/main" xmlns:r="http://schemas.openxmlformats.org/officeDocument/2006/relationships" xmlns:p="http://schemas.openxmlformats.org/presentationml/2006/main" showMasterSp="0" showMasterPhAnim="0">
   <p:cSld>
     <p:spTree>
       <p:nvGrpSpPr>
-        <p:cNvPr id="81" name="Shape 81"/>
+        <p:cNvPr id="1" name="Shape 81"/>
         <p:cNvGrpSpPr/>
         <p:nvPr/>
       </p:nvGrpSpPr>
@@ -723,9 +739,11 @@
       <p:sp>
         <p:nvSpPr>
           <p:cNvPr id="82" name="Google Shape;82;p:notes"/>
-          <p:cNvSpPr/>
+          <p:cNvSpPr>
+            <a:spLocks noGrp="1" noRot="1" noChangeAspect="1"/>
+          </p:cNvSpPr>
           <p:nvPr>
-            <p:ph idx="2" type="sldImg"/>
+            <p:ph type="sldImg" idx="2"/>
           </p:nvPr>
         </p:nvSpPr>
         <p:spPr>
@@ -734,9 +752,13 @@
             <a:ext cx="6096075" cy="3429000"/>
           </a:xfrm>
           <a:custGeom>
-            <a:rect b="b" l="l" r="r" t="t"/>
+            <a:avLst/>
+            <a:gdLst/>
+            <a:ahLst/>
+            <a:cxnLst/>
+            <a:rect l="l" t="t" r="r" b="b"/>
             <a:pathLst>
-              <a:path extrusionOk="0" h="120000" w="120000">
+              <a:path w="120000" h="120000" extrusionOk="0">
                 <a:moveTo>
                   <a:pt x="0" y="0"/>
                 </a:moveTo>
@@ -758,9 +780,11 @@
       <p:sp>
         <p:nvSpPr>
           <p:cNvPr id="83" name="Google Shape;83;p:notes"/>
-          <p:cNvSpPr txBox="1"/>
+          <p:cNvSpPr txBox="1">
+            <a:spLocks noGrp="1"/>
+          </p:cNvSpPr>
           <p:nvPr>
-            <p:ph idx="1" type="body"/>
+            <p:ph type="body" idx="1"/>
           </p:nvPr>
         </p:nvSpPr>
         <p:spPr>
@@ -773,12 +797,12 @@
           </a:prstGeom>
         </p:spPr>
         <p:txBody>
-          <a:bodyPr anchorCtr="0" anchor="t" bIns="91425" lIns="91425" spcFirstLastPara="1" rIns="91425" wrap="square" tIns="91425">
+          <a:bodyPr spcFirstLastPara="1" wrap="square" lIns="91425" tIns="91425" rIns="91425" bIns="91425" anchor="t" anchorCtr="0">
             <a:noAutofit/>
           </a:bodyPr>
           <a:lstStyle/>
           <a:p>
-            <a:pPr indent="0" lvl="0" marL="0" rtl="0" algn="l">
+            <a:pPr marL="0" lvl="0" indent="0" algn="l" rtl="0">
               <a:spcBef>
                 <a:spcPts val="0"/>
               </a:spcBef>
@@ -787,9 +811,6 @@
               </a:spcAft>
               <a:buNone/>
             </a:pPr>
-            <a:r>
-              <a:t/>
-            </a:r>
             <a:endParaRPr/>
           </a:p>
         </p:txBody>
@@ -803,11 +824,11 @@
 </file>
 
 <file path=ppt/notesSlides/notesSlide2.xml><?xml version="1.0" encoding="utf-8"?>
-<p:notes xmlns:a="http://schemas.openxmlformats.org/drawingml/2006/main" xmlns:r="http://schemas.openxmlformats.org/officeDocument/2006/relationships" xmlns:mc="http://schemas.openxmlformats.org/markup-compatibility/2006" xmlns:mv="urn:schemas-microsoft-com:mac:vml" xmlns:p="http://schemas.openxmlformats.org/presentationml/2006/main" xmlns:c="http://schemas.openxmlformats.org/drawingml/2006/chart" xmlns:dgm="http://schemas.openxmlformats.org/drawingml/2006/diagram" xmlns:o="urn:schemas-microsoft-com:office:office" xmlns:v="urn:schemas-microsoft-com:vml" xmlns:pvml="urn:schemas-microsoft-com:office:powerpoint" xmlns:com="http://schemas.openxmlformats.org/drawingml/2006/compatibility" xmlns:p14="http://schemas.microsoft.com/office/powerpoint/2010/main" xmlns:p15="http://schemas.microsoft.com/office/powerpoint/2012/main" showMasterPhAnim="0" showMasterSp="0">
+<p:notes xmlns:a="http://schemas.openxmlformats.org/drawingml/2006/main" xmlns:r="http://schemas.openxmlformats.org/officeDocument/2006/relationships" xmlns:p="http://schemas.openxmlformats.org/presentationml/2006/main" showMasterSp="0" showMasterPhAnim="0">
   <p:cSld>
     <p:spTree>
       <p:nvGrpSpPr>
-        <p:cNvPr id="87" name="Shape 87"/>
+        <p:cNvPr id="1" name="Shape 87"/>
         <p:cNvGrpSpPr/>
         <p:nvPr/>
       </p:nvGrpSpPr>
@@ -822,20 +843,26 @@
       <p:sp>
         <p:nvSpPr>
           <p:cNvPr id="88" name="Google Shape;88;g51481803d7_0_102:notes"/>
-          <p:cNvSpPr/>
+          <p:cNvSpPr>
+            <a:spLocks noGrp="1" noRot="1" noChangeAspect="1"/>
+          </p:cNvSpPr>
           <p:nvPr>
-            <p:ph idx="2" type="sldImg"/>
+            <p:ph type="sldImg" idx="2"/>
           </p:nvPr>
         </p:nvSpPr>
         <p:spPr>
           <a:xfrm>
-            <a:off x="381300" y="685800"/>
+            <a:off x="381000" y="685800"/>
             <a:ext cx="6096000" cy="3429000"/>
           </a:xfrm>
           <a:custGeom>
-            <a:rect b="b" l="l" r="r" t="t"/>
+            <a:avLst/>
+            <a:gdLst/>
+            <a:ahLst/>
+            <a:cxnLst/>
+            <a:rect l="l" t="t" r="r" b="b"/>
             <a:pathLst>
-              <a:path extrusionOk="0" h="120000" w="120000">
+              <a:path w="120000" h="120000" extrusionOk="0">
                 <a:moveTo>
                   <a:pt x="0" y="0"/>
                 </a:moveTo>
@@ -857,9 +884,11 @@
       <p:sp>
         <p:nvSpPr>
           <p:cNvPr id="89" name="Google Shape;89;g51481803d7_0_102:notes"/>
-          <p:cNvSpPr txBox="1"/>
+          <p:cNvSpPr txBox="1">
+            <a:spLocks noGrp="1"/>
+          </p:cNvSpPr>
           <p:nvPr>
-            <p:ph idx="1" type="body"/>
+            <p:ph type="body" idx="1"/>
           </p:nvPr>
         </p:nvSpPr>
         <p:spPr>
@@ -872,12 +901,12 @@
           </a:prstGeom>
         </p:spPr>
         <p:txBody>
-          <a:bodyPr anchorCtr="0" anchor="t" bIns="91425" lIns="91425" spcFirstLastPara="1" rIns="91425" wrap="square" tIns="91425">
+          <a:bodyPr spcFirstLastPara="1" wrap="square" lIns="91425" tIns="91425" rIns="91425" bIns="91425" anchor="t" anchorCtr="0">
             <a:noAutofit/>
           </a:bodyPr>
           <a:lstStyle/>
           <a:p>
-            <a:pPr indent="0" lvl="0" marL="0" rtl="0" algn="l">
+            <a:pPr marL="0" lvl="0" indent="0" algn="l" rtl="0">
               <a:spcBef>
                 <a:spcPts val="0"/>
               </a:spcBef>
@@ -886,9 +915,6 @@
               </a:spcAft>
               <a:buNone/>
             </a:pPr>
-            <a:r>
-              <a:t/>
-            </a:r>
             <a:endParaRPr/>
           </a:p>
         </p:txBody>
@@ -902,11 +928,11 @@
 </file>
 
 <file path=ppt/notesSlides/notesSlide3.xml><?xml version="1.0" encoding="utf-8"?>
-<p:notes xmlns:a="http://schemas.openxmlformats.org/drawingml/2006/main" xmlns:r="http://schemas.openxmlformats.org/officeDocument/2006/relationships" xmlns:mc="http://schemas.openxmlformats.org/markup-compatibility/2006" xmlns:mv="urn:schemas-microsoft-com:mac:vml" xmlns:p="http://schemas.openxmlformats.org/presentationml/2006/main" xmlns:c="http://schemas.openxmlformats.org/drawingml/2006/chart" xmlns:dgm="http://schemas.openxmlformats.org/drawingml/2006/diagram" xmlns:o="urn:schemas-microsoft-com:office:office" xmlns:v="urn:schemas-microsoft-com:vml" xmlns:pvml="urn:schemas-microsoft-com:office:powerpoint" xmlns:com="http://schemas.openxmlformats.org/drawingml/2006/compatibility" xmlns:p14="http://schemas.microsoft.com/office/powerpoint/2010/main" xmlns:p15="http://schemas.microsoft.com/office/powerpoint/2012/main" showMasterPhAnim="0" showMasterSp="0">
+<p:notes xmlns:a="http://schemas.openxmlformats.org/drawingml/2006/main" xmlns:r="http://schemas.openxmlformats.org/officeDocument/2006/relationships" xmlns:p="http://schemas.openxmlformats.org/presentationml/2006/main" showMasterSp="0" showMasterPhAnim="0">
   <p:cSld>
     <p:spTree>
       <p:nvGrpSpPr>
-        <p:cNvPr id="99" name="Shape 99"/>
+        <p:cNvPr id="1" name="Shape 99"/>
         <p:cNvGrpSpPr/>
         <p:nvPr/>
       </p:nvGrpSpPr>
@@ -921,9 +947,11 @@
       <p:sp>
         <p:nvSpPr>
           <p:cNvPr id="100" name="Google Shape;100;g51481803d7_0_878:notes"/>
-          <p:cNvSpPr/>
+          <p:cNvSpPr>
+            <a:spLocks noGrp="1" noRot="1" noChangeAspect="1"/>
+          </p:cNvSpPr>
           <p:nvPr>
-            <p:ph idx="2" type="sldImg"/>
+            <p:ph type="sldImg" idx="2"/>
           </p:nvPr>
         </p:nvSpPr>
         <p:spPr>
@@ -932,9 +960,13 @@
             <a:ext cx="6096000" cy="3429000"/>
           </a:xfrm>
           <a:custGeom>
-            <a:rect b="b" l="l" r="r" t="t"/>
+            <a:avLst/>
+            <a:gdLst/>
+            <a:ahLst/>
+            <a:cxnLst/>
+            <a:rect l="l" t="t" r="r" b="b"/>
             <a:pathLst>
-              <a:path extrusionOk="0" h="120000" w="120000">
+              <a:path w="120000" h="120000" extrusionOk="0">
                 <a:moveTo>
                   <a:pt x="0" y="0"/>
                 </a:moveTo>
@@ -956,9 +988,11 @@
       <p:sp>
         <p:nvSpPr>
           <p:cNvPr id="101" name="Google Shape;101;g51481803d7_0_878:notes"/>
-          <p:cNvSpPr txBox="1"/>
+          <p:cNvSpPr txBox="1">
+            <a:spLocks noGrp="1"/>
+          </p:cNvSpPr>
           <p:nvPr>
-            <p:ph idx="1" type="body"/>
+            <p:ph type="body" idx="1"/>
           </p:nvPr>
         </p:nvSpPr>
         <p:spPr>
@@ -971,12 +1005,12 @@
           </a:prstGeom>
         </p:spPr>
         <p:txBody>
-          <a:bodyPr anchorCtr="0" anchor="t" bIns="91425" lIns="91425" spcFirstLastPara="1" rIns="91425" wrap="square" tIns="91425">
+          <a:bodyPr spcFirstLastPara="1" wrap="square" lIns="91425" tIns="91425" rIns="91425" bIns="91425" anchor="t" anchorCtr="0">
             <a:noAutofit/>
           </a:bodyPr>
           <a:lstStyle/>
           <a:p>
-            <a:pPr indent="0" lvl="0" marL="0" rtl="0" algn="l">
+            <a:pPr marL="0" lvl="0" indent="0" algn="l" rtl="0">
               <a:spcBef>
                 <a:spcPts val="0"/>
               </a:spcBef>
@@ -985,9 +1019,6 @@
               </a:spcAft>
               <a:buNone/>
             </a:pPr>
-            <a:r>
-              <a:t/>
-            </a:r>
             <a:endParaRPr/>
           </a:p>
         </p:txBody>
@@ -1001,11 +1032,11 @@
 </file>
 
 <file path=ppt/notesSlides/notesSlide4.xml><?xml version="1.0" encoding="utf-8"?>
-<p:notes xmlns:a="http://schemas.openxmlformats.org/drawingml/2006/main" xmlns:r="http://schemas.openxmlformats.org/officeDocument/2006/relationships" xmlns:mc="http://schemas.openxmlformats.org/markup-compatibility/2006" xmlns:mv="urn:schemas-microsoft-com:mac:vml" xmlns:p="http://schemas.openxmlformats.org/presentationml/2006/main" xmlns:c="http://schemas.openxmlformats.org/drawingml/2006/chart" xmlns:dgm="http://schemas.openxmlformats.org/drawingml/2006/diagram" xmlns:o="urn:schemas-microsoft-com:office:office" xmlns:v="urn:schemas-microsoft-com:vml" xmlns:pvml="urn:schemas-microsoft-com:office:powerpoint" xmlns:com="http://schemas.openxmlformats.org/drawingml/2006/compatibility" xmlns:p14="http://schemas.microsoft.com/office/powerpoint/2010/main" xmlns:p15="http://schemas.microsoft.com/office/powerpoint/2012/main" showMasterPhAnim="0" showMasterSp="0">
+<p:notes xmlns:a="http://schemas.openxmlformats.org/drawingml/2006/main" xmlns:r="http://schemas.openxmlformats.org/officeDocument/2006/relationships" xmlns:p="http://schemas.openxmlformats.org/presentationml/2006/main" showMasterSp="0" showMasterPhAnim="0">
   <p:cSld>
     <p:spTree>
       <p:nvGrpSpPr>
-        <p:cNvPr id="106" name="Shape 106"/>
+        <p:cNvPr id="1" name="Shape 106"/>
         <p:cNvGrpSpPr/>
         <p:nvPr/>
       </p:nvGrpSpPr>
@@ -1020,9 +1051,11 @@
       <p:sp>
         <p:nvSpPr>
           <p:cNvPr id="107" name="Google Shape;107;g51481803d7_0_861:notes"/>
-          <p:cNvSpPr/>
+          <p:cNvSpPr>
+            <a:spLocks noGrp="1" noRot="1" noChangeAspect="1"/>
+          </p:cNvSpPr>
           <p:nvPr>
-            <p:ph idx="2" type="sldImg"/>
+            <p:ph type="sldImg" idx="2"/>
           </p:nvPr>
         </p:nvSpPr>
         <p:spPr>
@@ -1031,9 +1064,13 @@
             <a:ext cx="6096000" cy="3429000"/>
           </a:xfrm>
           <a:custGeom>
-            <a:rect b="b" l="l" r="r" t="t"/>
+            <a:avLst/>
+            <a:gdLst/>
+            <a:ahLst/>
+            <a:cxnLst/>
+            <a:rect l="l" t="t" r="r" b="b"/>
             <a:pathLst>
-              <a:path extrusionOk="0" h="120000" w="120000">
+              <a:path w="120000" h="120000" extrusionOk="0">
                 <a:moveTo>
                   <a:pt x="0" y="0"/>
                 </a:moveTo>
@@ -1055,9 +1092,11 @@
       <p:sp>
         <p:nvSpPr>
           <p:cNvPr id="108" name="Google Shape;108;g51481803d7_0_861:notes"/>
-          <p:cNvSpPr txBox="1"/>
+          <p:cNvSpPr txBox="1">
+            <a:spLocks noGrp="1"/>
+          </p:cNvSpPr>
           <p:nvPr>
-            <p:ph idx="1" type="body"/>
+            <p:ph type="body" idx="1"/>
           </p:nvPr>
         </p:nvSpPr>
         <p:spPr>
@@ -1070,12 +1109,12 @@
           </a:prstGeom>
         </p:spPr>
         <p:txBody>
-          <a:bodyPr anchorCtr="0" anchor="t" bIns="91425" lIns="91425" spcFirstLastPara="1" rIns="91425" wrap="square" tIns="91425">
+          <a:bodyPr spcFirstLastPara="1" wrap="square" lIns="91425" tIns="91425" rIns="91425" bIns="91425" anchor="t" anchorCtr="0">
             <a:noAutofit/>
           </a:bodyPr>
           <a:lstStyle/>
           <a:p>
-            <a:pPr indent="0" lvl="0" marL="0" rtl="0" algn="l">
+            <a:pPr marL="0" lvl="0" indent="0" algn="l" rtl="0">
               <a:spcBef>
                 <a:spcPts val="0"/>
               </a:spcBef>
@@ -1084,9 +1123,6 @@
               </a:spcAft>
               <a:buNone/>
             </a:pPr>
-            <a:r>
-              <a:t/>
-            </a:r>
             <a:endParaRPr/>
           </a:p>
         </p:txBody>
@@ -1100,18 +1136,19 @@
 </file>
 
 <file path=ppt/slideLayouts/slideLayout1.xml><?xml version="1.0" encoding="utf-8"?>
-<p:sldLayout xmlns:a="http://schemas.openxmlformats.org/drawingml/2006/main" xmlns:r="http://schemas.openxmlformats.org/officeDocument/2006/relationships" xmlns:mc="http://schemas.openxmlformats.org/markup-compatibility/2006" xmlns:mv="urn:schemas-microsoft-com:mac:vml" xmlns:p="http://schemas.openxmlformats.org/presentationml/2006/main" xmlns:c="http://schemas.openxmlformats.org/drawingml/2006/chart" xmlns:dgm="http://schemas.openxmlformats.org/drawingml/2006/diagram" xmlns:o="urn:schemas-microsoft-com:office:office" xmlns:v="urn:schemas-microsoft-com:vml" xmlns:pvml="urn:schemas-microsoft-com:office:powerpoint" xmlns:com="http://schemas.openxmlformats.org/drawingml/2006/compatibility" xmlns:p14="http://schemas.microsoft.com/office/powerpoint/2010/main" xmlns:p15="http://schemas.microsoft.com/office/powerpoint/2012/main" matchingName="Title slide" type="title">
+<p:sldLayout xmlns:a="http://schemas.openxmlformats.org/drawingml/2006/main" xmlns:r="http://schemas.openxmlformats.org/officeDocument/2006/relationships" xmlns:p="http://schemas.openxmlformats.org/presentationml/2006/main" matchingName="Title slide" type="title">
   <p:cSld name="TITLE">
     <p:bg>
       <p:bgPr>
         <a:solidFill>
           <a:schemeClr val="dk1"/>
         </a:solidFill>
+        <a:effectLst/>
       </p:bgPr>
     </p:bg>
     <p:spTree>
       <p:nvGrpSpPr>
-        <p:cNvPr id="9" name="Shape 9"/>
+        <p:cNvPr id="1" name="Shape 9"/>
         <p:cNvGrpSpPr/>
         <p:nvPr/>
       </p:nvGrpSpPr>
@@ -1159,12 +1196,12 @@
             </a:ln>
           </p:spPr>
           <p:txBody>
-            <a:bodyPr anchorCtr="0" anchor="ctr" bIns="91425" lIns="91425" spcFirstLastPara="1" rIns="91425" wrap="square" tIns="91425">
+            <a:bodyPr spcFirstLastPara="1" wrap="square" lIns="91425" tIns="91425" rIns="91425" bIns="91425" anchor="ctr" anchorCtr="0">
               <a:noAutofit/>
             </a:bodyPr>
             <a:lstStyle/>
             <a:p>
-              <a:pPr indent="0" lvl="0" marL="0" rtl="0" algn="l">
+              <a:pPr marL="0" lvl="0" indent="0" algn="l" rtl="0">
                 <a:spcBef>
                   <a:spcPts val="0"/>
                 </a:spcBef>
@@ -1173,9 +1210,6 @@
                 </a:spcAft>
                 <a:buNone/>
               </a:pPr>
-              <a:r>
-                <a:t/>
-              </a:r>
               <a:endParaRPr/>
             </a:p>
           </p:txBody>
@@ -1202,12 +1236,12 @@
             </a:ln>
           </p:spPr>
           <p:txBody>
-            <a:bodyPr anchorCtr="0" anchor="ctr" bIns="91425" lIns="91425" spcFirstLastPara="1" rIns="91425" wrap="square" tIns="91425">
+            <a:bodyPr spcFirstLastPara="1" wrap="square" lIns="91425" tIns="91425" rIns="91425" bIns="91425" anchor="ctr" anchorCtr="0">
               <a:noAutofit/>
             </a:bodyPr>
             <a:lstStyle/>
             <a:p>
-              <a:pPr indent="0" lvl="0" marL="0" rtl="0" algn="l">
+              <a:pPr marL="0" lvl="0" indent="0" algn="l" rtl="0">
                 <a:spcBef>
                   <a:spcPts val="0"/>
                 </a:spcBef>
@@ -1216,9 +1250,6 @@
                 </a:spcAft>
                 <a:buNone/>
               </a:pPr>
-              <a:r>
-                <a:t/>
-              </a:r>
               <a:endParaRPr/>
             </a:p>
           </p:txBody>
@@ -1230,7 +1261,7 @@
             <p:nvPr/>
           </p:nvSpPr>
           <p:spPr>
-            <a:xfrm flipH="1" rot="10800000">
+            <a:xfrm rot="10800000" flipH="1">
               <a:off x="7113588" y="107"/>
               <a:ext cx="1015200" cy="1015200"/>
             </a:xfrm>
@@ -1245,12 +1276,12 @@
             </a:ln>
           </p:spPr>
           <p:txBody>
-            <a:bodyPr anchorCtr="0" anchor="ctr" bIns="91425" lIns="91425" spcFirstLastPara="1" rIns="91425" wrap="square" tIns="91425">
+            <a:bodyPr spcFirstLastPara="1" wrap="square" lIns="91425" tIns="91425" rIns="91425" bIns="91425" anchor="ctr" anchorCtr="0">
               <a:noAutofit/>
             </a:bodyPr>
             <a:lstStyle/>
             <a:p>
-              <a:pPr indent="0" lvl="0" marL="0" rtl="0" algn="l">
+              <a:pPr marL="0" lvl="0" indent="0" algn="l" rtl="0">
                 <a:spcBef>
                   <a:spcPts val="0"/>
                 </a:spcBef>
@@ -1259,9 +1290,6 @@
                 </a:spcAft>
                 <a:buNone/>
               </a:pPr>
-              <a:r>
-                <a:t/>
-              </a:r>
               <a:endParaRPr/>
             </a:p>
           </p:txBody>
@@ -1288,12 +1316,12 @@
             </a:ln>
           </p:spPr>
           <p:txBody>
-            <a:bodyPr anchorCtr="0" anchor="ctr" bIns="91425" lIns="91425" spcFirstLastPara="1" rIns="91425" wrap="square" tIns="91425">
+            <a:bodyPr spcFirstLastPara="1" wrap="square" lIns="91425" tIns="91425" rIns="91425" bIns="91425" anchor="ctr" anchorCtr="0">
               <a:noAutofit/>
             </a:bodyPr>
             <a:lstStyle/>
             <a:p>
-              <a:pPr indent="0" lvl="0" marL="0" rtl="0" algn="l">
+              <a:pPr marL="0" lvl="0" indent="0" algn="l" rtl="0">
                 <a:spcBef>
                   <a:spcPts val="0"/>
                 </a:spcBef>
@@ -1302,9 +1330,6 @@
                 </a:spcAft>
                 <a:buNone/>
               </a:pPr>
-              <a:r>
-                <a:t/>
-              </a:r>
               <a:endParaRPr/>
             </a:p>
           </p:txBody>
@@ -1331,12 +1356,12 @@
             </a:ln>
           </p:spPr>
           <p:txBody>
-            <a:bodyPr anchorCtr="0" anchor="ctr" bIns="91425" lIns="91425" spcFirstLastPara="1" rIns="91425" wrap="square" tIns="91425">
+            <a:bodyPr spcFirstLastPara="1" wrap="square" lIns="91425" tIns="91425" rIns="91425" bIns="91425" anchor="ctr" anchorCtr="0">
               <a:noAutofit/>
             </a:bodyPr>
             <a:lstStyle/>
             <a:p>
-              <a:pPr indent="0" lvl="0" marL="0" rtl="0" algn="l">
+              <a:pPr marL="0" lvl="0" indent="0" algn="l" rtl="0">
                 <a:spcBef>
                   <a:spcPts val="0"/>
                 </a:spcBef>
@@ -1345,9 +1370,6 @@
                 </a:spcAft>
                 <a:buNone/>
               </a:pPr>
-              <a:r>
-                <a:t/>
-              </a:r>
               <a:endParaRPr/>
             </a:p>
           </p:txBody>
@@ -1356,7 +1378,9 @@
       <p:sp>
         <p:nvSpPr>
           <p:cNvPr id="16" name="Google Shape;16;p2"/>
-          <p:cNvSpPr txBox="1"/>
+          <p:cNvSpPr txBox="1">
+            <a:spLocks noGrp="1"/>
+          </p:cNvSpPr>
           <p:nvPr>
             <p:ph type="ctrTitle"/>
           </p:nvPr>
@@ -1371,7 +1395,7 @@
           </a:prstGeom>
         </p:spPr>
         <p:txBody>
-          <a:bodyPr anchorCtr="0" anchor="b" bIns="91425" lIns="91425" spcFirstLastPara="1" rIns="91425" wrap="square" tIns="91425"/>
+          <a:bodyPr spcFirstLastPara="1" wrap="square" lIns="91425" tIns="91425" rIns="91425" bIns="91425" anchor="b" anchorCtr="0"/>
           <a:lstStyle>
             <a:lvl1pPr lvl="0">
               <a:spcBef>
@@ -1536,15 +1560,19 @@
               </a:defRPr>
             </a:lvl9pPr>
           </a:lstStyle>
-          <a:p/>
+          <a:p>
+            <a:endParaRPr/>
+          </a:p>
         </p:txBody>
       </p:sp>
       <p:sp>
         <p:nvSpPr>
           <p:cNvPr id="17" name="Google Shape;17;p2"/>
-          <p:cNvSpPr txBox="1"/>
+          <p:cNvSpPr txBox="1">
+            <a:spLocks noGrp="1"/>
+          </p:cNvSpPr>
           <p:nvPr>
-            <p:ph idx="1" type="subTitle"/>
+            <p:ph type="subTitle" idx="1"/>
           </p:nvPr>
         </p:nvSpPr>
         <p:spPr>
@@ -1557,7 +1585,7 @@
           </a:prstGeom>
         </p:spPr>
         <p:txBody>
-          <a:bodyPr anchorCtr="0" anchor="t" bIns="91425" lIns="91425" spcFirstLastPara="1" rIns="91425" wrap="square" tIns="91425"/>
+          <a:bodyPr spcFirstLastPara="1" wrap="square" lIns="91425" tIns="91425" rIns="91425" bIns="91425" anchor="t" anchorCtr="0"/>
           <a:lstStyle>
             <a:lvl1pPr lvl="0">
               <a:lnSpc>
@@ -1749,15 +1777,19 @@
               </a:defRPr>
             </a:lvl9pPr>
           </a:lstStyle>
-          <a:p/>
+          <a:p>
+            <a:endParaRPr/>
+          </a:p>
         </p:txBody>
       </p:sp>
       <p:sp>
         <p:nvSpPr>
           <p:cNvPr id="18" name="Google Shape;18;p2"/>
-          <p:cNvSpPr txBox="1"/>
+          <p:cNvSpPr txBox="1">
+            <a:spLocks noGrp="1"/>
+          </p:cNvSpPr>
           <p:nvPr>
-            <p:ph idx="12" type="sldNum"/>
+            <p:ph type="sldNum" idx="12"/>
           </p:nvPr>
         </p:nvSpPr>
         <p:spPr>
@@ -1770,7 +1802,7 @@
           </a:prstGeom>
         </p:spPr>
         <p:txBody>
-          <a:bodyPr anchorCtr="0" anchor="ctr" bIns="91425" lIns="91425" spcFirstLastPara="1" rIns="91425" wrap="square" tIns="91425">
+          <a:bodyPr spcFirstLastPara="1" wrap="square" lIns="91425" tIns="91425" rIns="91425" bIns="91425" anchor="ctr" anchorCtr="0">
             <a:noAutofit/>
           </a:bodyPr>
           <a:lstStyle>
@@ -1812,7 +1844,7 @@
             </a:lvl9pPr>
           </a:lstStyle>
           <a:p>
-            <a:pPr indent="0" lvl="0" marL="0" rtl="0" algn="r">
+            <a:pPr marL="0" lvl="0" indent="0" algn="r" rtl="0">
               <a:spcBef>
                 <a:spcPts val="0"/>
               </a:spcBef>
@@ -1838,18 +1870,19 @@
 </file>
 
 <file path=ppt/slideLayouts/slideLayout10.xml><?xml version="1.0" encoding="utf-8"?>
-<p:sldLayout xmlns:a="http://schemas.openxmlformats.org/drawingml/2006/main" xmlns:r="http://schemas.openxmlformats.org/officeDocument/2006/relationships" xmlns:mc="http://schemas.openxmlformats.org/markup-compatibility/2006" xmlns:mv="urn:schemas-microsoft-com:mac:vml" xmlns:p="http://schemas.openxmlformats.org/presentationml/2006/main" xmlns:c="http://schemas.openxmlformats.org/drawingml/2006/chart" xmlns:dgm="http://schemas.openxmlformats.org/drawingml/2006/diagram" xmlns:o="urn:schemas-microsoft-com:office:office" xmlns:v="urn:schemas-microsoft-com:vml" xmlns:pvml="urn:schemas-microsoft-com:office:powerpoint" xmlns:com="http://schemas.openxmlformats.org/drawingml/2006/compatibility" xmlns:p14="http://schemas.microsoft.com/office/powerpoint/2010/main" xmlns:p15="http://schemas.microsoft.com/office/powerpoint/2012/main" matchingName="Big number">
+<p:sldLayout xmlns:a="http://schemas.openxmlformats.org/drawingml/2006/main" xmlns:r="http://schemas.openxmlformats.org/officeDocument/2006/relationships" xmlns:p="http://schemas.openxmlformats.org/presentationml/2006/main" matchingName="Big number">
   <p:cSld name="BIG_NUMBER">
     <p:bg>
       <p:bgPr>
         <a:solidFill>
           <a:schemeClr val="dk1"/>
         </a:solidFill>
+        <a:effectLst/>
       </p:bgPr>
     </p:bg>
     <p:spTree>
       <p:nvGrpSpPr>
-        <p:cNvPr id="69" name="Shape 69"/>
+        <p:cNvPr id="1" name="Shape 69"/>
         <p:cNvGrpSpPr/>
         <p:nvPr/>
       </p:nvGrpSpPr>
@@ -1897,12 +1930,12 @@
             </a:ln>
           </p:spPr>
           <p:txBody>
-            <a:bodyPr anchorCtr="0" anchor="ctr" bIns="91425" lIns="91425" spcFirstLastPara="1" rIns="91425" wrap="square" tIns="91425">
+            <a:bodyPr spcFirstLastPara="1" wrap="square" lIns="91425" tIns="91425" rIns="91425" bIns="91425" anchor="ctr" anchorCtr="0">
               <a:noAutofit/>
             </a:bodyPr>
             <a:lstStyle/>
             <a:p>
-              <a:pPr indent="0" lvl="0" marL="0" rtl="0" algn="l">
+              <a:pPr marL="0" lvl="0" indent="0" algn="l" rtl="0">
                 <a:spcBef>
                   <a:spcPts val="0"/>
                 </a:spcBef>
@@ -1911,9 +1944,6 @@
                 </a:spcAft>
                 <a:buNone/>
               </a:pPr>
-              <a:r>
-                <a:t/>
-              </a:r>
               <a:endParaRPr/>
             </a:p>
           </p:txBody>
@@ -1940,12 +1970,12 @@
             </a:ln>
           </p:spPr>
           <p:txBody>
-            <a:bodyPr anchorCtr="0" anchor="ctr" bIns="91425" lIns="91425" spcFirstLastPara="1" rIns="91425" wrap="square" tIns="91425">
+            <a:bodyPr spcFirstLastPara="1" wrap="square" lIns="91425" tIns="91425" rIns="91425" bIns="91425" anchor="ctr" anchorCtr="0">
               <a:noAutofit/>
             </a:bodyPr>
             <a:lstStyle/>
             <a:p>
-              <a:pPr indent="0" lvl="0" marL="0" rtl="0" algn="l">
+              <a:pPr marL="0" lvl="0" indent="0" algn="l" rtl="0">
                 <a:spcBef>
                   <a:spcPts val="0"/>
                 </a:spcBef>
@@ -1954,9 +1984,6 @@
                 </a:spcAft>
                 <a:buNone/>
               </a:pPr>
-              <a:r>
-                <a:t/>
-              </a:r>
               <a:endParaRPr/>
             </a:p>
           </p:txBody>
@@ -1968,7 +1995,7 @@
             <p:nvPr/>
           </p:nvSpPr>
           <p:spPr>
-            <a:xfrm flipH="1" rot="10800000">
+            <a:xfrm rot="10800000" flipH="1">
               <a:off x="7113588" y="107"/>
               <a:ext cx="1015200" cy="1015200"/>
             </a:xfrm>
@@ -1983,12 +2010,12 @@
             </a:ln>
           </p:spPr>
           <p:txBody>
-            <a:bodyPr anchorCtr="0" anchor="ctr" bIns="91425" lIns="91425" spcFirstLastPara="1" rIns="91425" wrap="square" tIns="91425">
+            <a:bodyPr spcFirstLastPara="1" wrap="square" lIns="91425" tIns="91425" rIns="91425" bIns="91425" anchor="ctr" anchorCtr="0">
               <a:noAutofit/>
             </a:bodyPr>
             <a:lstStyle/>
             <a:p>
-              <a:pPr indent="0" lvl="0" marL="0" rtl="0" algn="l">
+              <a:pPr marL="0" lvl="0" indent="0" algn="l" rtl="0">
                 <a:spcBef>
                   <a:spcPts val="0"/>
                 </a:spcBef>
@@ -1997,9 +2024,6 @@
                 </a:spcAft>
                 <a:buNone/>
               </a:pPr>
-              <a:r>
-                <a:t/>
-              </a:r>
               <a:endParaRPr/>
             </a:p>
           </p:txBody>
@@ -2026,12 +2050,12 @@
             </a:ln>
           </p:spPr>
           <p:txBody>
-            <a:bodyPr anchorCtr="0" anchor="ctr" bIns="91425" lIns="91425" spcFirstLastPara="1" rIns="91425" wrap="square" tIns="91425">
+            <a:bodyPr spcFirstLastPara="1" wrap="square" lIns="91425" tIns="91425" rIns="91425" bIns="91425" anchor="ctr" anchorCtr="0">
               <a:noAutofit/>
             </a:bodyPr>
             <a:lstStyle/>
             <a:p>
-              <a:pPr indent="0" lvl="0" marL="0" rtl="0" algn="l">
+              <a:pPr marL="0" lvl="0" indent="0" algn="l" rtl="0">
                 <a:spcBef>
                   <a:spcPts val="0"/>
                 </a:spcBef>
@@ -2040,9 +2064,6 @@
                 </a:spcAft>
                 <a:buNone/>
               </a:pPr>
-              <a:r>
-                <a:t/>
-              </a:r>
               <a:endParaRPr/>
             </a:p>
           </p:txBody>
@@ -2069,12 +2090,12 @@
             </a:ln>
           </p:spPr>
           <p:txBody>
-            <a:bodyPr anchorCtr="0" anchor="ctr" bIns="91425" lIns="91425" spcFirstLastPara="1" rIns="91425" wrap="square" tIns="91425">
+            <a:bodyPr spcFirstLastPara="1" wrap="square" lIns="91425" tIns="91425" rIns="91425" bIns="91425" anchor="ctr" anchorCtr="0">
               <a:noAutofit/>
             </a:bodyPr>
             <a:lstStyle/>
             <a:p>
-              <a:pPr indent="0" lvl="0" marL="0" rtl="0" algn="l">
+              <a:pPr marL="0" lvl="0" indent="0" algn="l" rtl="0">
                 <a:spcBef>
                   <a:spcPts val="0"/>
                 </a:spcBef>
@@ -2083,9 +2104,6 @@
                 </a:spcAft>
                 <a:buNone/>
               </a:pPr>
-              <a:r>
-                <a:t/>
-              </a:r>
               <a:endParaRPr/>
             </a:p>
           </p:txBody>
@@ -2094,9 +2112,11 @@
       <p:sp>
         <p:nvSpPr>
           <p:cNvPr id="76" name="Google Shape;76;p11"/>
-          <p:cNvSpPr txBox="1"/>
+          <p:cNvSpPr txBox="1">
+            <a:spLocks noGrp="1"/>
+          </p:cNvSpPr>
           <p:nvPr>
-            <p:ph hasCustomPrompt="1" type="title"/>
+            <p:ph type="title" hasCustomPrompt="1"/>
           </p:nvPr>
         </p:nvSpPr>
         <p:spPr>
@@ -2109,7 +2129,7 @@
           </a:prstGeom>
         </p:spPr>
         <p:txBody>
-          <a:bodyPr anchorCtr="0" anchor="b" bIns="91425" lIns="91425" spcFirstLastPara="1" rIns="91425" wrap="square" tIns="91425"/>
+          <a:bodyPr spcFirstLastPara="1" wrap="square" lIns="91425" tIns="91425" rIns="91425" bIns="91425" anchor="b" anchorCtr="0"/>
           <a:lstStyle>
             <a:lvl1pPr lvl="0" algn="ctr">
               <a:spcBef>
@@ -2284,9 +2304,11 @@
       <p:sp>
         <p:nvSpPr>
           <p:cNvPr id="77" name="Google Shape;77;p11"/>
-          <p:cNvSpPr txBox="1"/>
+          <p:cNvSpPr txBox="1">
+            <a:spLocks noGrp="1"/>
+          </p:cNvSpPr>
           <p:nvPr>
-            <p:ph idx="1" type="body"/>
+            <p:ph type="body" idx="1"/>
           </p:nvPr>
         </p:nvSpPr>
         <p:spPr>
@@ -2299,9 +2321,9 @@
           </a:prstGeom>
         </p:spPr>
         <p:txBody>
-          <a:bodyPr anchorCtr="0" anchor="t" bIns="91425" lIns="91425" spcFirstLastPara="1" rIns="91425" wrap="square" tIns="91425"/>
+          <a:bodyPr spcFirstLastPara="1" wrap="square" lIns="91425" tIns="91425" rIns="91425" bIns="91425" anchor="t" anchorCtr="0"/>
           <a:lstStyle>
-            <a:lvl1pPr indent="-342900" lvl="0" marL="457200" algn="ctr">
+            <a:lvl1pPr marL="457200" lvl="0" indent="-342900" algn="ctr">
               <a:spcBef>
                 <a:spcPts val="0"/>
               </a:spcBef>
@@ -2319,7 +2341,7 @@
                 </a:solidFill>
               </a:defRPr>
             </a:lvl1pPr>
-            <a:lvl2pPr indent="-317500" lvl="1" marL="914400" algn="ctr">
+            <a:lvl2pPr marL="914400" lvl="1" indent="-317500" algn="ctr">
               <a:spcBef>
                 <a:spcPts val="1600"/>
               </a:spcBef>
@@ -2337,7 +2359,7 @@
                 </a:solidFill>
               </a:defRPr>
             </a:lvl2pPr>
-            <a:lvl3pPr indent="-317500" lvl="2" marL="1371600" algn="ctr">
+            <a:lvl3pPr marL="1371600" lvl="2" indent="-317500" algn="ctr">
               <a:spcBef>
                 <a:spcPts val="1600"/>
               </a:spcBef>
@@ -2355,7 +2377,7 @@
                 </a:solidFill>
               </a:defRPr>
             </a:lvl3pPr>
-            <a:lvl4pPr indent="-317500" lvl="3" marL="1828800" algn="ctr">
+            <a:lvl4pPr marL="1828800" lvl="3" indent="-317500" algn="ctr">
               <a:spcBef>
                 <a:spcPts val="1600"/>
               </a:spcBef>
@@ -2373,7 +2395,7 @@
                 </a:solidFill>
               </a:defRPr>
             </a:lvl4pPr>
-            <a:lvl5pPr indent="-317500" lvl="4" marL="2286000" algn="ctr">
+            <a:lvl5pPr marL="2286000" lvl="4" indent="-317500" algn="ctr">
               <a:spcBef>
                 <a:spcPts val="1600"/>
               </a:spcBef>
@@ -2391,7 +2413,7 @@
                 </a:solidFill>
               </a:defRPr>
             </a:lvl5pPr>
-            <a:lvl6pPr indent="-317500" lvl="5" marL="2743200" algn="ctr">
+            <a:lvl6pPr marL="2743200" lvl="5" indent="-317500" algn="ctr">
               <a:spcBef>
                 <a:spcPts val="1600"/>
               </a:spcBef>
@@ -2409,7 +2431,7 @@
                 </a:solidFill>
               </a:defRPr>
             </a:lvl6pPr>
-            <a:lvl7pPr indent="-317500" lvl="6" marL="3200400" algn="ctr">
+            <a:lvl7pPr marL="3200400" lvl="6" indent="-317500" algn="ctr">
               <a:spcBef>
                 <a:spcPts val="1600"/>
               </a:spcBef>
@@ -2427,7 +2449,7 @@
                 </a:solidFill>
               </a:defRPr>
             </a:lvl7pPr>
-            <a:lvl8pPr indent="-317500" lvl="7" marL="3657600" algn="ctr">
+            <a:lvl8pPr marL="3657600" lvl="7" indent="-317500" algn="ctr">
               <a:spcBef>
                 <a:spcPts val="1600"/>
               </a:spcBef>
@@ -2445,7 +2467,7 @@
                 </a:solidFill>
               </a:defRPr>
             </a:lvl8pPr>
-            <a:lvl9pPr indent="-317500" lvl="8" marL="4114800" algn="ctr">
+            <a:lvl9pPr marL="4114800" lvl="8" indent="-317500" algn="ctr">
               <a:spcBef>
                 <a:spcPts val="1600"/>
               </a:spcBef>
@@ -2464,15 +2486,19 @@
               </a:defRPr>
             </a:lvl9pPr>
           </a:lstStyle>
-          <a:p/>
+          <a:p>
+            <a:endParaRPr/>
+          </a:p>
         </p:txBody>
       </p:sp>
       <p:sp>
         <p:nvSpPr>
           <p:cNvPr id="78" name="Google Shape;78;p11"/>
-          <p:cNvSpPr txBox="1"/>
+          <p:cNvSpPr txBox="1">
+            <a:spLocks noGrp="1"/>
+          </p:cNvSpPr>
           <p:nvPr>
-            <p:ph idx="12" type="sldNum"/>
+            <p:ph type="sldNum" idx="12"/>
           </p:nvPr>
         </p:nvSpPr>
         <p:spPr>
@@ -2485,7 +2511,7 @@
           </a:prstGeom>
         </p:spPr>
         <p:txBody>
-          <a:bodyPr anchorCtr="0" anchor="ctr" bIns="91425" lIns="91425" spcFirstLastPara="1" rIns="91425" wrap="square" tIns="91425">
+          <a:bodyPr spcFirstLastPara="1" wrap="square" lIns="91425" tIns="91425" rIns="91425" bIns="91425" anchor="ctr" anchorCtr="0">
             <a:noAutofit/>
           </a:bodyPr>
           <a:lstStyle>
@@ -2527,7 +2553,7 @@
             </a:lvl9pPr>
           </a:lstStyle>
           <a:p>
-            <a:pPr indent="0" lvl="0" marL="0" rtl="0" algn="r">
+            <a:pPr marL="0" lvl="0" indent="0" algn="r" rtl="0">
               <a:spcBef>
                 <a:spcPts val="0"/>
               </a:spcBef>
@@ -2553,11 +2579,11 @@
 </file>
 
 <file path=ppt/slideLayouts/slideLayout11.xml><?xml version="1.0" encoding="utf-8"?>
-<p:sldLayout xmlns:a="http://schemas.openxmlformats.org/drawingml/2006/main" xmlns:r="http://schemas.openxmlformats.org/officeDocument/2006/relationships" xmlns:mc="http://schemas.openxmlformats.org/markup-compatibility/2006" xmlns:mv="urn:schemas-microsoft-com:mac:vml" xmlns:p="http://schemas.openxmlformats.org/presentationml/2006/main" xmlns:c="http://schemas.openxmlformats.org/drawingml/2006/chart" xmlns:dgm="http://schemas.openxmlformats.org/drawingml/2006/diagram" xmlns:o="urn:schemas-microsoft-com:office:office" xmlns:v="urn:schemas-microsoft-com:vml" xmlns:pvml="urn:schemas-microsoft-com:office:powerpoint" xmlns:com="http://schemas.openxmlformats.org/drawingml/2006/compatibility" xmlns:p14="http://schemas.microsoft.com/office/powerpoint/2010/main" xmlns:p15="http://schemas.microsoft.com/office/powerpoint/2012/main" matchingName="Blank" type="blank">
+<p:sldLayout xmlns:a="http://schemas.openxmlformats.org/drawingml/2006/main" xmlns:r="http://schemas.openxmlformats.org/officeDocument/2006/relationships" xmlns:p="http://schemas.openxmlformats.org/presentationml/2006/main" matchingName="Blank" type="blank">
   <p:cSld name="BLANK">
     <p:spTree>
       <p:nvGrpSpPr>
-        <p:cNvPr id="79" name="Shape 79"/>
+        <p:cNvPr id="1" name="Shape 79"/>
         <p:cNvGrpSpPr/>
         <p:nvPr/>
       </p:nvGrpSpPr>
@@ -2572,9 +2598,11 @@
       <p:sp>
         <p:nvSpPr>
           <p:cNvPr id="80" name="Google Shape;80;p12"/>
-          <p:cNvSpPr txBox="1"/>
+          <p:cNvSpPr txBox="1">
+            <a:spLocks noGrp="1"/>
+          </p:cNvSpPr>
           <p:nvPr>
-            <p:ph idx="12" type="sldNum"/>
+            <p:ph type="sldNum" idx="12"/>
           </p:nvPr>
         </p:nvSpPr>
         <p:spPr>
@@ -2587,7 +2615,7 @@
           </a:prstGeom>
         </p:spPr>
         <p:txBody>
-          <a:bodyPr anchorCtr="0" anchor="ctr" bIns="91425" lIns="91425" spcFirstLastPara="1" rIns="91425" wrap="square" tIns="91425">
+          <a:bodyPr spcFirstLastPara="1" wrap="square" lIns="91425" tIns="91425" rIns="91425" bIns="91425" anchor="ctr" anchorCtr="0">
             <a:noAutofit/>
           </a:bodyPr>
           <a:lstStyle>
@@ -2665,7 +2693,7 @@
             </a:lvl9pPr>
           </a:lstStyle>
           <a:p>
-            <a:pPr indent="0" lvl="0" marL="0" rtl="0" algn="r">
+            <a:pPr marL="0" lvl="0" indent="0" algn="r" rtl="0">
               <a:spcBef>
                 <a:spcPts val="0"/>
               </a:spcBef>
@@ -2691,18 +2719,19 @@
 </file>
 
 <file path=ppt/slideLayouts/slideLayout2.xml><?xml version="1.0" encoding="utf-8"?>
-<p:sldLayout xmlns:a="http://schemas.openxmlformats.org/drawingml/2006/main" xmlns:r="http://schemas.openxmlformats.org/officeDocument/2006/relationships" xmlns:mc="http://schemas.openxmlformats.org/markup-compatibility/2006" xmlns:mv="urn:schemas-microsoft-com:mac:vml" xmlns:p="http://schemas.openxmlformats.org/presentationml/2006/main" xmlns:c="http://schemas.openxmlformats.org/drawingml/2006/chart" xmlns:dgm="http://schemas.openxmlformats.org/drawingml/2006/diagram" xmlns:o="urn:schemas-microsoft-com:office:office" xmlns:v="urn:schemas-microsoft-com:vml" xmlns:pvml="urn:schemas-microsoft-com:office:powerpoint" xmlns:com="http://schemas.openxmlformats.org/drawingml/2006/compatibility" xmlns:p14="http://schemas.microsoft.com/office/powerpoint/2010/main" xmlns:p15="http://schemas.microsoft.com/office/powerpoint/2012/main" matchingName="Section header" type="secHead">
+<p:sldLayout xmlns:a="http://schemas.openxmlformats.org/drawingml/2006/main" xmlns:r="http://schemas.openxmlformats.org/officeDocument/2006/relationships" xmlns:p="http://schemas.openxmlformats.org/presentationml/2006/main" matchingName="Section header" type="secHead">
   <p:cSld name="SECTION_HEADER">
     <p:bg>
       <p:bgPr>
         <a:solidFill>
           <a:schemeClr val="dk1"/>
         </a:solidFill>
+        <a:effectLst/>
       </p:bgPr>
     </p:bg>
     <p:spTree>
       <p:nvGrpSpPr>
-        <p:cNvPr id="19" name="Shape 19"/>
+        <p:cNvPr id="1" name="Shape 19"/>
         <p:cNvGrpSpPr/>
         <p:nvPr/>
       </p:nvGrpSpPr>
@@ -2750,12 +2779,12 @@
             </a:ln>
           </p:spPr>
           <p:txBody>
-            <a:bodyPr anchorCtr="0" anchor="ctr" bIns="91425" lIns="91425" spcFirstLastPara="1" rIns="91425" wrap="square" tIns="91425">
+            <a:bodyPr spcFirstLastPara="1" wrap="square" lIns="91425" tIns="91425" rIns="91425" bIns="91425" anchor="ctr" anchorCtr="0">
               <a:noAutofit/>
             </a:bodyPr>
             <a:lstStyle/>
             <a:p>
-              <a:pPr indent="0" lvl="0" marL="0" rtl="0" algn="l">
+              <a:pPr marL="0" lvl="0" indent="0" algn="l" rtl="0">
                 <a:spcBef>
                   <a:spcPts val="0"/>
                 </a:spcBef>
@@ -2764,9 +2793,6 @@
                 </a:spcAft>
                 <a:buNone/>
               </a:pPr>
-              <a:r>
-                <a:t/>
-              </a:r>
               <a:endParaRPr/>
             </a:p>
           </p:txBody>
@@ -2793,12 +2819,12 @@
             </a:ln>
           </p:spPr>
           <p:txBody>
-            <a:bodyPr anchorCtr="0" anchor="ctr" bIns="91425" lIns="91425" spcFirstLastPara="1" rIns="91425" wrap="square" tIns="91425">
+            <a:bodyPr spcFirstLastPara="1" wrap="square" lIns="91425" tIns="91425" rIns="91425" bIns="91425" anchor="ctr" anchorCtr="0">
               <a:noAutofit/>
             </a:bodyPr>
             <a:lstStyle/>
             <a:p>
-              <a:pPr indent="0" lvl="0" marL="0" rtl="0" algn="l">
+              <a:pPr marL="0" lvl="0" indent="0" algn="l" rtl="0">
                 <a:spcBef>
                   <a:spcPts val="0"/>
                 </a:spcBef>
@@ -2807,9 +2833,6 @@
                 </a:spcAft>
                 <a:buNone/>
               </a:pPr>
-              <a:r>
-                <a:t/>
-              </a:r>
               <a:endParaRPr/>
             </a:p>
           </p:txBody>
@@ -2821,7 +2844,7 @@
             <p:nvPr/>
           </p:nvSpPr>
           <p:spPr>
-            <a:xfrm flipH="1" rot="10800000">
+            <a:xfrm rot="10800000" flipH="1">
               <a:off x="7113588" y="107"/>
               <a:ext cx="1015200" cy="1015200"/>
             </a:xfrm>
@@ -2836,12 +2859,12 @@
             </a:ln>
           </p:spPr>
           <p:txBody>
-            <a:bodyPr anchorCtr="0" anchor="ctr" bIns="91425" lIns="91425" spcFirstLastPara="1" rIns="91425" wrap="square" tIns="91425">
+            <a:bodyPr spcFirstLastPara="1" wrap="square" lIns="91425" tIns="91425" rIns="91425" bIns="91425" anchor="ctr" anchorCtr="0">
               <a:noAutofit/>
             </a:bodyPr>
             <a:lstStyle/>
             <a:p>
-              <a:pPr indent="0" lvl="0" marL="0" rtl="0" algn="l">
+              <a:pPr marL="0" lvl="0" indent="0" algn="l" rtl="0">
                 <a:spcBef>
                   <a:spcPts val="0"/>
                 </a:spcBef>
@@ -2850,9 +2873,6 @@
                 </a:spcAft>
                 <a:buNone/>
               </a:pPr>
-              <a:r>
-                <a:t/>
-              </a:r>
               <a:endParaRPr/>
             </a:p>
           </p:txBody>
@@ -2879,12 +2899,12 @@
             </a:ln>
           </p:spPr>
           <p:txBody>
-            <a:bodyPr anchorCtr="0" anchor="ctr" bIns="91425" lIns="91425" spcFirstLastPara="1" rIns="91425" wrap="square" tIns="91425">
+            <a:bodyPr spcFirstLastPara="1" wrap="square" lIns="91425" tIns="91425" rIns="91425" bIns="91425" anchor="ctr" anchorCtr="0">
               <a:noAutofit/>
             </a:bodyPr>
             <a:lstStyle/>
             <a:p>
-              <a:pPr indent="0" lvl="0" marL="0" rtl="0" algn="l">
+              <a:pPr marL="0" lvl="0" indent="0" algn="l" rtl="0">
                 <a:spcBef>
                   <a:spcPts val="0"/>
                 </a:spcBef>
@@ -2893,9 +2913,6 @@
                 </a:spcAft>
                 <a:buNone/>
               </a:pPr>
-              <a:r>
-                <a:t/>
-              </a:r>
               <a:endParaRPr/>
             </a:p>
           </p:txBody>
@@ -2922,12 +2939,12 @@
             </a:ln>
           </p:spPr>
           <p:txBody>
-            <a:bodyPr anchorCtr="0" anchor="ctr" bIns="91425" lIns="91425" spcFirstLastPara="1" rIns="91425" wrap="square" tIns="91425">
+            <a:bodyPr spcFirstLastPara="1" wrap="square" lIns="91425" tIns="91425" rIns="91425" bIns="91425" anchor="ctr" anchorCtr="0">
               <a:noAutofit/>
             </a:bodyPr>
             <a:lstStyle/>
             <a:p>
-              <a:pPr indent="0" lvl="0" marL="0" rtl="0" algn="l">
+              <a:pPr marL="0" lvl="0" indent="0" algn="l" rtl="0">
                 <a:spcBef>
                   <a:spcPts val="0"/>
                 </a:spcBef>
@@ -2936,9 +2953,6 @@
                 </a:spcAft>
                 <a:buNone/>
               </a:pPr>
-              <a:r>
-                <a:t/>
-              </a:r>
               <a:endParaRPr/>
             </a:p>
           </p:txBody>
@@ -2947,7 +2961,9 @@
       <p:sp>
         <p:nvSpPr>
           <p:cNvPr id="26" name="Google Shape;26;p3"/>
-          <p:cNvSpPr txBox="1"/>
+          <p:cNvSpPr txBox="1">
+            <a:spLocks noGrp="1"/>
+          </p:cNvSpPr>
           <p:nvPr>
             <p:ph type="title"/>
           </p:nvPr>
@@ -2962,7 +2978,7 @@
           </a:prstGeom>
         </p:spPr>
         <p:txBody>
-          <a:bodyPr anchorCtr="0" anchor="ctr" bIns="91425" lIns="91425" spcFirstLastPara="1" rIns="91425" wrap="square" tIns="91425"/>
+          <a:bodyPr spcFirstLastPara="1" wrap="square" lIns="91425" tIns="91425" rIns="91425" bIns="91425" anchor="ctr" anchorCtr="0"/>
           <a:lstStyle>
             <a:lvl1pPr lvl="0">
               <a:spcBef>
@@ -3127,15 +3143,19 @@
               </a:defRPr>
             </a:lvl9pPr>
           </a:lstStyle>
-          <a:p/>
+          <a:p>
+            <a:endParaRPr/>
+          </a:p>
         </p:txBody>
       </p:sp>
       <p:sp>
         <p:nvSpPr>
           <p:cNvPr id="27" name="Google Shape;27;p3"/>
-          <p:cNvSpPr txBox="1"/>
+          <p:cNvSpPr txBox="1">
+            <a:spLocks noGrp="1"/>
+          </p:cNvSpPr>
           <p:nvPr>
-            <p:ph idx="12" type="sldNum"/>
+            <p:ph type="sldNum" idx="12"/>
           </p:nvPr>
         </p:nvSpPr>
         <p:spPr>
@@ -3148,7 +3168,7 @@
           </a:prstGeom>
         </p:spPr>
         <p:txBody>
-          <a:bodyPr anchorCtr="0" anchor="ctr" bIns="91425" lIns="91425" spcFirstLastPara="1" rIns="91425" wrap="square" tIns="91425">
+          <a:bodyPr spcFirstLastPara="1" wrap="square" lIns="91425" tIns="91425" rIns="91425" bIns="91425" anchor="ctr" anchorCtr="0">
             <a:noAutofit/>
           </a:bodyPr>
           <a:lstStyle>
@@ -3190,7 +3210,7 @@
             </a:lvl9pPr>
           </a:lstStyle>
           <a:p>
-            <a:pPr indent="0" lvl="0" marL="0" rtl="0" algn="r">
+            <a:pPr marL="0" lvl="0" indent="0" algn="r" rtl="0">
               <a:spcBef>
                 <a:spcPts val="0"/>
               </a:spcBef>
@@ -3216,11 +3236,11 @@
 </file>
 
 <file path=ppt/slideLayouts/slideLayout3.xml><?xml version="1.0" encoding="utf-8"?>
-<p:sldLayout xmlns:a="http://schemas.openxmlformats.org/drawingml/2006/main" xmlns:r="http://schemas.openxmlformats.org/officeDocument/2006/relationships" xmlns:mc="http://schemas.openxmlformats.org/markup-compatibility/2006" xmlns:mv="urn:schemas-microsoft-com:mac:vml" xmlns:p="http://schemas.openxmlformats.org/presentationml/2006/main" xmlns:c="http://schemas.openxmlformats.org/drawingml/2006/chart" xmlns:dgm="http://schemas.openxmlformats.org/drawingml/2006/diagram" xmlns:o="urn:schemas-microsoft-com:office:office" xmlns:v="urn:schemas-microsoft-com:vml" xmlns:pvml="urn:schemas-microsoft-com:office:powerpoint" xmlns:com="http://schemas.openxmlformats.org/drawingml/2006/compatibility" xmlns:p14="http://schemas.microsoft.com/office/powerpoint/2010/main" xmlns:p15="http://schemas.microsoft.com/office/powerpoint/2012/main" matchingName="Title and body" type="tx">
+<p:sldLayout xmlns:a="http://schemas.openxmlformats.org/drawingml/2006/main" xmlns:r="http://schemas.openxmlformats.org/officeDocument/2006/relationships" xmlns:p="http://schemas.openxmlformats.org/presentationml/2006/main" matchingName="Title and body" type="tx">
   <p:cSld name="TITLE_AND_BODY">
     <p:spTree>
       <p:nvGrpSpPr>
-        <p:cNvPr id="28" name="Shape 28"/>
+        <p:cNvPr id="1" name="Shape 28"/>
         <p:cNvGrpSpPr/>
         <p:nvPr/>
       </p:nvGrpSpPr>
@@ -3268,12 +3288,12 @@
             </a:ln>
           </p:spPr>
           <p:txBody>
-            <a:bodyPr anchorCtr="0" anchor="ctr" bIns="91425" lIns="91425" spcFirstLastPara="1" rIns="91425" wrap="square" tIns="91425">
+            <a:bodyPr spcFirstLastPara="1" wrap="square" lIns="91425" tIns="91425" rIns="91425" bIns="91425" anchor="ctr" anchorCtr="0">
               <a:noAutofit/>
             </a:bodyPr>
             <a:lstStyle/>
             <a:p>
-              <a:pPr indent="0" lvl="0" marL="0" rtl="0" algn="l">
+              <a:pPr marL="0" lvl="0" indent="0" algn="l" rtl="0">
                 <a:spcBef>
                   <a:spcPts val="0"/>
                 </a:spcBef>
@@ -3282,9 +3302,6 @@
                 </a:spcAft>
                 <a:buNone/>
               </a:pPr>
-              <a:r>
-                <a:t/>
-              </a:r>
               <a:endParaRPr/>
             </a:p>
           </p:txBody>
@@ -3311,12 +3328,12 @@
             </a:ln>
           </p:spPr>
           <p:txBody>
-            <a:bodyPr anchorCtr="0" anchor="ctr" bIns="91425" lIns="91425" spcFirstLastPara="1" rIns="91425" wrap="square" tIns="91425">
+            <a:bodyPr spcFirstLastPara="1" wrap="square" lIns="91425" tIns="91425" rIns="91425" bIns="91425" anchor="ctr" anchorCtr="0">
               <a:noAutofit/>
             </a:bodyPr>
             <a:lstStyle/>
             <a:p>
-              <a:pPr indent="0" lvl="0" marL="0" rtl="0" algn="l">
+              <a:pPr marL="0" lvl="0" indent="0" algn="l" rtl="0">
                 <a:spcBef>
                   <a:spcPts val="0"/>
                 </a:spcBef>
@@ -3325,9 +3342,6 @@
                 </a:spcAft>
                 <a:buNone/>
               </a:pPr>
-              <a:r>
-                <a:t/>
-              </a:r>
               <a:endParaRPr/>
             </a:p>
           </p:txBody>
@@ -3354,12 +3368,12 @@
             </a:ln>
           </p:spPr>
           <p:txBody>
-            <a:bodyPr anchorCtr="0" anchor="ctr" bIns="91425" lIns="91425" spcFirstLastPara="1" rIns="91425" wrap="square" tIns="91425">
+            <a:bodyPr spcFirstLastPara="1" wrap="square" lIns="91425" tIns="91425" rIns="91425" bIns="91425" anchor="ctr" anchorCtr="0">
               <a:noAutofit/>
             </a:bodyPr>
             <a:lstStyle/>
             <a:p>
-              <a:pPr indent="0" lvl="0" marL="0" rtl="0" algn="l">
+              <a:pPr marL="0" lvl="0" indent="0" algn="l" rtl="0">
                 <a:spcBef>
                   <a:spcPts val="0"/>
                 </a:spcBef>
@@ -3368,9 +3382,6 @@
                 </a:spcAft>
                 <a:buNone/>
               </a:pPr>
-              <a:r>
-                <a:t/>
-              </a:r>
               <a:endParaRPr/>
             </a:p>
           </p:txBody>
@@ -3397,12 +3408,12 @@
             </a:ln>
           </p:spPr>
           <p:txBody>
-            <a:bodyPr anchorCtr="0" anchor="ctr" bIns="91425" lIns="91425" spcFirstLastPara="1" rIns="91425" wrap="square" tIns="91425">
+            <a:bodyPr spcFirstLastPara="1" wrap="square" lIns="91425" tIns="91425" rIns="91425" bIns="91425" anchor="ctr" anchorCtr="0">
               <a:noAutofit/>
             </a:bodyPr>
             <a:lstStyle/>
             <a:p>
-              <a:pPr indent="0" lvl="0" marL="0" rtl="0" algn="l">
+              <a:pPr marL="0" lvl="0" indent="0" algn="l" rtl="0">
                 <a:spcBef>
                   <a:spcPts val="0"/>
                 </a:spcBef>
@@ -3411,9 +3422,6 @@
                 </a:spcAft>
                 <a:buNone/>
               </a:pPr>
-              <a:r>
-                <a:t/>
-              </a:r>
               <a:endParaRPr/>
             </a:p>
           </p:txBody>
@@ -3440,12 +3448,12 @@
             </a:ln>
           </p:spPr>
           <p:txBody>
-            <a:bodyPr anchorCtr="0" anchor="ctr" bIns="91425" lIns="91425" spcFirstLastPara="1" rIns="91425" wrap="square" tIns="91425">
+            <a:bodyPr spcFirstLastPara="1" wrap="square" lIns="91425" tIns="91425" rIns="91425" bIns="91425" anchor="ctr" anchorCtr="0">
               <a:noAutofit/>
             </a:bodyPr>
             <a:lstStyle/>
             <a:p>
-              <a:pPr indent="0" lvl="0" marL="0" rtl="0" algn="l">
+              <a:pPr marL="0" lvl="0" indent="0" algn="l" rtl="0">
                 <a:spcBef>
                   <a:spcPts val="0"/>
                 </a:spcBef>
@@ -3454,9 +3462,6 @@
                 </a:spcAft>
                 <a:buNone/>
               </a:pPr>
-              <a:r>
-                <a:t/>
-              </a:r>
               <a:endParaRPr/>
             </a:p>
           </p:txBody>
@@ -3465,7 +3470,9 @@
       <p:sp>
         <p:nvSpPr>
           <p:cNvPr id="35" name="Google Shape;35;p4"/>
-          <p:cNvSpPr txBox="1"/>
+          <p:cNvSpPr txBox="1">
+            <a:spLocks noGrp="1"/>
+          </p:cNvSpPr>
           <p:nvPr>
             <p:ph type="title"/>
           </p:nvPr>
@@ -3480,7 +3487,7 @@
           </a:prstGeom>
         </p:spPr>
         <p:txBody>
-          <a:bodyPr anchorCtr="0" anchor="t" bIns="91425" lIns="91425" spcFirstLastPara="1" rIns="91425" wrap="square" tIns="91425"/>
+          <a:bodyPr spcFirstLastPara="1" wrap="square" lIns="91425" tIns="91425" rIns="91425" bIns="91425" anchor="t" anchorCtr="0"/>
           <a:lstStyle>
             <a:lvl1pPr lvl="0">
               <a:spcBef>
@@ -3582,15 +3589,19 @@
               <a:defRPr/>
             </a:lvl9pPr>
           </a:lstStyle>
-          <a:p/>
+          <a:p>
+            <a:endParaRPr/>
+          </a:p>
         </p:txBody>
       </p:sp>
       <p:sp>
         <p:nvSpPr>
           <p:cNvPr id="36" name="Google Shape;36;p4"/>
-          <p:cNvSpPr txBox="1"/>
+          <p:cNvSpPr txBox="1">
+            <a:spLocks noGrp="1"/>
+          </p:cNvSpPr>
           <p:nvPr>
-            <p:ph idx="1" type="body"/>
+            <p:ph type="body" idx="1"/>
           </p:nvPr>
         </p:nvSpPr>
         <p:spPr>
@@ -3603,9 +3614,9 @@
           </a:prstGeom>
         </p:spPr>
         <p:txBody>
-          <a:bodyPr anchorCtr="0" anchor="t" bIns="91425" lIns="91425" spcFirstLastPara="1" rIns="91425" wrap="square" tIns="91425"/>
+          <a:bodyPr spcFirstLastPara="1" wrap="square" lIns="91425" tIns="91425" rIns="91425" bIns="91425" anchor="t" anchorCtr="0"/>
           <a:lstStyle>
-            <a:lvl1pPr indent="-342900" lvl="0" marL="457200">
+            <a:lvl1pPr marL="457200" lvl="0" indent="-342900">
               <a:spcBef>
                 <a:spcPts val="0"/>
               </a:spcBef>
@@ -3616,7 +3627,7 @@
               <a:buChar char="●"/>
               <a:defRPr/>
             </a:lvl1pPr>
-            <a:lvl2pPr indent="-317500" lvl="1" marL="914400">
+            <a:lvl2pPr marL="914400" lvl="1" indent="-317500">
               <a:spcBef>
                 <a:spcPts val="1600"/>
               </a:spcBef>
@@ -3627,7 +3638,7 @@
               <a:buChar char="○"/>
               <a:defRPr/>
             </a:lvl2pPr>
-            <a:lvl3pPr indent="-317500" lvl="2" marL="1371600">
+            <a:lvl3pPr marL="1371600" lvl="2" indent="-317500">
               <a:spcBef>
                 <a:spcPts val="1600"/>
               </a:spcBef>
@@ -3638,7 +3649,7 @@
               <a:buChar char="■"/>
               <a:defRPr/>
             </a:lvl3pPr>
-            <a:lvl4pPr indent="-317500" lvl="3" marL="1828800">
+            <a:lvl4pPr marL="1828800" lvl="3" indent="-317500">
               <a:spcBef>
                 <a:spcPts val="1600"/>
               </a:spcBef>
@@ -3649,7 +3660,7 @@
               <a:buChar char="●"/>
               <a:defRPr/>
             </a:lvl4pPr>
-            <a:lvl5pPr indent="-317500" lvl="4" marL="2286000">
+            <a:lvl5pPr marL="2286000" lvl="4" indent="-317500">
               <a:spcBef>
                 <a:spcPts val="1600"/>
               </a:spcBef>
@@ -3660,7 +3671,7 @@
               <a:buChar char="○"/>
               <a:defRPr/>
             </a:lvl5pPr>
-            <a:lvl6pPr indent="-317500" lvl="5" marL="2743200">
+            <a:lvl6pPr marL="2743200" lvl="5" indent="-317500">
               <a:spcBef>
                 <a:spcPts val="1600"/>
               </a:spcBef>
@@ -3671,7 +3682,7 @@
               <a:buChar char="■"/>
               <a:defRPr/>
             </a:lvl6pPr>
-            <a:lvl7pPr indent="-317500" lvl="6" marL="3200400">
+            <a:lvl7pPr marL="3200400" lvl="6" indent="-317500">
               <a:spcBef>
                 <a:spcPts val="1600"/>
               </a:spcBef>
@@ -3682,7 +3693,7 @@
               <a:buChar char="●"/>
               <a:defRPr/>
             </a:lvl7pPr>
-            <a:lvl8pPr indent="-317500" lvl="7" marL="3657600">
+            <a:lvl8pPr marL="3657600" lvl="7" indent="-317500">
               <a:spcBef>
                 <a:spcPts val="1600"/>
               </a:spcBef>
@@ -3693,7 +3704,7 @@
               <a:buChar char="○"/>
               <a:defRPr/>
             </a:lvl8pPr>
-            <a:lvl9pPr indent="-317500" lvl="8" marL="4114800">
+            <a:lvl9pPr marL="4114800" lvl="8" indent="-317500">
               <a:spcBef>
                 <a:spcPts val="1600"/>
               </a:spcBef>
@@ -3705,15 +3716,19 @@
               <a:defRPr/>
             </a:lvl9pPr>
           </a:lstStyle>
-          <a:p/>
+          <a:p>
+            <a:endParaRPr/>
+          </a:p>
         </p:txBody>
       </p:sp>
       <p:sp>
         <p:nvSpPr>
           <p:cNvPr id="37" name="Google Shape;37;p4"/>
-          <p:cNvSpPr txBox="1"/>
+          <p:cNvSpPr txBox="1">
+            <a:spLocks noGrp="1"/>
+          </p:cNvSpPr>
           <p:nvPr>
-            <p:ph idx="12" type="sldNum"/>
+            <p:ph type="sldNum" idx="12"/>
           </p:nvPr>
         </p:nvSpPr>
         <p:spPr>
@@ -3726,7 +3741,7 @@
           </a:prstGeom>
         </p:spPr>
         <p:txBody>
-          <a:bodyPr anchorCtr="0" anchor="ctr" bIns="91425" lIns="91425" spcFirstLastPara="1" rIns="91425" wrap="square" tIns="91425">
+          <a:bodyPr spcFirstLastPara="1" wrap="square" lIns="91425" tIns="91425" rIns="91425" bIns="91425" anchor="ctr" anchorCtr="0">
             <a:noAutofit/>
           </a:bodyPr>
           <a:lstStyle>
@@ -3768,7 +3783,7 @@
             </a:lvl9pPr>
           </a:lstStyle>
           <a:p>
-            <a:pPr indent="0" lvl="0" marL="0" rtl="0" algn="r">
+            <a:pPr marL="0" lvl="0" indent="0" algn="r" rtl="0">
               <a:spcBef>
                 <a:spcPts val="0"/>
               </a:spcBef>
@@ -3794,11 +3809,11 @@
 </file>
 
 <file path=ppt/slideLayouts/slideLayout4.xml><?xml version="1.0" encoding="utf-8"?>
-<p:sldLayout xmlns:a="http://schemas.openxmlformats.org/drawingml/2006/main" xmlns:r="http://schemas.openxmlformats.org/officeDocument/2006/relationships" xmlns:mc="http://schemas.openxmlformats.org/markup-compatibility/2006" xmlns:mv="urn:schemas-microsoft-com:mac:vml" xmlns:p="http://schemas.openxmlformats.org/presentationml/2006/main" xmlns:c="http://schemas.openxmlformats.org/drawingml/2006/chart" xmlns:dgm="http://schemas.openxmlformats.org/drawingml/2006/diagram" xmlns:o="urn:schemas-microsoft-com:office:office" xmlns:v="urn:schemas-microsoft-com:vml" xmlns:pvml="urn:schemas-microsoft-com:office:powerpoint" xmlns:com="http://schemas.openxmlformats.org/drawingml/2006/compatibility" xmlns:p14="http://schemas.microsoft.com/office/powerpoint/2010/main" xmlns:p15="http://schemas.microsoft.com/office/powerpoint/2012/main" matchingName="Title and two columns" type="twoColTx">
+<p:sldLayout xmlns:a="http://schemas.openxmlformats.org/drawingml/2006/main" xmlns:r="http://schemas.openxmlformats.org/officeDocument/2006/relationships" xmlns:p="http://schemas.openxmlformats.org/presentationml/2006/main" matchingName="Title and two columns" type="twoColTx">
   <p:cSld name="TITLE_AND_TWO_COLUMNS">
     <p:spTree>
       <p:nvGrpSpPr>
-        <p:cNvPr id="38" name="Shape 38"/>
+        <p:cNvPr id="1" name="Shape 38"/>
         <p:cNvGrpSpPr/>
         <p:nvPr/>
       </p:nvGrpSpPr>
@@ -3813,7 +3828,9 @@
       <p:sp>
         <p:nvSpPr>
           <p:cNvPr id="39" name="Google Shape;39;p5"/>
-          <p:cNvSpPr txBox="1"/>
+          <p:cNvSpPr txBox="1">
+            <a:spLocks noGrp="1"/>
+          </p:cNvSpPr>
           <p:nvPr>
             <p:ph type="title"/>
           </p:nvPr>
@@ -3828,7 +3845,7 @@
           </a:prstGeom>
         </p:spPr>
         <p:txBody>
-          <a:bodyPr anchorCtr="0" anchor="t" bIns="91425" lIns="91425" spcFirstLastPara="1" rIns="91425" wrap="square" tIns="91425"/>
+          <a:bodyPr spcFirstLastPara="1" wrap="square" lIns="91425" tIns="91425" rIns="91425" bIns="91425" anchor="t" anchorCtr="0"/>
           <a:lstStyle>
             <a:lvl1pPr lvl="0">
               <a:spcBef>
@@ -3930,15 +3947,19 @@
               <a:defRPr/>
             </a:lvl9pPr>
           </a:lstStyle>
-          <a:p/>
+          <a:p>
+            <a:endParaRPr/>
+          </a:p>
         </p:txBody>
       </p:sp>
       <p:sp>
         <p:nvSpPr>
           <p:cNvPr id="40" name="Google Shape;40;p5"/>
-          <p:cNvSpPr txBox="1"/>
+          <p:cNvSpPr txBox="1">
+            <a:spLocks noGrp="1"/>
+          </p:cNvSpPr>
           <p:nvPr>
-            <p:ph idx="1" type="body"/>
+            <p:ph type="body" idx="1"/>
           </p:nvPr>
         </p:nvSpPr>
         <p:spPr>
@@ -3951,9 +3972,9 @@
           </a:prstGeom>
         </p:spPr>
         <p:txBody>
-          <a:bodyPr anchorCtr="0" anchor="t" bIns="91425" lIns="91425" spcFirstLastPara="1" rIns="91425" wrap="square" tIns="91425"/>
+          <a:bodyPr spcFirstLastPara="1" wrap="square" lIns="91425" tIns="91425" rIns="91425" bIns="91425" anchor="t" anchorCtr="0"/>
           <a:lstStyle>
-            <a:lvl1pPr indent="-317500" lvl="0" marL="457200">
+            <a:lvl1pPr marL="457200" lvl="0" indent="-317500">
               <a:spcBef>
                 <a:spcPts val="0"/>
               </a:spcBef>
@@ -3964,7 +3985,7 @@
               <a:buChar char="●"/>
               <a:defRPr sz="1400"/>
             </a:lvl1pPr>
-            <a:lvl2pPr indent="-304800" lvl="1" marL="914400">
+            <a:lvl2pPr marL="914400" lvl="1" indent="-304800">
               <a:spcBef>
                 <a:spcPts val="1600"/>
               </a:spcBef>
@@ -3975,7 +3996,7 @@
               <a:buChar char="○"/>
               <a:defRPr sz="1200"/>
             </a:lvl2pPr>
-            <a:lvl3pPr indent="-304800" lvl="2" marL="1371600">
+            <a:lvl3pPr marL="1371600" lvl="2" indent="-304800">
               <a:spcBef>
                 <a:spcPts val="1600"/>
               </a:spcBef>
@@ -3986,7 +4007,7 @@
               <a:buChar char="■"/>
               <a:defRPr sz="1200"/>
             </a:lvl3pPr>
-            <a:lvl4pPr indent="-304800" lvl="3" marL="1828800">
+            <a:lvl4pPr marL="1828800" lvl="3" indent="-304800">
               <a:spcBef>
                 <a:spcPts val="1600"/>
               </a:spcBef>
@@ -3997,7 +4018,7 @@
               <a:buChar char="●"/>
               <a:defRPr sz="1200"/>
             </a:lvl4pPr>
-            <a:lvl5pPr indent="-304800" lvl="4" marL="2286000">
+            <a:lvl5pPr marL="2286000" lvl="4" indent="-304800">
               <a:spcBef>
                 <a:spcPts val="1600"/>
               </a:spcBef>
@@ -4008,7 +4029,7 @@
               <a:buChar char="○"/>
               <a:defRPr sz="1200"/>
             </a:lvl5pPr>
-            <a:lvl6pPr indent="-304800" lvl="5" marL="2743200">
+            <a:lvl6pPr marL="2743200" lvl="5" indent="-304800">
               <a:spcBef>
                 <a:spcPts val="1600"/>
               </a:spcBef>
@@ -4019,7 +4040,7 @@
               <a:buChar char="■"/>
               <a:defRPr sz="1200"/>
             </a:lvl6pPr>
-            <a:lvl7pPr indent="-304800" lvl="6" marL="3200400">
+            <a:lvl7pPr marL="3200400" lvl="6" indent="-304800">
               <a:spcBef>
                 <a:spcPts val="1600"/>
               </a:spcBef>
@@ -4030,7 +4051,7 @@
               <a:buChar char="●"/>
               <a:defRPr sz="1200"/>
             </a:lvl7pPr>
-            <a:lvl8pPr indent="-304800" lvl="7" marL="3657600">
+            <a:lvl8pPr marL="3657600" lvl="7" indent="-304800">
               <a:spcBef>
                 <a:spcPts val="1600"/>
               </a:spcBef>
@@ -4041,7 +4062,7 @@
               <a:buChar char="○"/>
               <a:defRPr sz="1200"/>
             </a:lvl8pPr>
-            <a:lvl9pPr indent="-304800" lvl="8" marL="4114800">
+            <a:lvl9pPr marL="4114800" lvl="8" indent="-304800">
               <a:spcBef>
                 <a:spcPts val="1600"/>
               </a:spcBef>
@@ -4053,15 +4074,19 @@
               <a:defRPr sz="1200"/>
             </a:lvl9pPr>
           </a:lstStyle>
-          <a:p/>
+          <a:p>
+            <a:endParaRPr/>
+          </a:p>
         </p:txBody>
       </p:sp>
       <p:sp>
         <p:nvSpPr>
           <p:cNvPr id="41" name="Google Shape;41;p5"/>
-          <p:cNvSpPr txBox="1"/>
+          <p:cNvSpPr txBox="1">
+            <a:spLocks noGrp="1"/>
+          </p:cNvSpPr>
           <p:nvPr>
-            <p:ph idx="2" type="body"/>
+            <p:ph type="body" idx="2"/>
           </p:nvPr>
         </p:nvSpPr>
         <p:spPr>
@@ -4074,9 +4099,9 @@
           </a:prstGeom>
         </p:spPr>
         <p:txBody>
-          <a:bodyPr anchorCtr="0" anchor="t" bIns="91425" lIns="91425" spcFirstLastPara="1" rIns="91425" wrap="square" tIns="91425"/>
+          <a:bodyPr spcFirstLastPara="1" wrap="square" lIns="91425" tIns="91425" rIns="91425" bIns="91425" anchor="t" anchorCtr="0"/>
           <a:lstStyle>
-            <a:lvl1pPr indent="-317500" lvl="0" marL="457200">
+            <a:lvl1pPr marL="457200" lvl="0" indent="-317500">
               <a:spcBef>
                 <a:spcPts val="0"/>
               </a:spcBef>
@@ -4087,7 +4112,7 @@
               <a:buChar char="●"/>
               <a:defRPr sz="1400"/>
             </a:lvl1pPr>
-            <a:lvl2pPr indent="-304800" lvl="1" marL="914400">
+            <a:lvl2pPr marL="914400" lvl="1" indent="-304800">
               <a:spcBef>
                 <a:spcPts val="1600"/>
               </a:spcBef>
@@ -4098,7 +4123,7 @@
               <a:buChar char="○"/>
               <a:defRPr sz="1200"/>
             </a:lvl2pPr>
-            <a:lvl3pPr indent="-304800" lvl="2" marL="1371600">
+            <a:lvl3pPr marL="1371600" lvl="2" indent="-304800">
               <a:spcBef>
                 <a:spcPts val="1600"/>
               </a:spcBef>
@@ -4109,7 +4134,7 @@
               <a:buChar char="■"/>
               <a:defRPr sz="1200"/>
             </a:lvl3pPr>
-            <a:lvl4pPr indent="-304800" lvl="3" marL="1828800">
+            <a:lvl4pPr marL="1828800" lvl="3" indent="-304800">
               <a:spcBef>
                 <a:spcPts val="1600"/>
               </a:spcBef>
@@ -4120,7 +4145,7 @@
               <a:buChar char="●"/>
               <a:defRPr sz="1200"/>
             </a:lvl4pPr>
-            <a:lvl5pPr indent="-304800" lvl="4" marL="2286000">
+            <a:lvl5pPr marL="2286000" lvl="4" indent="-304800">
               <a:spcBef>
                 <a:spcPts val="1600"/>
               </a:spcBef>
@@ -4131,7 +4156,7 @@
               <a:buChar char="○"/>
               <a:defRPr sz="1200"/>
             </a:lvl5pPr>
-            <a:lvl6pPr indent="-304800" lvl="5" marL="2743200">
+            <a:lvl6pPr marL="2743200" lvl="5" indent="-304800">
               <a:spcBef>
                 <a:spcPts val="1600"/>
               </a:spcBef>
@@ -4142,7 +4167,7 @@
               <a:buChar char="■"/>
               <a:defRPr sz="1200"/>
             </a:lvl6pPr>
-            <a:lvl7pPr indent="-304800" lvl="6" marL="3200400">
+            <a:lvl7pPr marL="3200400" lvl="6" indent="-304800">
               <a:spcBef>
                 <a:spcPts val="1600"/>
               </a:spcBef>
@@ -4153,7 +4178,7 @@
               <a:buChar char="●"/>
               <a:defRPr sz="1200"/>
             </a:lvl7pPr>
-            <a:lvl8pPr indent="-304800" lvl="7" marL="3657600">
+            <a:lvl8pPr marL="3657600" lvl="7" indent="-304800">
               <a:spcBef>
                 <a:spcPts val="1600"/>
               </a:spcBef>
@@ -4164,7 +4189,7 @@
               <a:buChar char="○"/>
               <a:defRPr sz="1200"/>
             </a:lvl8pPr>
-            <a:lvl9pPr indent="-304800" lvl="8" marL="4114800">
+            <a:lvl9pPr marL="4114800" lvl="8" indent="-304800">
               <a:spcBef>
                 <a:spcPts val="1600"/>
               </a:spcBef>
@@ -4176,15 +4201,19 @@
               <a:defRPr sz="1200"/>
             </a:lvl9pPr>
           </a:lstStyle>
-          <a:p/>
+          <a:p>
+            <a:endParaRPr/>
+          </a:p>
         </p:txBody>
       </p:sp>
       <p:sp>
         <p:nvSpPr>
           <p:cNvPr id="42" name="Google Shape;42;p5"/>
-          <p:cNvSpPr txBox="1"/>
+          <p:cNvSpPr txBox="1">
+            <a:spLocks noGrp="1"/>
+          </p:cNvSpPr>
           <p:nvPr>
-            <p:ph idx="12" type="sldNum"/>
+            <p:ph type="sldNum" idx="12"/>
           </p:nvPr>
         </p:nvSpPr>
         <p:spPr>
@@ -4197,7 +4226,7 @@
           </a:prstGeom>
         </p:spPr>
         <p:txBody>
-          <a:bodyPr anchorCtr="0" anchor="ctr" bIns="91425" lIns="91425" spcFirstLastPara="1" rIns="91425" wrap="square" tIns="91425">
+          <a:bodyPr spcFirstLastPara="1" wrap="square" lIns="91425" tIns="91425" rIns="91425" bIns="91425" anchor="ctr" anchorCtr="0">
             <a:noAutofit/>
           </a:bodyPr>
           <a:lstStyle>
@@ -4275,7 +4304,7 @@
             </a:lvl9pPr>
           </a:lstStyle>
           <a:p>
-            <a:pPr indent="0" lvl="0" marL="0" rtl="0" algn="r">
+            <a:pPr marL="0" lvl="0" indent="0" algn="r" rtl="0">
               <a:spcBef>
                 <a:spcPts val="0"/>
               </a:spcBef>
@@ -4301,11 +4330,11 @@
 </file>
 
 <file path=ppt/slideLayouts/slideLayout5.xml><?xml version="1.0" encoding="utf-8"?>
-<p:sldLayout xmlns:a="http://schemas.openxmlformats.org/drawingml/2006/main" xmlns:r="http://schemas.openxmlformats.org/officeDocument/2006/relationships" xmlns:mc="http://schemas.openxmlformats.org/markup-compatibility/2006" xmlns:mv="urn:schemas-microsoft-com:mac:vml" xmlns:p="http://schemas.openxmlformats.org/presentationml/2006/main" xmlns:c="http://schemas.openxmlformats.org/drawingml/2006/chart" xmlns:dgm="http://schemas.openxmlformats.org/drawingml/2006/diagram" xmlns:o="urn:schemas-microsoft-com:office:office" xmlns:v="urn:schemas-microsoft-com:vml" xmlns:pvml="urn:schemas-microsoft-com:office:powerpoint" xmlns:com="http://schemas.openxmlformats.org/drawingml/2006/compatibility" xmlns:p14="http://schemas.microsoft.com/office/powerpoint/2010/main" xmlns:p15="http://schemas.microsoft.com/office/powerpoint/2012/main" matchingName="Title only" type="titleOnly">
+<p:sldLayout xmlns:a="http://schemas.openxmlformats.org/drawingml/2006/main" xmlns:r="http://schemas.openxmlformats.org/officeDocument/2006/relationships" xmlns:p="http://schemas.openxmlformats.org/presentationml/2006/main" matchingName="Title only" type="titleOnly">
   <p:cSld name="TITLE_ONLY">
     <p:spTree>
       <p:nvGrpSpPr>
-        <p:cNvPr id="43" name="Shape 43"/>
+        <p:cNvPr id="1" name="Shape 43"/>
         <p:cNvGrpSpPr/>
         <p:nvPr/>
       </p:nvGrpSpPr>
@@ -4320,7 +4349,9 @@
       <p:sp>
         <p:nvSpPr>
           <p:cNvPr id="44" name="Google Shape;44;p6"/>
-          <p:cNvSpPr txBox="1"/>
+          <p:cNvSpPr txBox="1">
+            <a:spLocks noGrp="1"/>
+          </p:cNvSpPr>
           <p:nvPr>
             <p:ph type="title"/>
           </p:nvPr>
@@ -4335,7 +4366,7 @@
           </a:prstGeom>
         </p:spPr>
         <p:txBody>
-          <a:bodyPr anchorCtr="0" anchor="t" bIns="91425" lIns="91425" spcFirstLastPara="1" rIns="91425" wrap="square" tIns="91425"/>
+          <a:bodyPr spcFirstLastPara="1" wrap="square" lIns="91425" tIns="91425" rIns="91425" bIns="91425" anchor="t" anchorCtr="0"/>
           <a:lstStyle>
             <a:lvl1pPr lvl="0">
               <a:spcBef>
@@ -4437,15 +4468,19 @@
               <a:defRPr/>
             </a:lvl9pPr>
           </a:lstStyle>
-          <a:p/>
+          <a:p>
+            <a:endParaRPr/>
+          </a:p>
         </p:txBody>
       </p:sp>
       <p:sp>
         <p:nvSpPr>
           <p:cNvPr id="45" name="Google Shape;45;p6"/>
-          <p:cNvSpPr txBox="1"/>
+          <p:cNvSpPr txBox="1">
+            <a:spLocks noGrp="1"/>
+          </p:cNvSpPr>
           <p:nvPr>
-            <p:ph idx="12" type="sldNum"/>
+            <p:ph type="sldNum" idx="12"/>
           </p:nvPr>
         </p:nvSpPr>
         <p:spPr>
@@ -4458,7 +4493,7 @@
           </a:prstGeom>
         </p:spPr>
         <p:txBody>
-          <a:bodyPr anchorCtr="0" anchor="ctr" bIns="91425" lIns="91425" spcFirstLastPara="1" rIns="91425" wrap="square" tIns="91425">
+          <a:bodyPr spcFirstLastPara="1" wrap="square" lIns="91425" tIns="91425" rIns="91425" bIns="91425" anchor="ctr" anchorCtr="0">
             <a:noAutofit/>
           </a:bodyPr>
           <a:lstStyle>
@@ -4536,7 +4571,7 @@
             </a:lvl9pPr>
           </a:lstStyle>
           <a:p>
-            <a:pPr indent="0" lvl="0" marL="0" rtl="0" algn="r">
+            <a:pPr marL="0" lvl="0" indent="0" algn="r" rtl="0">
               <a:spcBef>
                 <a:spcPts val="0"/>
               </a:spcBef>
@@ -4562,11 +4597,11 @@
 </file>
 
 <file path=ppt/slideLayouts/slideLayout6.xml><?xml version="1.0" encoding="utf-8"?>
-<p:sldLayout xmlns:a="http://schemas.openxmlformats.org/drawingml/2006/main" xmlns:r="http://schemas.openxmlformats.org/officeDocument/2006/relationships" xmlns:mc="http://schemas.openxmlformats.org/markup-compatibility/2006" xmlns:mv="urn:schemas-microsoft-com:mac:vml" xmlns:p="http://schemas.openxmlformats.org/presentationml/2006/main" xmlns:c="http://schemas.openxmlformats.org/drawingml/2006/chart" xmlns:dgm="http://schemas.openxmlformats.org/drawingml/2006/diagram" xmlns:o="urn:schemas-microsoft-com:office:office" xmlns:v="urn:schemas-microsoft-com:vml" xmlns:pvml="urn:schemas-microsoft-com:office:powerpoint" xmlns:com="http://schemas.openxmlformats.org/drawingml/2006/compatibility" xmlns:p14="http://schemas.microsoft.com/office/powerpoint/2010/main" xmlns:p15="http://schemas.microsoft.com/office/powerpoint/2012/main" matchingName="One column text">
+<p:sldLayout xmlns:a="http://schemas.openxmlformats.org/drawingml/2006/main" xmlns:r="http://schemas.openxmlformats.org/officeDocument/2006/relationships" xmlns:p="http://schemas.openxmlformats.org/presentationml/2006/main" matchingName="One column text">
   <p:cSld name="ONE_COLUMN_TEXT">
     <p:spTree>
       <p:nvGrpSpPr>
-        <p:cNvPr id="46" name="Shape 46"/>
+        <p:cNvPr id="1" name="Shape 46"/>
         <p:cNvGrpSpPr/>
         <p:nvPr/>
       </p:nvGrpSpPr>
@@ -4581,7 +4616,9 @@
       <p:sp>
         <p:nvSpPr>
           <p:cNvPr id="47" name="Google Shape;47;p7"/>
-          <p:cNvSpPr txBox="1"/>
+          <p:cNvSpPr txBox="1">
+            <a:spLocks noGrp="1"/>
+          </p:cNvSpPr>
           <p:nvPr>
             <p:ph type="title"/>
           </p:nvPr>
@@ -4596,7 +4633,7 @@
           </a:prstGeom>
         </p:spPr>
         <p:txBody>
-          <a:bodyPr anchorCtr="0" anchor="b" bIns="91425" lIns="91425" spcFirstLastPara="1" rIns="91425" wrap="square" tIns="91425"/>
+          <a:bodyPr spcFirstLastPara="1" wrap="square" lIns="91425" tIns="91425" rIns="91425" bIns="91425" anchor="b" anchorCtr="0"/>
           <a:lstStyle>
             <a:lvl1pPr lvl="0">
               <a:spcBef>
@@ -4698,15 +4735,19 @@
               <a:defRPr sz="2400"/>
             </a:lvl9pPr>
           </a:lstStyle>
-          <a:p/>
+          <a:p>
+            <a:endParaRPr/>
+          </a:p>
         </p:txBody>
       </p:sp>
       <p:sp>
         <p:nvSpPr>
           <p:cNvPr id="48" name="Google Shape;48;p7"/>
-          <p:cNvSpPr txBox="1"/>
+          <p:cNvSpPr txBox="1">
+            <a:spLocks noGrp="1"/>
+          </p:cNvSpPr>
           <p:nvPr>
-            <p:ph idx="1" type="body"/>
+            <p:ph type="body" idx="1"/>
           </p:nvPr>
         </p:nvSpPr>
         <p:spPr>
@@ -4719,9 +4760,9 @@
           </a:prstGeom>
         </p:spPr>
         <p:txBody>
-          <a:bodyPr anchorCtr="0" anchor="t" bIns="91425" lIns="91425" spcFirstLastPara="1" rIns="91425" wrap="square" tIns="91425"/>
+          <a:bodyPr spcFirstLastPara="1" wrap="square" lIns="91425" tIns="91425" rIns="91425" bIns="91425" anchor="t" anchorCtr="0"/>
           <a:lstStyle>
-            <a:lvl1pPr indent="-304800" lvl="0" marL="457200">
+            <a:lvl1pPr marL="457200" lvl="0" indent="-304800">
               <a:spcBef>
                 <a:spcPts val="0"/>
               </a:spcBef>
@@ -4732,7 +4773,7 @@
               <a:buChar char="●"/>
               <a:defRPr sz="1200"/>
             </a:lvl1pPr>
-            <a:lvl2pPr indent="-304800" lvl="1" marL="914400">
+            <a:lvl2pPr marL="914400" lvl="1" indent="-304800">
               <a:spcBef>
                 <a:spcPts val="1600"/>
               </a:spcBef>
@@ -4743,7 +4784,7 @@
               <a:buChar char="○"/>
               <a:defRPr sz="1200"/>
             </a:lvl2pPr>
-            <a:lvl3pPr indent="-304800" lvl="2" marL="1371600">
+            <a:lvl3pPr marL="1371600" lvl="2" indent="-304800">
               <a:spcBef>
                 <a:spcPts val="1600"/>
               </a:spcBef>
@@ -4754,7 +4795,7 @@
               <a:buChar char="■"/>
               <a:defRPr sz="1200"/>
             </a:lvl3pPr>
-            <a:lvl4pPr indent="-304800" lvl="3" marL="1828800">
+            <a:lvl4pPr marL="1828800" lvl="3" indent="-304800">
               <a:spcBef>
                 <a:spcPts val="1600"/>
               </a:spcBef>
@@ -4765,7 +4806,7 @@
               <a:buChar char="●"/>
               <a:defRPr sz="1200"/>
             </a:lvl4pPr>
-            <a:lvl5pPr indent="-304800" lvl="4" marL="2286000">
+            <a:lvl5pPr marL="2286000" lvl="4" indent="-304800">
               <a:spcBef>
                 <a:spcPts val="1600"/>
               </a:spcBef>
@@ -4776,7 +4817,7 @@
               <a:buChar char="○"/>
               <a:defRPr sz="1200"/>
             </a:lvl5pPr>
-            <a:lvl6pPr indent="-304800" lvl="5" marL="2743200">
+            <a:lvl6pPr marL="2743200" lvl="5" indent="-304800">
               <a:spcBef>
                 <a:spcPts val="1600"/>
               </a:spcBef>
@@ -4787,7 +4828,7 @@
               <a:buChar char="■"/>
               <a:defRPr sz="1200"/>
             </a:lvl6pPr>
-            <a:lvl7pPr indent="-304800" lvl="6" marL="3200400">
+            <a:lvl7pPr marL="3200400" lvl="6" indent="-304800">
               <a:spcBef>
                 <a:spcPts val="1600"/>
               </a:spcBef>
@@ -4798,7 +4839,7 @@
               <a:buChar char="●"/>
               <a:defRPr sz="1200"/>
             </a:lvl7pPr>
-            <a:lvl8pPr indent="-304800" lvl="7" marL="3657600">
+            <a:lvl8pPr marL="3657600" lvl="7" indent="-304800">
               <a:spcBef>
                 <a:spcPts val="1600"/>
               </a:spcBef>
@@ -4809,7 +4850,7 @@
               <a:buChar char="○"/>
               <a:defRPr sz="1200"/>
             </a:lvl8pPr>
-            <a:lvl9pPr indent="-304800" lvl="8" marL="4114800">
+            <a:lvl9pPr marL="4114800" lvl="8" indent="-304800">
               <a:spcBef>
                 <a:spcPts val="1600"/>
               </a:spcBef>
@@ -4821,15 +4862,19 @@
               <a:defRPr sz="1200"/>
             </a:lvl9pPr>
           </a:lstStyle>
-          <a:p/>
+          <a:p>
+            <a:endParaRPr/>
+          </a:p>
         </p:txBody>
       </p:sp>
       <p:sp>
         <p:nvSpPr>
           <p:cNvPr id="49" name="Google Shape;49;p7"/>
-          <p:cNvSpPr txBox="1"/>
+          <p:cNvSpPr txBox="1">
+            <a:spLocks noGrp="1"/>
+          </p:cNvSpPr>
           <p:nvPr>
-            <p:ph idx="12" type="sldNum"/>
+            <p:ph type="sldNum" idx="12"/>
           </p:nvPr>
         </p:nvSpPr>
         <p:spPr>
@@ -4842,7 +4887,7 @@
           </a:prstGeom>
         </p:spPr>
         <p:txBody>
-          <a:bodyPr anchorCtr="0" anchor="ctr" bIns="91425" lIns="91425" spcFirstLastPara="1" rIns="91425" wrap="square" tIns="91425">
+          <a:bodyPr spcFirstLastPara="1" wrap="square" lIns="91425" tIns="91425" rIns="91425" bIns="91425" anchor="ctr" anchorCtr="0">
             <a:noAutofit/>
           </a:bodyPr>
           <a:lstStyle>
@@ -4920,7 +4965,7 @@
             </a:lvl9pPr>
           </a:lstStyle>
           <a:p>
-            <a:pPr indent="0" lvl="0" marL="0" rtl="0" algn="r">
+            <a:pPr marL="0" lvl="0" indent="0" algn="r" rtl="0">
               <a:spcBef>
                 <a:spcPts val="0"/>
               </a:spcBef>
@@ -4946,18 +4991,19 @@
 </file>
 
 <file path=ppt/slideLayouts/slideLayout7.xml><?xml version="1.0" encoding="utf-8"?>
-<p:sldLayout xmlns:a="http://schemas.openxmlformats.org/drawingml/2006/main" xmlns:r="http://schemas.openxmlformats.org/officeDocument/2006/relationships" xmlns:mc="http://schemas.openxmlformats.org/markup-compatibility/2006" xmlns:mv="urn:schemas-microsoft-com:mac:vml" xmlns:p="http://schemas.openxmlformats.org/presentationml/2006/main" xmlns:c="http://schemas.openxmlformats.org/drawingml/2006/chart" xmlns:dgm="http://schemas.openxmlformats.org/drawingml/2006/diagram" xmlns:o="urn:schemas-microsoft-com:office:office" xmlns:v="urn:schemas-microsoft-com:vml" xmlns:pvml="urn:schemas-microsoft-com:office:powerpoint" xmlns:com="http://schemas.openxmlformats.org/drawingml/2006/compatibility" xmlns:p14="http://schemas.microsoft.com/office/powerpoint/2010/main" xmlns:p15="http://schemas.microsoft.com/office/powerpoint/2012/main" matchingName="Main point">
+<p:sldLayout xmlns:a="http://schemas.openxmlformats.org/drawingml/2006/main" xmlns:r="http://schemas.openxmlformats.org/officeDocument/2006/relationships" xmlns:p="http://schemas.openxmlformats.org/presentationml/2006/main" matchingName="Main point">
   <p:cSld name="MAIN_POINT">
     <p:bg>
       <p:bgPr>
         <a:solidFill>
           <a:schemeClr val="accent4"/>
         </a:solidFill>
+        <a:effectLst/>
       </p:bgPr>
     </p:bg>
     <p:spTree>
       <p:nvGrpSpPr>
-        <p:cNvPr id="50" name="Shape 50"/>
+        <p:cNvPr id="1" name="Shape 50"/>
         <p:cNvGrpSpPr/>
         <p:nvPr/>
       </p:nvGrpSpPr>
@@ -5005,12 +5051,12 @@
             </a:ln>
           </p:spPr>
           <p:txBody>
-            <a:bodyPr anchorCtr="0" anchor="ctr" bIns="91425" lIns="91425" spcFirstLastPara="1" rIns="91425" wrap="square" tIns="91425">
+            <a:bodyPr spcFirstLastPara="1" wrap="square" lIns="91425" tIns="91425" rIns="91425" bIns="91425" anchor="ctr" anchorCtr="0">
               <a:noAutofit/>
             </a:bodyPr>
             <a:lstStyle/>
             <a:p>
-              <a:pPr indent="0" lvl="0" marL="0" rtl="0" algn="l">
+              <a:pPr marL="0" lvl="0" indent="0" algn="l" rtl="0">
                 <a:spcBef>
                   <a:spcPts val="0"/>
                 </a:spcBef>
@@ -5019,9 +5065,6 @@
                 </a:spcAft>
                 <a:buNone/>
               </a:pPr>
-              <a:r>
-                <a:t/>
-              </a:r>
               <a:endParaRPr/>
             </a:p>
           </p:txBody>
@@ -5048,12 +5091,12 @@
             </a:ln>
           </p:spPr>
           <p:txBody>
-            <a:bodyPr anchorCtr="0" anchor="ctr" bIns="91425" lIns="91425" spcFirstLastPara="1" rIns="91425" wrap="square" tIns="91425">
+            <a:bodyPr spcFirstLastPara="1" wrap="square" lIns="91425" tIns="91425" rIns="91425" bIns="91425" anchor="ctr" anchorCtr="0">
               <a:noAutofit/>
             </a:bodyPr>
             <a:lstStyle/>
             <a:p>
-              <a:pPr indent="0" lvl="0" marL="0" rtl="0" algn="l">
+              <a:pPr marL="0" lvl="0" indent="0" algn="l" rtl="0">
                 <a:spcBef>
                   <a:spcPts val="0"/>
                 </a:spcBef>
@@ -5062,9 +5105,6 @@
                 </a:spcAft>
                 <a:buNone/>
               </a:pPr>
-              <a:r>
-                <a:t/>
-              </a:r>
               <a:endParaRPr/>
             </a:p>
           </p:txBody>
@@ -5076,7 +5116,7 @@
             <p:nvPr/>
           </p:nvSpPr>
           <p:spPr>
-            <a:xfrm flipH="1" rot="10800000">
+            <a:xfrm rot="10800000" flipH="1">
               <a:off x="7113588" y="107"/>
               <a:ext cx="1015200" cy="1015200"/>
             </a:xfrm>
@@ -5091,12 +5131,12 @@
             </a:ln>
           </p:spPr>
           <p:txBody>
-            <a:bodyPr anchorCtr="0" anchor="ctr" bIns="91425" lIns="91425" spcFirstLastPara="1" rIns="91425" wrap="square" tIns="91425">
+            <a:bodyPr spcFirstLastPara="1" wrap="square" lIns="91425" tIns="91425" rIns="91425" bIns="91425" anchor="ctr" anchorCtr="0">
               <a:noAutofit/>
             </a:bodyPr>
             <a:lstStyle/>
             <a:p>
-              <a:pPr indent="0" lvl="0" marL="0" rtl="0" algn="l">
+              <a:pPr marL="0" lvl="0" indent="0" algn="l" rtl="0">
                 <a:spcBef>
                   <a:spcPts val="0"/>
                 </a:spcBef>
@@ -5105,9 +5145,6 @@
                 </a:spcAft>
                 <a:buNone/>
               </a:pPr>
-              <a:r>
-                <a:t/>
-              </a:r>
               <a:endParaRPr/>
             </a:p>
           </p:txBody>
@@ -5134,12 +5171,12 @@
             </a:ln>
           </p:spPr>
           <p:txBody>
-            <a:bodyPr anchorCtr="0" anchor="ctr" bIns="91425" lIns="91425" spcFirstLastPara="1" rIns="91425" wrap="square" tIns="91425">
+            <a:bodyPr spcFirstLastPara="1" wrap="square" lIns="91425" tIns="91425" rIns="91425" bIns="91425" anchor="ctr" anchorCtr="0">
               <a:noAutofit/>
             </a:bodyPr>
             <a:lstStyle/>
             <a:p>
-              <a:pPr indent="0" lvl="0" marL="0" rtl="0" algn="l">
+              <a:pPr marL="0" lvl="0" indent="0" algn="l" rtl="0">
                 <a:spcBef>
                   <a:spcPts val="0"/>
                 </a:spcBef>
@@ -5148,9 +5185,6 @@
                 </a:spcAft>
                 <a:buNone/>
               </a:pPr>
-              <a:r>
-                <a:t/>
-              </a:r>
               <a:endParaRPr/>
             </a:p>
           </p:txBody>
@@ -5177,12 +5211,12 @@
             </a:ln>
           </p:spPr>
           <p:txBody>
-            <a:bodyPr anchorCtr="0" anchor="ctr" bIns="91425" lIns="91425" spcFirstLastPara="1" rIns="91425" wrap="square" tIns="91425">
+            <a:bodyPr spcFirstLastPara="1" wrap="square" lIns="91425" tIns="91425" rIns="91425" bIns="91425" anchor="ctr" anchorCtr="0">
               <a:noAutofit/>
             </a:bodyPr>
             <a:lstStyle/>
             <a:p>
-              <a:pPr indent="0" lvl="0" marL="0" rtl="0" algn="l">
+              <a:pPr marL="0" lvl="0" indent="0" algn="l" rtl="0">
                 <a:spcBef>
                   <a:spcPts val="0"/>
                 </a:spcBef>
@@ -5191,9 +5225,6 @@
                 </a:spcAft>
                 <a:buNone/>
               </a:pPr>
-              <a:r>
-                <a:t/>
-              </a:r>
               <a:endParaRPr/>
             </a:p>
           </p:txBody>
@@ -5202,7 +5233,9 @@
       <p:sp>
         <p:nvSpPr>
           <p:cNvPr id="57" name="Google Shape;57;p8"/>
-          <p:cNvSpPr txBox="1"/>
+          <p:cNvSpPr txBox="1">
+            <a:spLocks noGrp="1"/>
+          </p:cNvSpPr>
           <p:nvPr>
             <p:ph type="title"/>
           </p:nvPr>
@@ -5217,7 +5250,7 @@
           </a:prstGeom>
         </p:spPr>
         <p:txBody>
-          <a:bodyPr anchorCtr="0" anchor="ctr" bIns="91425" lIns="91425" spcFirstLastPara="1" rIns="91425" wrap="square" tIns="91425"/>
+          <a:bodyPr spcFirstLastPara="1" wrap="square" lIns="91425" tIns="91425" rIns="91425" bIns="91425" anchor="ctr" anchorCtr="0"/>
           <a:lstStyle>
             <a:lvl1pPr lvl="0">
               <a:spcBef>
@@ -5382,15 +5415,19 @@
               </a:defRPr>
             </a:lvl9pPr>
           </a:lstStyle>
-          <a:p/>
+          <a:p>
+            <a:endParaRPr/>
+          </a:p>
         </p:txBody>
       </p:sp>
       <p:sp>
         <p:nvSpPr>
           <p:cNvPr id="58" name="Google Shape;58;p8"/>
-          <p:cNvSpPr txBox="1"/>
+          <p:cNvSpPr txBox="1">
+            <a:spLocks noGrp="1"/>
+          </p:cNvSpPr>
           <p:nvPr>
-            <p:ph idx="12" type="sldNum"/>
+            <p:ph type="sldNum" idx="12"/>
           </p:nvPr>
         </p:nvSpPr>
         <p:spPr>
@@ -5403,7 +5440,7 @@
           </a:prstGeom>
         </p:spPr>
         <p:txBody>
-          <a:bodyPr anchorCtr="0" anchor="ctr" bIns="91425" lIns="91425" spcFirstLastPara="1" rIns="91425" wrap="square" tIns="91425">
+          <a:bodyPr spcFirstLastPara="1" wrap="square" lIns="91425" tIns="91425" rIns="91425" bIns="91425" anchor="ctr" anchorCtr="0">
             <a:noAutofit/>
           </a:bodyPr>
           <a:lstStyle>
@@ -5445,7 +5482,7 @@
             </a:lvl9pPr>
           </a:lstStyle>
           <a:p>
-            <a:pPr indent="0" lvl="0" marL="0" rtl="0" algn="r">
+            <a:pPr marL="0" lvl="0" indent="0" algn="r" rtl="0">
               <a:spcBef>
                 <a:spcPts val="0"/>
               </a:spcBef>
@@ -5471,11 +5508,11 @@
 </file>
 
 <file path=ppt/slideLayouts/slideLayout8.xml><?xml version="1.0" encoding="utf-8"?>
-<p:sldLayout xmlns:a="http://schemas.openxmlformats.org/drawingml/2006/main" xmlns:r="http://schemas.openxmlformats.org/officeDocument/2006/relationships" xmlns:mc="http://schemas.openxmlformats.org/markup-compatibility/2006" xmlns:mv="urn:schemas-microsoft-com:mac:vml" xmlns:p="http://schemas.openxmlformats.org/presentationml/2006/main" xmlns:c="http://schemas.openxmlformats.org/drawingml/2006/chart" xmlns:dgm="http://schemas.openxmlformats.org/drawingml/2006/diagram" xmlns:o="urn:schemas-microsoft-com:office:office" xmlns:v="urn:schemas-microsoft-com:vml" xmlns:pvml="urn:schemas-microsoft-com:office:powerpoint" xmlns:com="http://schemas.openxmlformats.org/drawingml/2006/compatibility" xmlns:p14="http://schemas.microsoft.com/office/powerpoint/2010/main" xmlns:p15="http://schemas.microsoft.com/office/powerpoint/2012/main" matchingName="Section title and description">
+<p:sldLayout xmlns:a="http://schemas.openxmlformats.org/drawingml/2006/main" xmlns:r="http://schemas.openxmlformats.org/officeDocument/2006/relationships" xmlns:p="http://schemas.openxmlformats.org/presentationml/2006/main" matchingName="Section title and description">
   <p:cSld name="SECTION_TITLE_AND_DESCRIPTION">
     <p:spTree>
       <p:nvGrpSpPr>
-        <p:cNvPr id="59" name="Shape 59"/>
+        <p:cNvPr id="1" name="Shape 59"/>
         <p:cNvGrpSpPr/>
         <p:nvPr/>
       </p:nvGrpSpPr>
@@ -5509,12 +5546,12 @@
           </a:ln>
         </p:spPr>
         <p:txBody>
-          <a:bodyPr anchorCtr="0" anchor="ctr" bIns="91425" lIns="91425" spcFirstLastPara="1" rIns="91425" wrap="square" tIns="91425">
+          <a:bodyPr spcFirstLastPara="1" wrap="square" lIns="91425" tIns="91425" rIns="91425" bIns="91425" anchor="ctr" anchorCtr="0">
             <a:noAutofit/>
           </a:bodyPr>
           <a:lstStyle/>
           <a:p>
-            <a:pPr indent="0" lvl="0" marL="0" rtl="0" algn="l">
+            <a:pPr marL="0" lvl="0" indent="0" algn="l" rtl="0">
               <a:spcBef>
                 <a:spcPts val="0"/>
               </a:spcBef>
@@ -5523,9 +5560,6 @@
               </a:spcAft>
               <a:buNone/>
             </a:pPr>
-            <a:r>
-              <a:t/>
-            </a:r>
             <a:endParaRPr/>
           </a:p>
         </p:txBody>
@@ -5545,21 +5579,23 @@
             <a:avLst/>
           </a:prstGeom>
           <a:noFill/>
-          <a:ln cap="flat" cmpd="sng" w="19050">
+          <a:ln w="19050" cap="flat" cmpd="sng">
             <a:solidFill>
               <a:schemeClr val="lt1"/>
             </a:solidFill>
             <a:prstDash val="solid"/>
             <a:round/>
-            <a:headEnd len="sm" w="sm" type="none"/>
-            <a:tailEnd len="sm" w="sm" type="none"/>
+            <a:headEnd type="none" w="sm" len="sm"/>
+            <a:tailEnd type="none" w="sm" len="sm"/>
           </a:ln>
         </p:spPr>
       </p:cxnSp>
       <p:sp>
         <p:nvSpPr>
           <p:cNvPr id="62" name="Google Shape;62;p9"/>
-          <p:cNvSpPr txBox="1"/>
+          <p:cNvSpPr txBox="1">
+            <a:spLocks noGrp="1"/>
+          </p:cNvSpPr>
           <p:nvPr>
             <p:ph type="title"/>
           </p:nvPr>
@@ -5574,7 +5610,7 @@
           </a:prstGeom>
         </p:spPr>
         <p:txBody>
-          <a:bodyPr anchorCtr="0" anchor="b" bIns="91425" lIns="91425" spcFirstLastPara="1" rIns="91425" wrap="square" tIns="91425"/>
+          <a:bodyPr spcFirstLastPara="1" wrap="square" lIns="91425" tIns="91425" rIns="91425" bIns="91425" anchor="b" anchorCtr="0"/>
           <a:lstStyle>
             <a:lvl1pPr lvl="0" algn="ctr">
               <a:spcBef>
@@ -5676,15 +5712,19 @@
               <a:defRPr sz="4200"/>
             </a:lvl9pPr>
           </a:lstStyle>
-          <a:p/>
+          <a:p>
+            <a:endParaRPr/>
+          </a:p>
         </p:txBody>
       </p:sp>
       <p:sp>
         <p:nvSpPr>
           <p:cNvPr id="63" name="Google Shape;63;p9"/>
-          <p:cNvSpPr txBox="1"/>
+          <p:cNvSpPr txBox="1">
+            <a:spLocks noGrp="1"/>
+          </p:cNvSpPr>
           <p:nvPr>
-            <p:ph idx="1" type="subTitle"/>
+            <p:ph type="subTitle" idx="1"/>
           </p:nvPr>
         </p:nvSpPr>
         <p:spPr>
@@ -5697,7 +5737,7 @@
           </a:prstGeom>
         </p:spPr>
         <p:txBody>
-          <a:bodyPr anchorCtr="0" anchor="t" bIns="91425" lIns="91425" spcFirstLastPara="1" rIns="91425" wrap="square" tIns="91425"/>
+          <a:bodyPr spcFirstLastPara="1" wrap="square" lIns="91425" tIns="91425" rIns="91425" bIns="91425" anchor="t" anchorCtr="0"/>
           <a:lstStyle>
             <a:lvl1pPr lvl="0" algn="ctr">
               <a:lnSpc>
@@ -5826,15 +5866,19 @@
               <a:defRPr sz="2100"/>
             </a:lvl9pPr>
           </a:lstStyle>
-          <a:p/>
+          <a:p>
+            <a:endParaRPr/>
+          </a:p>
         </p:txBody>
       </p:sp>
       <p:sp>
         <p:nvSpPr>
           <p:cNvPr id="64" name="Google Shape;64;p9"/>
-          <p:cNvSpPr txBox="1"/>
+          <p:cNvSpPr txBox="1">
+            <a:spLocks noGrp="1"/>
+          </p:cNvSpPr>
           <p:nvPr>
-            <p:ph idx="2" type="body"/>
+            <p:ph type="body" idx="2"/>
           </p:nvPr>
         </p:nvSpPr>
         <p:spPr>
@@ -5847,9 +5891,9 @@
           </a:prstGeom>
         </p:spPr>
         <p:txBody>
-          <a:bodyPr anchorCtr="0" anchor="ctr" bIns="91425" lIns="91425" spcFirstLastPara="1" rIns="91425" wrap="square" tIns="91425"/>
+          <a:bodyPr spcFirstLastPara="1" wrap="square" lIns="91425" tIns="91425" rIns="91425" bIns="91425" anchor="ctr" anchorCtr="0"/>
           <a:lstStyle>
-            <a:lvl1pPr indent="-342900" lvl="0" marL="457200">
+            <a:lvl1pPr marL="457200" lvl="0" indent="-342900">
               <a:spcBef>
                 <a:spcPts val="0"/>
               </a:spcBef>
@@ -5867,7 +5911,7 @@
                 </a:solidFill>
               </a:defRPr>
             </a:lvl1pPr>
-            <a:lvl2pPr indent="-317500" lvl="1" marL="914400">
+            <a:lvl2pPr marL="914400" lvl="1" indent="-317500">
               <a:spcBef>
                 <a:spcPts val="1600"/>
               </a:spcBef>
@@ -5885,7 +5929,7 @@
                 </a:solidFill>
               </a:defRPr>
             </a:lvl2pPr>
-            <a:lvl3pPr indent="-317500" lvl="2" marL="1371600">
+            <a:lvl3pPr marL="1371600" lvl="2" indent="-317500">
               <a:spcBef>
                 <a:spcPts val="1600"/>
               </a:spcBef>
@@ -5903,7 +5947,7 @@
                 </a:solidFill>
               </a:defRPr>
             </a:lvl3pPr>
-            <a:lvl4pPr indent="-317500" lvl="3" marL="1828800">
+            <a:lvl4pPr marL="1828800" lvl="3" indent="-317500">
               <a:spcBef>
                 <a:spcPts val="1600"/>
               </a:spcBef>
@@ -5921,7 +5965,7 @@
                 </a:solidFill>
               </a:defRPr>
             </a:lvl4pPr>
-            <a:lvl5pPr indent="-317500" lvl="4" marL="2286000">
+            <a:lvl5pPr marL="2286000" lvl="4" indent="-317500">
               <a:spcBef>
                 <a:spcPts val="1600"/>
               </a:spcBef>
@@ -5939,7 +5983,7 @@
                 </a:solidFill>
               </a:defRPr>
             </a:lvl5pPr>
-            <a:lvl6pPr indent="-317500" lvl="5" marL="2743200">
+            <a:lvl6pPr marL="2743200" lvl="5" indent="-317500">
               <a:spcBef>
                 <a:spcPts val="1600"/>
               </a:spcBef>
@@ -5957,7 +6001,7 @@
                 </a:solidFill>
               </a:defRPr>
             </a:lvl6pPr>
-            <a:lvl7pPr indent="-317500" lvl="6" marL="3200400">
+            <a:lvl7pPr marL="3200400" lvl="6" indent="-317500">
               <a:spcBef>
                 <a:spcPts val="1600"/>
               </a:spcBef>
@@ -5975,7 +6019,7 @@
                 </a:solidFill>
               </a:defRPr>
             </a:lvl7pPr>
-            <a:lvl8pPr indent="-317500" lvl="7" marL="3657600">
+            <a:lvl8pPr marL="3657600" lvl="7" indent="-317500">
               <a:spcBef>
                 <a:spcPts val="1600"/>
               </a:spcBef>
@@ -5993,7 +6037,7 @@
                 </a:solidFill>
               </a:defRPr>
             </a:lvl8pPr>
-            <a:lvl9pPr indent="-317500" lvl="8" marL="4114800">
+            <a:lvl9pPr marL="4114800" lvl="8" indent="-317500">
               <a:spcBef>
                 <a:spcPts val="1600"/>
               </a:spcBef>
@@ -6012,15 +6056,19 @@
               </a:defRPr>
             </a:lvl9pPr>
           </a:lstStyle>
-          <a:p/>
+          <a:p>
+            <a:endParaRPr/>
+          </a:p>
         </p:txBody>
       </p:sp>
       <p:sp>
         <p:nvSpPr>
           <p:cNvPr id="65" name="Google Shape;65;p9"/>
-          <p:cNvSpPr txBox="1"/>
+          <p:cNvSpPr txBox="1">
+            <a:spLocks noGrp="1"/>
+          </p:cNvSpPr>
           <p:nvPr>
-            <p:ph idx="12" type="sldNum"/>
+            <p:ph type="sldNum" idx="12"/>
           </p:nvPr>
         </p:nvSpPr>
         <p:spPr>
@@ -6033,7 +6081,7 @@
           </a:prstGeom>
         </p:spPr>
         <p:txBody>
-          <a:bodyPr anchorCtr="0" anchor="ctr" bIns="91425" lIns="91425" spcFirstLastPara="1" rIns="91425" wrap="square" tIns="91425">
+          <a:bodyPr spcFirstLastPara="1" wrap="square" lIns="91425" tIns="91425" rIns="91425" bIns="91425" anchor="ctr" anchorCtr="0">
             <a:noAutofit/>
           </a:bodyPr>
           <a:lstStyle>
@@ -6075,7 +6123,7 @@
             </a:lvl9pPr>
           </a:lstStyle>
           <a:p>
-            <a:pPr indent="0" lvl="0" marL="0" rtl="0" algn="r">
+            <a:pPr marL="0" lvl="0" indent="0" algn="r" rtl="0">
               <a:spcBef>
                 <a:spcPts val="0"/>
               </a:spcBef>
@@ -6101,11 +6149,11 @@
 </file>
 
 <file path=ppt/slideLayouts/slideLayout9.xml><?xml version="1.0" encoding="utf-8"?>
-<p:sldLayout xmlns:a="http://schemas.openxmlformats.org/drawingml/2006/main" xmlns:r="http://schemas.openxmlformats.org/officeDocument/2006/relationships" xmlns:mc="http://schemas.openxmlformats.org/markup-compatibility/2006" xmlns:mv="urn:schemas-microsoft-com:mac:vml" xmlns:p="http://schemas.openxmlformats.org/presentationml/2006/main" xmlns:c="http://schemas.openxmlformats.org/drawingml/2006/chart" xmlns:dgm="http://schemas.openxmlformats.org/drawingml/2006/diagram" xmlns:o="urn:schemas-microsoft-com:office:office" xmlns:v="urn:schemas-microsoft-com:vml" xmlns:pvml="urn:schemas-microsoft-com:office:powerpoint" xmlns:com="http://schemas.openxmlformats.org/drawingml/2006/compatibility" xmlns:p14="http://schemas.microsoft.com/office/powerpoint/2010/main" xmlns:p15="http://schemas.microsoft.com/office/powerpoint/2012/main" matchingName="Caption">
+<p:sldLayout xmlns:a="http://schemas.openxmlformats.org/drawingml/2006/main" xmlns:r="http://schemas.openxmlformats.org/officeDocument/2006/relationships" xmlns:p="http://schemas.openxmlformats.org/presentationml/2006/main" matchingName="Caption">
   <p:cSld name="CAPTION_ONLY">
     <p:spTree>
       <p:nvGrpSpPr>
-        <p:cNvPr id="66" name="Shape 66"/>
+        <p:cNvPr id="1" name="Shape 66"/>
         <p:cNvGrpSpPr/>
         <p:nvPr/>
       </p:nvGrpSpPr>
@@ -6120,9 +6168,11 @@
       <p:sp>
         <p:nvSpPr>
           <p:cNvPr id="67" name="Google Shape;67;p10"/>
-          <p:cNvSpPr txBox="1"/>
+          <p:cNvSpPr txBox="1">
+            <a:spLocks noGrp="1"/>
+          </p:cNvSpPr>
           <p:nvPr>
-            <p:ph idx="1" type="body"/>
+            <p:ph type="body" idx="1"/>
           </p:nvPr>
         </p:nvSpPr>
         <p:spPr>
@@ -6135,9 +6185,9 @@
           </a:prstGeom>
         </p:spPr>
         <p:txBody>
-          <a:bodyPr anchorCtr="0" anchor="ctr" bIns="91425" lIns="91425" spcFirstLastPara="1" rIns="91425" wrap="square" tIns="91425"/>
+          <a:bodyPr spcFirstLastPara="1" wrap="square" lIns="91425" tIns="91425" rIns="91425" bIns="91425" anchor="ctr" anchorCtr="0"/>
           <a:lstStyle>
-            <a:lvl1pPr indent="-228600" lvl="0" marL="457200">
+            <a:lvl1pPr marL="457200" lvl="0" indent="-228600">
               <a:lnSpc>
                 <a:spcPct val="100000"/>
               </a:lnSpc>
@@ -6152,15 +6202,19 @@
               <a:defRPr/>
             </a:lvl1pPr>
           </a:lstStyle>
-          <a:p/>
+          <a:p>
+            <a:endParaRPr/>
+          </a:p>
         </p:txBody>
       </p:sp>
       <p:sp>
         <p:nvSpPr>
           <p:cNvPr id="68" name="Google Shape;68;p10"/>
-          <p:cNvSpPr txBox="1"/>
+          <p:cNvSpPr txBox="1">
+            <a:spLocks noGrp="1"/>
+          </p:cNvSpPr>
           <p:nvPr>
-            <p:ph idx="12" type="sldNum"/>
+            <p:ph type="sldNum" idx="12"/>
           </p:nvPr>
         </p:nvSpPr>
         <p:spPr>
@@ -6173,7 +6227,7 @@
           </a:prstGeom>
         </p:spPr>
         <p:txBody>
-          <a:bodyPr anchorCtr="0" anchor="ctr" bIns="91425" lIns="91425" spcFirstLastPara="1" rIns="91425" wrap="square" tIns="91425">
+          <a:bodyPr spcFirstLastPara="1" wrap="square" lIns="91425" tIns="91425" rIns="91425" bIns="91425" anchor="ctr" anchorCtr="0">
             <a:noAutofit/>
           </a:bodyPr>
           <a:lstStyle>
@@ -6251,7 +6305,7 @@
             </a:lvl9pPr>
           </a:lstStyle>
           <a:p>
-            <a:pPr indent="0" lvl="0" marL="0" rtl="0" algn="r">
+            <a:pPr marL="0" lvl="0" indent="0" algn="r" rtl="0">
               <a:spcBef>
                 <a:spcPts val="0"/>
               </a:spcBef>
@@ -6277,18 +6331,19 @@
 </file>
 
 <file path=ppt/slideMasters/slideMaster1.xml><?xml version="1.0" encoding="utf-8"?>
-<p:sldMaster xmlns:a="http://schemas.openxmlformats.org/drawingml/2006/main" xmlns:r="http://schemas.openxmlformats.org/officeDocument/2006/relationships" xmlns:mc="http://schemas.openxmlformats.org/markup-compatibility/2006" xmlns:mv="urn:schemas-microsoft-com:mac:vml" xmlns:p="http://schemas.openxmlformats.org/presentationml/2006/main" xmlns:c="http://schemas.openxmlformats.org/drawingml/2006/chart" xmlns:dgm="http://schemas.openxmlformats.org/drawingml/2006/diagram" xmlns:o="urn:schemas-microsoft-com:office:office" xmlns:v="urn:schemas-microsoft-com:vml" xmlns:pvml="urn:schemas-microsoft-com:office:powerpoint" xmlns:com="http://schemas.openxmlformats.org/drawingml/2006/compatibility" xmlns:p14="http://schemas.microsoft.com/office/powerpoint/2010/main" xmlns:p15="http://schemas.microsoft.com/office/powerpoint/2012/main">
+<p:sldMaster xmlns:a="http://schemas.openxmlformats.org/drawingml/2006/main" xmlns:r="http://schemas.openxmlformats.org/officeDocument/2006/relationships" xmlns:p="http://schemas.openxmlformats.org/presentationml/2006/main">
   <p:cSld name="geometric">
     <p:bg>
       <p:bgPr>
         <a:solidFill>
           <a:schemeClr val="lt1"/>
         </a:solidFill>
+        <a:effectLst/>
       </p:bgPr>
     </p:bg>
     <p:spTree>
       <p:nvGrpSpPr>
-        <p:cNvPr id="5" name="Shape 5"/>
+        <p:cNvPr id="1" name="Shape 5"/>
         <p:cNvGrpSpPr/>
         <p:nvPr/>
       </p:nvGrpSpPr>
@@ -6303,7 +6358,9 @@
       <p:sp>
         <p:nvSpPr>
           <p:cNvPr id="6" name="Google Shape;6;p1"/>
-          <p:cNvSpPr txBox="1"/>
+          <p:cNvSpPr txBox="1">
+            <a:spLocks noGrp="1"/>
+          </p:cNvSpPr>
           <p:nvPr>
             <p:ph type="title"/>
           </p:nvPr>
@@ -6322,7 +6379,7 @@
           </a:ln>
         </p:spPr>
         <p:txBody>
-          <a:bodyPr anchorCtr="0" anchor="t" bIns="91425" lIns="91425" spcFirstLastPara="1" rIns="91425" wrap="square" tIns="91425"/>
+          <a:bodyPr spcFirstLastPara="1" wrap="square" lIns="91425" tIns="91425" rIns="91425" bIns="91425" anchor="t" anchorCtr="0"/>
           <a:lstStyle>
             <a:lvl1pPr lvl="0">
               <a:spcBef>
@@ -6532,15 +6589,19 @@
               </a:defRPr>
             </a:lvl9pPr>
           </a:lstStyle>
-          <a:p/>
+          <a:p>
+            <a:endParaRPr/>
+          </a:p>
         </p:txBody>
       </p:sp>
       <p:sp>
         <p:nvSpPr>
           <p:cNvPr id="7" name="Google Shape;7;p1"/>
-          <p:cNvSpPr txBox="1"/>
+          <p:cNvSpPr txBox="1">
+            <a:spLocks noGrp="1"/>
+          </p:cNvSpPr>
           <p:nvPr>
-            <p:ph idx="1" type="body"/>
+            <p:ph type="body" idx="1"/>
           </p:nvPr>
         </p:nvSpPr>
         <p:spPr>
@@ -6557,9 +6618,9 @@
           </a:ln>
         </p:spPr>
         <p:txBody>
-          <a:bodyPr anchorCtr="0" anchor="t" bIns="91425" lIns="91425" spcFirstLastPara="1" rIns="91425" wrap="square" tIns="91425"/>
+          <a:bodyPr spcFirstLastPara="1" wrap="square" lIns="91425" tIns="91425" rIns="91425" bIns="91425" anchor="t" anchorCtr="0"/>
           <a:lstStyle>
-            <a:lvl1pPr indent="-342900" lvl="0" marL="457200">
+            <a:lvl1pPr marL="457200" lvl="0" indent="-342900">
               <a:lnSpc>
                 <a:spcPct val="115000"/>
               </a:lnSpc>
@@ -6585,7 +6646,7 @@
                 <a:sym typeface="Roboto"/>
               </a:defRPr>
             </a:lvl1pPr>
-            <a:lvl2pPr indent="-317500" lvl="1" marL="914400">
+            <a:lvl2pPr marL="914400" lvl="1" indent="-317500">
               <a:lnSpc>
                 <a:spcPct val="115000"/>
               </a:lnSpc>
@@ -6611,7 +6672,7 @@
                 <a:sym typeface="Roboto"/>
               </a:defRPr>
             </a:lvl2pPr>
-            <a:lvl3pPr indent="-317500" lvl="2" marL="1371600">
+            <a:lvl3pPr marL="1371600" lvl="2" indent="-317500">
               <a:lnSpc>
                 <a:spcPct val="115000"/>
               </a:lnSpc>
@@ -6637,7 +6698,7 @@
                 <a:sym typeface="Roboto"/>
               </a:defRPr>
             </a:lvl3pPr>
-            <a:lvl4pPr indent="-317500" lvl="3" marL="1828800">
+            <a:lvl4pPr marL="1828800" lvl="3" indent="-317500">
               <a:lnSpc>
                 <a:spcPct val="115000"/>
               </a:lnSpc>
@@ -6663,7 +6724,7 @@
                 <a:sym typeface="Roboto"/>
               </a:defRPr>
             </a:lvl4pPr>
-            <a:lvl5pPr indent="-317500" lvl="4" marL="2286000">
+            <a:lvl5pPr marL="2286000" lvl="4" indent="-317500">
               <a:lnSpc>
                 <a:spcPct val="115000"/>
               </a:lnSpc>
@@ -6689,7 +6750,7 @@
                 <a:sym typeface="Roboto"/>
               </a:defRPr>
             </a:lvl5pPr>
-            <a:lvl6pPr indent="-317500" lvl="5" marL="2743200">
+            <a:lvl6pPr marL="2743200" lvl="5" indent="-317500">
               <a:lnSpc>
                 <a:spcPct val="115000"/>
               </a:lnSpc>
@@ -6715,7 +6776,7 @@
                 <a:sym typeface="Roboto"/>
               </a:defRPr>
             </a:lvl6pPr>
-            <a:lvl7pPr indent="-317500" lvl="6" marL="3200400">
+            <a:lvl7pPr marL="3200400" lvl="6" indent="-317500">
               <a:lnSpc>
                 <a:spcPct val="115000"/>
               </a:lnSpc>
@@ -6741,7 +6802,7 @@
                 <a:sym typeface="Roboto"/>
               </a:defRPr>
             </a:lvl7pPr>
-            <a:lvl8pPr indent="-317500" lvl="7" marL="3657600">
+            <a:lvl8pPr marL="3657600" lvl="7" indent="-317500">
               <a:lnSpc>
                 <a:spcPct val="115000"/>
               </a:lnSpc>
@@ -6767,7 +6828,7 @@
                 <a:sym typeface="Roboto"/>
               </a:defRPr>
             </a:lvl8pPr>
-            <a:lvl9pPr indent="-317500" lvl="8" marL="4114800">
+            <a:lvl9pPr marL="4114800" lvl="8" indent="-317500">
               <a:lnSpc>
                 <a:spcPct val="115000"/>
               </a:lnSpc>
@@ -6794,15 +6855,19 @@
               </a:defRPr>
             </a:lvl9pPr>
           </a:lstStyle>
-          <a:p/>
+          <a:p>
+            <a:endParaRPr/>
+          </a:p>
         </p:txBody>
       </p:sp>
       <p:sp>
         <p:nvSpPr>
           <p:cNvPr id="8" name="Google Shape;8;p1"/>
-          <p:cNvSpPr txBox="1"/>
+          <p:cNvSpPr txBox="1">
+            <a:spLocks noGrp="1"/>
+          </p:cNvSpPr>
           <p:nvPr>
-            <p:ph idx="12" type="sldNum"/>
+            <p:ph type="sldNum" idx="12"/>
           </p:nvPr>
         </p:nvSpPr>
         <p:spPr>
@@ -6819,7 +6884,7 @@
           </a:ln>
         </p:spPr>
         <p:txBody>
-          <a:bodyPr anchorCtr="0" anchor="ctr" bIns="91425" lIns="91425" spcFirstLastPara="1" rIns="91425" wrap="square" tIns="91425">
+          <a:bodyPr spcFirstLastPara="1" wrap="square" lIns="91425" tIns="91425" rIns="91425" bIns="91425" anchor="ctr" anchorCtr="0">
             <a:noAutofit/>
           </a:bodyPr>
           <a:lstStyle>
@@ -6933,7 +6998,7 @@
             </a:lvl9pPr>
           </a:lstStyle>
           <a:p>
-            <a:pPr indent="0" lvl="0" marL="0" rtl="0" algn="r">
+            <a:pPr marL="0" lvl="0" indent="0" algn="r" rtl="0">
               <a:spcBef>
                 <a:spcPts val="0"/>
               </a:spcBef>
@@ -6952,7 +7017,7 @@
       </p:sp>
     </p:spTree>
   </p:cSld>
-  <p:clrMap accent1="accent1" accent2="accent2" accent3="accent3" accent4="accent4" accent5="accent5" accent6="accent6" bg1="lt1" bg2="dk2" tx1="dk1" tx2="lt2" folHlink="folHlink" hlink="hlink"/>
+  <p:clrMap bg1="lt1" tx1="dk1" bg2="dk2" tx2="lt2" accent1="accent1" accent2="accent2" accent3="accent3" accent4="accent4" accent5="accent5" accent6="accent6" hlink="hlink" folHlink="folHlink"/>
   <p:sldLayoutIdLst>
     <p:sldLayoutId id="2147483648" r:id="rId1"/>
     <p:sldLayoutId id="2147483649" r:id="rId2"/>
@@ -6966,10 +7031,10 @@
     <p:sldLayoutId id="2147483657" r:id="rId10"/>
     <p:sldLayoutId id="2147483658" r:id="rId11"/>
   </p:sldLayoutIdLst>
-  <p:hf dt="0" ftr="0" hdr="0" sldNum="0"/>
+  <p:hf sldNum="0" hdr="0" ftr="0" dt="0"/>
   <p:txStyles>
     <p:titleStyle>
-      <a:defPPr lvl="0" marR="0" rtl="0" algn="l">
+      <a:defPPr marR="0" lvl="0" algn="l" rtl="0">
         <a:lnSpc>
           <a:spcPct val="100000"/>
         </a:lnSpc>
@@ -6980,7 +7045,7 @@
           <a:spcPts val="0"/>
         </a:spcAft>
       </a:defPPr>
-      <a:lvl1pPr lvl="0" marR="0" rtl="0" algn="l">
+      <a:lvl1pPr marR="0" lvl="0" algn="l" rtl="0">
         <a:lnSpc>
           <a:spcPct val="100000"/>
         </a:lnSpc>
@@ -6994,7 +7059,7 @@
           <a:srgbClr val="000000"/>
         </a:buClr>
         <a:buFont typeface="Arial"/>
-        <a:defRPr b="0" i="0" sz="1400" u="none" cap="none" strike="noStrike">
+        <a:defRPr sz="1400" b="0" i="0" u="none" strike="noStrike" cap="none">
           <a:solidFill>
             <a:srgbClr val="000000"/>
           </a:solidFill>
@@ -7004,7 +7069,7 @@
           <a:sym typeface="Arial"/>
         </a:defRPr>
       </a:lvl1pPr>
-      <a:lvl2pPr lvl="1" marR="0" rtl="0" algn="l">
+      <a:lvl2pPr marR="0" lvl="1" algn="l" rtl="0">
         <a:lnSpc>
           <a:spcPct val="100000"/>
         </a:lnSpc>
@@ -7018,7 +7083,7 @@
           <a:srgbClr val="000000"/>
         </a:buClr>
         <a:buFont typeface="Arial"/>
-        <a:defRPr b="0" i="0" sz="1400" u="none" cap="none" strike="noStrike">
+        <a:defRPr sz="1400" b="0" i="0" u="none" strike="noStrike" cap="none">
           <a:solidFill>
             <a:srgbClr val="000000"/>
           </a:solidFill>
@@ -7028,7 +7093,7 @@
           <a:sym typeface="Arial"/>
         </a:defRPr>
       </a:lvl2pPr>
-      <a:lvl3pPr lvl="2" marR="0" rtl="0" algn="l">
+      <a:lvl3pPr marR="0" lvl="2" algn="l" rtl="0">
         <a:lnSpc>
           <a:spcPct val="100000"/>
         </a:lnSpc>
@@ -7042,7 +7107,7 @@
           <a:srgbClr val="000000"/>
         </a:buClr>
         <a:buFont typeface="Arial"/>
-        <a:defRPr b="0" i="0" sz="1400" u="none" cap="none" strike="noStrike">
+        <a:defRPr sz="1400" b="0" i="0" u="none" strike="noStrike" cap="none">
           <a:solidFill>
             <a:srgbClr val="000000"/>
           </a:solidFill>
@@ -7052,7 +7117,7 @@
           <a:sym typeface="Arial"/>
         </a:defRPr>
       </a:lvl3pPr>
-      <a:lvl4pPr lvl="3" marR="0" rtl="0" algn="l">
+      <a:lvl4pPr marR="0" lvl="3" algn="l" rtl="0">
         <a:lnSpc>
           <a:spcPct val="100000"/>
         </a:lnSpc>
@@ -7066,7 +7131,7 @@
           <a:srgbClr val="000000"/>
         </a:buClr>
         <a:buFont typeface="Arial"/>
-        <a:defRPr b="0" i="0" sz="1400" u="none" cap="none" strike="noStrike">
+        <a:defRPr sz="1400" b="0" i="0" u="none" strike="noStrike" cap="none">
           <a:solidFill>
             <a:srgbClr val="000000"/>
           </a:solidFill>
@@ -7076,7 +7141,7 @@
           <a:sym typeface="Arial"/>
         </a:defRPr>
       </a:lvl4pPr>
-      <a:lvl5pPr lvl="4" marR="0" rtl="0" algn="l">
+      <a:lvl5pPr marR="0" lvl="4" algn="l" rtl="0">
         <a:lnSpc>
           <a:spcPct val="100000"/>
         </a:lnSpc>
@@ -7090,7 +7155,7 @@
           <a:srgbClr val="000000"/>
         </a:buClr>
         <a:buFont typeface="Arial"/>
-        <a:defRPr b="0" i="0" sz="1400" u="none" cap="none" strike="noStrike">
+        <a:defRPr sz="1400" b="0" i="0" u="none" strike="noStrike" cap="none">
           <a:solidFill>
             <a:srgbClr val="000000"/>
           </a:solidFill>
@@ -7100,7 +7165,7 @@
           <a:sym typeface="Arial"/>
         </a:defRPr>
       </a:lvl5pPr>
-      <a:lvl6pPr lvl="5" marR="0" rtl="0" algn="l">
+      <a:lvl6pPr marR="0" lvl="5" algn="l" rtl="0">
         <a:lnSpc>
           <a:spcPct val="100000"/>
         </a:lnSpc>
@@ -7114,7 +7179,7 @@
           <a:srgbClr val="000000"/>
         </a:buClr>
         <a:buFont typeface="Arial"/>
-        <a:defRPr b="0" i="0" sz="1400" u="none" cap="none" strike="noStrike">
+        <a:defRPr sz="1400" b="0" i="0" u="none" strike="noStrike" cap="none">
           <a:solidFill>
             <a:srgbClr val="000000"/>
           </a:solidFill>
@@ -7124,7 +7189,7 @@
           <a:sym typeface="Arial"/>
         </a:defRPr>
       </a:lvl6pPr>
-      <a:lvl7pPr lvl="6" marR="0" rtl="0" algn="l">
+      <a:lvl7pPr marR="0" lvl="6" algn="l" rtl="0">
         <a:lnSpc>
           <a:spcPct val="100000"/>
         </a:lnSpc>
@@ -7138,7 +7203,7 @@
           <a:srgbClr val="000000"/>
         </a:buClr>
         <a:buFont typeface="Arial"/>
-        <a:defRPr b="0" i="0" sz="1400" u="none" cap="none" strike="noStrike">
+        <a:defRPr sz="1400" b="0" i="0" u="none" strike="noStrike" cap="none">
           <a:solidFill>
             <a:srgbClr val="000000"/>
           </a:solidFill>
@@ -7148,7 +7213,7 @@
           <a:sym typeface="Arial"/>
         </a:defRPr>
       </a:lvl7pPr>
-      <a:lvl8pPr lvl="7" marR="0" rtl="0" algn="l">
+      <a:lvl8pPr marR="0" lvl="7" algn="l" rtl="0">
         <a:lnSpc>
           <a:spcPct val="100000"/>
         </a:lnSpc>
@@ -7162,7 +7227,7 @@
           <a:srgbClr val="000000"/>
         </a:buClr>
         <a:buFont typeface="Arial"/>
-        <a:defRPr b="0" i="0" sz="1400" u="none" cap="none" strike="noStrike">
+        <a:defRPr sz="1400" b="0" i="0" u="none" strike="noStrike" cap="none">
           <a:solidFill>
             <a:srgbClr val="000000"/>
           </a:solidFill>
@@ -7172,7 +7237,7 @@
           <a:sym typeface="Arial"/>
         </a:defRPr>
       </a:lvl8pPr>
-      <a:lvl9pPr lvl="8" marR="0" rtl="0" algn="l">
+      <a:lvl9pPr marR="0" lvl="8" algn="l" rtl="0">
         <a:lnSpc>
           <a:spcPct val="100000"/>
         </a:lnSpc>
@@ -7186,7 +7251,7 @@
           <a:srgbClr val="000000"/>
         </a:buClr>
         <a:buFont typeface="Arial"/>
-        <a:defRPr b="0" i="0" sz="1400" u="none" cap="none" strike="noStrike">
+        <a:defRPr sz="1400" b="0" i="0" u="none" strike="noStrike" cap="none">
           <a:solidFill>
             <a:srgbClr val="000000"/>
           </a:solidFill>
@@ -7198,7 +7263,7 @@
       </a:lvl9pPr>
     </p:titleStyle>
     <p:bodyStyle>
-      <a:defPPr lvl="0" marR="0" rtl="0" algn="l">
+      <a:defPPr marR="0" lvl="0" algn="l" rtl="0">
         <a:lnSpc>
           <a:spcPct val="100000"/>
         </a:lnSpc>
@@ -7209,7 +7274,7 @@
           <a:spcPts val="0"/>
         </a:spcAft>
       </a:defPPr>
-      <a:lvl1pPr lvl="0" marR="0" rtl="0" algn="l">
+      <a:lvl1pPr marR="0" lvl="0" algn="l" rtl="0">
         <a:lnSpc>
           <a:spcPct val="100000"/>
         </a:lnSpc>
@@ -7223,7 +7288,7 @@
           <a:srgbClr val="000000"/>
         </a:buClr>
         <a:buFont typeface="Arial"/>
-        <a:defRPr b="0" i="0" sz="1400" u="none" cap="none" strike="noStrike">
+        <a:defRPr sz="1400" b="0" i="0" u="none" strike="noStrike" cap="none">
           <a:solidFill>
             <a:srgbClr val="000000"/>
           </a:solidFill>
@@ -7233,7 +7298,7 @@
           <a:sym typeface="Arial"/>
         </a:defRPr>
       </a:lvl1pPr>
-      <a:lvl2pPr lvl="1" marR="0" rtl="0" algn="l">
+      <a:lvl2pPr marR="0" lvl="1" algn="l" rtl="0">
         <a:lnSpc>
           <a:spcPct val="100000"/>
         </a:lnSpc>
@@ -7247,7 +7312,7 @@
           <a:srgbClr val="000000"/>
         </a:buClr>
         <a:buFont typeface="Arial"/>
-        <a:defRPr b="0" i="0" sz="1400" u="none" cap="none" strike="noStrike">
+        <a:defRPr sz="1400" b="0" i="0" u="none" strike="noStrike" cap="none">
           <a:solidFill>
             <a:srgbClr val="000000"/>
           </a:solidFill>
@@ -7257,7 +7322,7 @@
           <a:sym typeface="Arial"/>
         </a:defRPr>
       </a:lvl2pPr>
-      <a:lvl3pPr lvl="2" marR="0" rtl="0" algn="l">
+      <a:lvl3pPr marR="0" lvl="2" algn="l" rtl="0">
         <a:lnSpc>
           <a:spcPct val="100000"/>
         </a:lnSpc>
@@ -7271,7 +7336,7 @@
           <a:srgbClr val="000000"/>
         </a:buClr>
         <a:buFont typeface="Arial"/>
-        <a:defRPr b="0" i="0" sz="1400" u="none" cap="none" strike="noStrike">
+        <a:defRPr sz="1400" b="0" i="0" u="none" strike="noStrike" cap="none">
           <a:solidFill>
             <a:srgbClr val="000000"/>
           </a:solidFill>
@@ -7281,7 +7346,7 @@
           <a:sym typeface="Arial"/>
         </a:defRPr>
       </a:lvl3pPr>
-      <a:lvl4pPr lvl="3" marR="0" rtl="0" algn="l">
+      <a:lvl4pPr marR="0" lvl="3" algn="l" rtl="0">
         <a:lnSpc>
           <a:spcPct val="100000"/>
         </a:lnSpc>
@@ -7295,7 +7360,7 @@
           <a:srgbClr val="000000"/>
         </a:buClr>
         <a:buFont typeface="Arial"/>
-        <a:defRPr b="0" i="0" sz="1400" u="none" cap="none" strike="noStrike">
+        <a:defRPr sz="1400" b="0" i="0" u="none" strike="noStrike" cap="none">
           <a:solidFill>
             <a:srgbClr val="000000"/>
           </a:solidFill>
@@ -7305,7 +7370,7 @@
           <a:sym typeface="Arial"/>
         </a:defRPr>
       </a:lvl4pPr>
-      <a:lvl5pPr lvl="4" marR="0" rtl="0" algn="l">
+      <a:lvl5pPr marR="0" lvl="4" algn="l" rtl="0">
         <a:lnSpc>
           <a:spcPct val="100000"/>
         </a:lnSpc>
@@ -7319,7 +7384,7 @@
           <a:srgbClr val="000000"/>
         </a:buClr>
         <a:buFont typeface="Arial"/>
-        <a:defRPr b="0" i="0" sz="1400" u="none" cap="none" strike="noStrike">
+        <a:defRPr sz="1400" b="0" i="0" u="none" strike="noStrike" cap="none">
           <a:solidFill>
             <a:srgbClr val="000000"/>
           </a:solidFill>
@@ -7329,7 +7394,7 @@
           <a:sym typeface="Arial"/>
         </a:defRPr>
       </a:lvl5pPr>
-      <a:lvl6pPr lvl="5" marR="0" rtl="0" algn="l">
+      <a:lvl6pPr marR="0" lvl="5" algn="l" rtl="0">
         <a:lnSpc>
           <a:spcPct val="100000"/>
         </a:lnSpc>
@@ -7343,7 +7408,7 @@
           <a:srgbClr val="000000"/>
         </a:buClr>
         <a:buFont typeface="Arial"/>
-        <a:defRPr b="0" i="0" sz="1400" u="none" cap="none" strike="noStrike">
+        <a:defRPr sz="1400" b="0" i="0" u="none" strike="noStrike" cap="none">
           <a:solidFill>
             <a:srgbClr val="000000"/>
           </a:solidFill>
@@ -7353,7 +7418,7 @@
           <a:sym typeface="Arial"/>
         </a:defRPr>
       </a:lvl6pPr>
-      <a:lvl7pPr lvl="6" marR="0" rtl="0" algn="l">
+      <a:lvl7pPr marR="0" lvl="6" algn="l" rtl="0">
         <a:lnSpc>
           <a:spcPct val="100000"/>
         </a:lnSpc>
@@ -7367,7 +7432,7 @@
           <a:srgbClr val="000000"/>
         </a:buClr>
         <a:buFont typeface="Arial"/>
-        <a:defRPr b="0" i="0" sz="1400" u="none" cap="none" strike="noStrike">
+        <a:defRPr sz="1400" b="0" i="0" u="none" strike="noStrike" cap="none">
           <a:solidFill>
             <a:srgbClr val="000000"/>
           </a:solidFill>
@@ -7377,7 +7442,7 @@
           <a:sym typeface="Arial"/>
         </a:defRPr>
       </a:lvl7pPr>
-      <a:lvl8pPr lvl="7" marR="0" rtl="0" algn="l">
+      <a:lvl8pPr marR="0" lvl="7" algn="l" rtl="0">
         <a:lnSpc>
           <a:spcPct val="100000"/>
         </a:lnSpc>
@@ -7391,7 +7456,7 @@
           <a:srgbClr val="000000"/>
         </a:buClr>
         <a:buFont typeface="Arial"/>
-        <a:defRPr b="0" i="0" sz="1400" u="none" cap="none" strike="noStrike">
+        <a:defRPr sz="1400" b="0" i="0" u="none" strike="noStrike" cap="none">
           <a:solidFill>
             <a:srgbClr val="000000"/>
           </a:solidFill>
@@ -7401,7 +7466,7 @@
           <a:sym typeface="Arial"/>
         </a:defRPr>
       </a:lvl8pPr>
-      <a:lvl9pPr lvl="8" marR="0" rtl="0" algn="l">
+      <a:lvl9pPr marR="0" lvl="8" algn="l" rtl="0">
         <a:lnSpc>
           <a:spcPct val="100000"/>
         </a:lnSpc>
@@ -7415,7 +7480,7 @@
           <a:srgbClr val="000000"/>
         </a:buClr>
         <a:buFont typeface="Arial"/>
-        <a:defRPr b="0" i="0" sz="1400" u="none" cap="none" strike="noStrike">
+        <a:defRPr sz="1400" b="0" i="0" u="none" strike="noStrike" cap="none">
           <a:solidFill>
             <a:srgbClr val="000000"/>
           </a:solidFill>
@@ -7427,7 +7492,7 @@
       </a:lvl9pPr>
     </p:bodyStyle>
     <p:otherStyle>
-      <a:defPPr lvl="0" marR="0" rtl="0" algn="l">
+      <a:defPPr marR="0" lvl="0" algn="l" rtl="0">
         <a:lnSpc>
           <a:spcPct val="100000"/>
         </a:lnSpc>
@@ -7438,7 +7503,7 @@
           <a:spcPts val="0"/>
         </a:spcAft>
       </a:defPPr>
-      <a:lvl1pPr lvl="0" marR="0" rtl="0" algn="l">
+      <a:lvl1pPr marR="0" lvl="0" algn="l" rtl="0">
         <a:lnSpc>
           <a:spcPct val="100000"/>
         </a:lnSpc>
@@ -7452,7 +7517,7 @@
           <a:srgbClr val="000000"/>
         </a:buClr>
         <a:buFont typeface="Arial"/>
-        <a:defRPr b="0" i="0" sz="1400" u="none" cap="none" strike="noStrike">
+        <a:defRPr sz="1400" b="0" i="0" u="none" strike="noStrike" cap="none">
           <a:solidFill>
             <a:srgbClr val="000000"/>
           </a:solidFill>
@@ -7462,7 +7527,7 @@
           <a:sym typeface="Arial"/>
         </a:defRPr>
       </a:lvl1pPr>
-      <a:lvl2pPr lvl="1" marR="0" rtl="0" algn="l">
+      <a:lvl2pPr marR="0" lvl="1" algn="l" rtl="0">
         <a:lnSpc>
           <a:spcPct val="100000"/>
         </a:lnSpc>
@@ -7476,7 +7541,7 @@
           <a:srgbClr val="000000"/>
         </a:buClr>
         <a:buFont typeface="Arial"/>
-        <a:defRPr b="0" i="0" sz="1400" u="none" cap="none" strike="noStrike">
+        <a:defRPr sz="1400" b="0" i="0" u="none" strike="noStrike" cap="none">
           <a:solidFill>
             <a:srgbClr val="000000"/>
           </a:solidFill>
@@ -7486,7 +7551,7 @@
           <a:sym typeface="Arial"/>
         </a:defRPr>
       </a:lvl2pPr>
-      <a:lvl3pPr lvl="2" marR="0" rtl="0" algn="l">
+      <a:lvl3pPr marR="0" lvl="2" algn="l" rtl="0">
         <a:lnSpc>
           <a:spcPct val="100000"/>
         </a:lnSpc>
@@ -7500,7 +7565,7 @@
           <a:srgbClr val="000000"/>
         </a:buClr>
         <a:buFont typeface="Arial"/>
-        <a:defRPr b="0" i="0" sz="1400" u="none" cap="none" strike="noStrike">
+        <a:defRPr sz="1400" b="0" i="0" u="none" strike="noStrike" cap="none">
           <a:solidFill>
             <a:srgbClr val="000000"/>
           </a:solidFill>
@@ -7510,7 +7575,7 @@
           <a:sym typeface="Arial"/>
         </a:defRPr>
       </a:lvl3pPr>
-      <a:lvl4pPr lvl="3" marR="0" rtl="0" algn="l">
+      <a:lvl4pPr marR="0" lvl="3" algn="l" rtl="0">
         <a:lnSpc>
           <a:spcPct val="100000"/>
         </a:lnSpc>
@@ -7524,7 +7589,7 @@
           <a:srgbClr val="000000"/>
         </a:buClr>
         <a:buFont typeface="Arial"/>
-        <a:defRPr b="0" i="0" sz="1400" u="none" cap="none" strike="noStrike">
+        <a:defRPr sz="1400" b="0" i="0" u="none" strike="noStrike" cap="none">
           <a:solidFill>
             <a:srgbClr val="000000"/>
           </a:solidFill>
@@ -7534,7 +7599,7 @@
           <a:sym typeface="Arial"/>
         </a:defRPr>
       </a:lvl4pPr>
-      <a:lvl5pPr lvl="4" marR="0" rtl="0" algn="l">
+      <a:lvl5pPr marR="0" lvl="4" algn="l" rtl="0">
         <a:lnSpc>
           <a:spcPct val="100000"/>
         </a:lnSpc>
@@ -7548,7 +7613,7 @@
           <a:srgbClr val="000000"/>
         </a:buClr>
         <a:buFont typeface="Arial"/>
-        <a:defRPr b="0" i="0" sz="1400" u="none" cap="none" strike="noStrike">
+        <a:defRPr sz="1400" b="0" i="0" u="none" strike="noStrike" cap="none">
           <a:solidFill>
             <a:srgbClr val="000000"/>
           </a:solidFill>
@@ -7558,7 +7623,7 @@
           <a:sym typeface="Arial"/>
         </a:defRPr>
       </a:lvl5pPr>
-      <a:lvl6pPr lvl="5" marR="0" rtl="0" algn="l">
+      <a:lvl6pPr marR="0" lvl="5" algn="l" rtl="0">
         <a:lnSpc>
           <a:spcPct val="100000"/>
         </a:lnSpc>
@@ -7572,7 +7637,7 @@
           <a:srgbClr val="000000"/>
         </a:buClr>
         <a:buFont typeface="Arial"/>
-        <a:defRPr b="0" i="0" sz="1400" u="none" cap="none" strike="noStrike">
+        <a:defRPr sz="1400" b="0" i="0" u="none" strike="noStrike" cap="none">
           <a:solidFill>
             <a:srgbClr val="000000"/>
           </a:solidFill>
@@ -7582,7 +7647,7 @@
           <a:sym typeface="Arial"/>
         </a:defRPr>
       </a:lvl6pPr>
-      <a:lvl7pPr lvl="6" marR="0" rtl="0" algn="l">
+      <a:lvl7pPr marR="0" lvl="6" algn="l" rtl="0">
         <a:lnSpc>
           <a:spcPct val="100000"/>
         </a:lnSpc>
@@ -7596,7 +7661,7 @@
           <a:srgbClr val="000000"/>
         </a:buClr>
         <a:buFont typeface="Arial"/>
-        <a:defRPr b="0" i="0" sz="1400" u="none" cap="none" strike="noStrike">
+        <a:defRPr sz="1400" b="0" i="0" u="none" strike="noStrike" cap="none">
           <a:solidFill>
             <a:srgbClr val="000000"/>
           </a:solidFill>
@@ -7606,7 +7671,7 @@
           <a:sym typeface="Arial"/>
         </a:defRPr>
       </a:lvl7pPr>
-      <a:lvl8pPr lvl="7" marR="0" rtl="0" algn="l">
+      <a:lvl8pPr marR="0" lvl="7" algn="l" rtl="0">
         <a:lnSpc>
           <a:spcPct val="100000"/>
         </a:lnSpc>
@@ -7620,7 +7685,7 @@
           <a:srgbClr val="000000"/>
         </a:buClr>
         <a:buFont typeface="Arial"/>
-        <a:defRPr b="0" i="0" sz="1400" u="none" cap="none" strike="noStrike">
+        <a:defRPr sz="1400" b="0" i="0" u="none" strike="noStrike" cap="none">
           <a:solidFill>
             <a:srgbClr val="000000"/>
           </a:solidFill>
@@ -7630,7 +7695,7 @@
           <a:sym typeface="Arial"/>
         </a:defRPr>
       </a:lvl8pPr>
-      <a:lvl9pPr lvl="8" marR="0" rtl="0" algn="l">
+      <a:lvl9pPr marR="0" lvl="8" algn="l" rtl="0">
         <a:lnSpc>
           <a:spcPct val="100000"/>
         </a:lnSpc>
@@ -7644,7 +7709,7 @@
           <a:srgbClr val="000000"/>
         </a:buClr>
         <a:buFont typeface="Arial"/>
-        <a:defRPr b="0" i="0" sz="1400" u="none" cap="none" strike="noStrike">
+        <a:defRPr sz="1400" b="0" i="0" u="none" strike="noStrike" cap="none">
           <a:solidFill>
             <a:srgbClr val="000000"/>
           </a:solidFill>
@@ -7660,11 +7725,11 @@
 </file>
 
 <file path=ppt/slides/slide1.xml><?xml version="1.0" encoding="utf-8"?>
-<p:sld xmlns:a="http://schemas.openxmlformats.org/drawingml/2006/main" xmlns:r="http://schemas.openxmlformats.org/officeDocument/2006/relationships" xmlns:mc="http://schemas.openxmlformats.org/markup-compatibility/2006" xmlns:mv="urn:schemas-microsoft-com:mac:vml" xmlns:p="http://schemas.openxmlformats.org/presentationml/2006/main" xmlns:c="http://schemas.openxmlformats.org/drawingml/2006/chart" xmlns:dgm="http://schemas.openxmlformats.org/drawingml/2006/diagram" xmlns:o="urn:schemas-microsoft-com:office:office" xmlns:v="urn:schemas-microsoft-com:vml" xmlns:pvml="urn:schemas-microsoft-com:office:powerpoint" xmlns:com="http://schemas.openxmlformats.org/drawingml/2006/compatibility" xmlns:p14="http://schemas.microsoft.com/office/powerpoint/2010/main" xmlns:p15="http://schemas.microsoft.com/office/powerpoint/2012/main">
+<p:sld xmlns:a="http://schemas.openxmlformats.org/drawingml/2006/main" xmlns:r="http://schemas.openxmlformats.org/officeDocument/2006/relationships" xmlns:p="http://schemas.openxmlformats.org/presentationml/2006/main">
   <p:cSld>
     <p:spTree>
       <p:nvGrpSpPr>
-        <p:cNvPr id="84" name="Shape 84"/>
+        <p:cNvPr id="1" name="Shape 84"/>
         <p:cNvGrpSpPr/>
         <p:nvPr/>
       </p:nvGrpSpPr>
@@ -7679,7 +7744,9 @@
       <p:sp>
         <p:nvSpPr>
           <p:cNvPr id="85" name="Google Shape;85;p13"/>
-          <p:cNvSpPr txBox="1"/>
+          <p:cNvSpPr txBox="1">
+            <a:spLocks noGrp="1"/>
+          </p:cNvSpPr>
           <p:nvPr>
             <p:ph type="ctrTitle"/>
           </p:nvPr>
@@ -7694,12 +7761,12 @@
           </a:prstGeom>
         </p:spPr>
         <p:txBody>
-          <a:bodyPr anchorCtr="0" anchor="b" bIns="91425" lIns="91425" spcFirstLastPara="1" rIns="91425" wrap="square" tIns="91425">
+          <a:bodyPr spcFirstLastPara="1" wrap="square" lIns="91425" tIns="91425" rIns="91425" bIns="91425" anchor="b" anchorCtr="0">
             <a:noAutofit/>
           </a:bodyPr>
           <a:lstStyle/>
           <a:p>
-            <a:pPr indent="0" lvl="0" marL="0" rtl="0" algn="l">
+            <a:pPr marL="0" lvl="0" indent="0" algn="l" rtl="0">
               <a:spcBef>
                 <a:spcPts val="0"/>
               </a:spcBef>
@@ -7719,9 +7786,11 @@
       <p:sp>
         <p:nvSpPr>
           <p:cNvPr id="86" name="Google Shape;86;p13"/>
-          <p:cNvSpPr txBox="1"/>
+          <p:cNvSpPr txBox="1">
+            <a:spLocks noGrp="1"/>
+          </p:cNvSpPr>
           <p:nvPr>
-            <p:ph idx="1" type="subTitle"/>
+            <p:ph type="subTitle" idx="1"/>
           </p:nvPr>
         </p:nvSpPr>
         <p:spPr>
@@ -7734,12 +7803,12 @@
           </a:prstGeom>
         </p:spPr>
         <p:txBody>
-          <a:bodyPr anchorCtr="0" anchor="t" bIns="91425" lIns="91425" spcFirstLastPara="1" rIns="91425" wrap="square" tIns="91425">
+          <a:bodyPr spcFirstLastPara="1" wrap="square" lIns="91425" tIns="91425" rIns="91425" bIns="91425" anchor="t" anchorCtr="0">
             <a:noAutofit/>
           </a:bodyPr>
           <a:lstStyle/>
           <a:p>
-            <a:pPr indent="0" lvl="0" marL="0" rtl="0" algn="l">
+            <a:pPr marL="0" lvl="0" indent="0" algn="l" rtl="0">
               <a:spcBef>
                 <a:spcPts val="0"/>
               </a:spcBef>
@@ -7765,11 +7834,11 @@
 </file>
 
 <file path=ppt/slides/slide2.xml><?xml version="1.0" encoding="utf-8"?>
-<p:sld xmlns:a="http://schemas.openxmlformats.org/drawingml/2006/main" xmlns:r="http://schemas.openxmlformats.org/officeDocument/2006/relationships" xmlns:mc="http://schemas.openxmlformats.org/markup-compatibility/2006" xmlns:mv="urn:schemas-microsoft-com:mac:vml" xmlns:p="http://schemas.openxmlformats.org/presentationml/2006/main" xmlns:c="http://schemas.openxmlformats.org/drawingml/2006/chart" xmlns:dgm="http://schemas.openxmlformats.org/drawingml/2006/diagram" xmlns:o="urn:schemas-microsoft-com:office:office" xmlns:v="urn:schemas-microsoft-com:vml" xmlns:pvml="urn:schemas-microsoft-com:office:powerpoint" xmlns:com="http://schemas.openxmlformats.org/drawingml/2006/compatibility" xmlns:p14="http://schemas.microsoft.com/office/powerpoint/2010/main" xmlns:p15="http://schemas.microsoft.com/office/powerpoint/2012/main">
+<p:sld xmlns:a="http://schemas.openxmlformats.org/drawingml/2006/main" xmlns:r="http://schemas.openxmlformats.org/officeDocument/2006/relationships" xmlns:p="http://schemas.openxmlformats.org/presentationml/2006/main">
   <p:cSld>
     <p:spTree>
       <p:nvGrpSpPr>
-        <p:cNvPr id="90" name="Shape 90"/>
+        <p:cNvPr id="1" name="Shape 90"/>
         <p:cNvGrpSpPr/>
         <p:nvPr/>
       </p:nvGrpSpPr>
@@ -7784,7 +7853,9 @@
       <p:sp>
         <p:nvSpPr>
           <p:cNvPr id="91" name="Google Shape;91;p14"/>
-          <p:cNvSpPr txBox="1"/>
+          <p:cNvSpPr txBox="1">
+            <a:spLocks noGrp="1"/>
+          </p:cNvSpPr>
           <p:nvPr>
             <p:ph type="title"/>
           </p:nvPr>
@@ -7799,12 +7870,12 @@
           </a:prstGeom>
         </p:spPr>
         <p:txBody>
-          <a:bodyPr anchorCtr="0" anchor="t" bIns="91425" lIns="91425" spcFirstLastPara="1" rIns="91425" wrap="square" tIns="91425">
+          <a:bodyPr spcFirstLastPara="1" wrap="square" lIns="91425" tIns="91425" rIns="91425" bIns="91425" anchor="t" anchorCtr="0">
             <a:noAutofit/>
           </a:bodyPr>
           <a:lstStyle/>
           <a:p>
-            <a:pPr indent="0" lvl="0" marL="0" rtl="0" algn="l">
+            <a:pPr marL="0" lvl="0" indent="0" algn="l" rtl="0">
               <a:spcBef>
                 <a:spcPts val="0"/>
               </a:spcBef>
@@ -7820,7 +7891,7 @@
             <a:endParaRPr/>
           </a:p>
           <a:p>
-            <a:pPr indent="0" lvl="0" marL="0" rtl="0" algn="l">
+            <a:pPr marL="0" lvl="0" indent="0" algn="l" rtl="0">
               <a:spcBef>
                 <a:spcPts val="0"/>
               </a:spcBef>
@@ -8042,6 +8113,43 @@
           </a:ln>
         </p:spPr>
       </p:pic>
+      <p:sp>
+        <p:nvSpPr>
+          <p:cNvPr id="2" name="Rectangle 1">
+            <a:extLst>
+              <a:ext uri="{FF2B5EF4-FFF2-40B4-BE49-F238E27FC236}">
+                <a16:creationId xmlns:a16="http://schemas.microsoft.com/office/drawing/2014/main" id="{A4EBAC0B-9511-714C-B872-69A1FC54CBFE}"/>
+              </a:ext>
+            </a:extLst>
+          </p:cNvPr>
+          <p:cNvSpPr/>
+          <p:nvPr/>
+        </p:nvSpPr>
+        <p:spPr>
+          <a:xfrm>
+            <a:off x="4459629" y="2417862"/>
+            <a:ext cx="224742" cy="307777"/>
+          </a:xfrm>
+          <a:prstGeom prst="rect">
+            <a:avLst/>
+          </a:prstGeom>
+        </p:spPr>
+        <p:txBody>
+          <a:bodyPr wrap="none">
+            <a:spAutoFit/>
+          </a:bodyPr>
+          <a:lstStyle/>
+          <a:p>
+            <a:r>
+              <a:rPr lang="en-US" dirty="0">
+                <a:latin typeface="-webkit-standard"/>
+              </a:rPr>
+              <a:t> </a:t>
+            </a:r>
+            <a:endParaRPr lang="en-US" dirty="0"/>
+          </a:p>
+        </p:txBody>
+      </p:sp>
     </p:spTree>
   </p:cSld>
   <p:clrMapOvr>
@@ -8051,11 +8159,208 @@
 </file>
 
 <file path=ppt/slides/slide3.xml><?xml version="1.0" encoding="utf-8"?>
-<p:sld xmlns:a="http://schemas.openxmlformats.org/drawingml/2006/main" xmlns:r="http://schemas.openxmlformats.org/officeDocument/2006/relationships" xmlns:mc="http://schemas.openxmlformats.org/markup-compatibility/2006" xmlns:mv="urn:schemas-microsoft-com:mac:vml" xmlns:p="http://schemas.openxmlformats.org/presentationml/2006/main" xmlns:c="http://schemas.openxmlformats.org/drawingml/2006/chart" xmlns:dgm="http://schemas.openxmlformats.org/drawingml/2006/diagram" xmlns:o="urn:schemas-microsoft-com:office:office" xmlns:v="urn:schemas-microsoft-com:vml" xmlns:pvml="urn:schemas-microsoft-com:office:powerpoint" xmlns:com="http://schemas.openxmlformats.org/drawingml/2006/compatibility" xmlns:p14="http://schemas.microsoft.com/office/powerpoint/2010/main" xmlns:p15="http://schemas.microsoft.com/office/powerpoint/2012/main">
+<p:sld xmlns:a="http://schemas.openxmlformats.org/drawingml/2006/main" xmlns:r="http://schemas.openxmlformats.org/officeDocument/2006/relationships" xmlns:p="http://schemas.openxmlformats.org/presentationml/2006/main">
   <p:cSld>
     <p:spTree>
       <p:nvGrpSpPr>
-        <p:cNvPr id="102" name="Shape 102"/>
+        <p:cNvPr id="1" name=""/>
+        <p:cNvGrpSpPr/>
+        <p:nvPr/>
+      </p:nvGrpSpPr>
+      <p:grpSpPr>
+        <a:xfrm>
+          <a:off x="0" y="0"/>
+          <a:ext cx="0" cy="0"/>
+          <a:chOff x="0" y="0"/>
+          <a:chExt cx="0" cy="0"/>
+        </a:xfrm>
+      </p:grpSpPr>
+      <p:sp>
+        <p:nvSpPr>
+          <p:cNvPr id="2" name="Title 1">
+            <a:extLst>
+              <a:ext uri="{FF2B5EF4-FFF2-40B4-BE49-F238E27FC236}">
+                <a16:creationId xmlns:a16="http://schemas.microsoft.com/office/drawing/2014/main" id="{489A35FD-F810-9E42-AFC0-33445EBE3B06}"/>
+              </a:ext>
+            </a:extLst>
+          </p:cNvPr>
+          <p:cNvSpPr>
+            <a:spLocks noGrp="1"/>
+          </p:cNvSpPr>
+          <p:nvPr>
+            <p:ph type="title"/>
+          </p:nvPr>
+        </p:nvSpPr>
+        <p:spPr/>
+        <p:txBody>
+          <a:bodyPr/>
+          <a:lstStyle/>
+          <a:p>
+            <a:r>
+              <a:rPr lang="en-US" dirty="0"/>
+              <a:t>JUnit and Mockito Overview</a:t>
+            </a:r>
+            <a:br>
+              <a:rPr lang="en-US" dirty="0"/>
+            </a:br>
+            <a:br>
+              <a:rPr lang="en-US" dirty="0"/>
+            </a:br>
+            <a:br>
+              <a:rPr lang="en-US" dirty="0"/>
+            </a:br>
+            <a:endParaRPr lang="en-US" dirty="0"/>
+          </a:p>
+        </p:txBody>
+      </p:sp>
+      <p:sp>
+        <p:nvSpPr>
+          <p:cNvPr id="3" name="Text Placeholder 2">
+            <a:extLst>
+              <a:ext uri="{FF2B5EF4-FFF2-40B4-BE49-F238E27FC236}">
+                <a16:creationId xmlns:a16="http://schemas.microsoft.com/office/drawing/2014/main" id="{BA991AB2-DD00-6C48-9E86-C371A7C5E67D}"/>
+              </a:ext>
+            </a:extLst>
+          </p:cNvPr>
+          <p:cNvSpPr>
+            <a:spLocks noGrp="1"/>
+          </p:cNvSpPr>
+          <p:nvPr>
+            <p:ph type="body" idx="1"/>
+          </p:nvPr>
+        </p:nvSpPr>
+        <p:spPr>
+          <a:xfrm>
+            <a:off x="311700" y="1017801"/>
+            <a:ext cx="8266816" cy="3325600"/>
+          </a:xfrm>
+        </p:spPr>
+        <p:txBody>
+          <a:bodyPr/>
+          <a:lstStyle/>
+          <a:p>
+            <a:pPr marL="114300" indent="0">
+              <a:buNone/>
+            </a:pPr>
+            <a:r>
+              <a:rPr lang="en-US" sz="1200" b="1" dirty="0"/>
+              <a:t>Mockito</a:t>
+            </a:r>
+            <a:r>
+              <a:rPr lang="en-US" sz="1200" dirty="0"/>
+              <a:t> is a popular mock framework which can be used in conjunction with </a:t>
+            </a:r>
+            <a:r>
+              <a:rPr lang="en-US" sz="1200" b="1" dirty="0"/>
+              <a:t>JUnit</a:t>
+            </a:r>
+            <a:r>
+              <a:rPr lang="en-US" sz="1200" dirty="0"/>
+              <a:t>. Mockito allows you to create and configure mock objects. Mockito</a:t>
+            </a:r>
+            <a:r>
+              <a:rPr lang="en-US" sz="1200" b="1" dirty="0"/>
+              <a:t> </a:t>
+            </a:r>
+            <a:r>
+              <a:rPr lang="en-US" sz="1200" dirty="0"/>
+              <a:t>is an open source testing framework for </a:t>
+            </a:r>
+            <a:r>
+              <a:rPr lang="en-US" sz="1200" dirty="0">
+                <a:hlinkClick r:id="rId2"/>
+              </a:rPr>
+              <a:t>Java</a:t>
+            </a:r>
+            <a:r>
+              <a:rPr lang="en-US" sz="1200" dirty="0"/>
+              <a:t>. The framework allows the creation of test mock objects in automated unit tests for the purpose of test-driven development(TDD) or behavior-driven development(BDD).</a:t>
+            </a:r>
+          </a:p>
+          <a:p>
+            <a:pPr marL="114300" indent="0">
+              <a:buNone/>
+            </a:pPr>
+            <a:br>
+              <a:rPr lang="en-US" sz="1200" dirty="0"/>
+            </a:br>
+            <a:r>
+              <a:rPr lang="en-US" dirty="0"/>
+              <a:t>Benefits of Mockito:</a:t>
+            </a:r>
+          </a:p>
+          <a:p>
+            <a:pPr fontAlgn="base">
+              <a:buFont typeface="Wingdings" pitchFamily="2" charset="2"/>
+              <a:buChar char="Ø"/>
+            </a:pPr>
+            <a:r>
+              <a:rPr lang="en-US" sz="1400" dirty="0"/>
+              <a:t>No Handwriting − No need to write mock objects on your own.</a:t>
+            </a:r>
+          </a:p>
+          <a:p>
+            <a:pPr fontAlgn="base">
+              <a:buFont typeface="Wingdings" pitchFamily="2" charset="2"/>
+              <a:buChar char="Ø"/>
+            </a:pPr>
+            <a:r>
+              <a:rPr lang="en-US" sz="1400" dirty="0"/>
+              <a:t>Refactoring Safe − Refactoring will not break the test code as Mocks are created at runtime.</a:t>
+            </a:r>
+          </a:p>
+          <a:p>
+            <a:pPr fontAlgn="base">
+              <a:buFont typeface="Wingdings" pitchFamily="2" charset="2"/>
+              <a:buChar char="Ø"/>
+            </a:pPr>
+            <a:r>
+              <a:rPr lang="en-US" sz="1400" dirty="0"/>
+              <a:t>Return value support − Supports return values.</a:t>
+            </a:r>
+          </a:p>
+          <a:p>
+            <a:pPr fontAlgn="base">
+              <a:buFont typeface="Wingdings" pitchFamily="2" charset="2"/>
+              <a:buChar char="Ø"/>
+            </a:pPr>
+            <a:r>
+              <a:rPr lang="en-US" sz="1400" dirty="0"/>
+              <a:t>Exception support − Supports exceptions.</a:t>
+            </a:r>
+          </a:p>
+          <a:p>
+            <a:pPr fontAlgn="base">
+              <a:buFont typeface="Wingdings" pitchFamily="2" charset="2"/>
+              <a:buChar char="Ø"/>
+            </a:pPr>
+            <a:r>
+              <a:rPr lang="en-US" sz="1400" dirty="0"/>
+              <a:t>Order check support − Supports check on order of method calls.</a:t>
+            </a:r>
+            <a:endParaRPr lang="en-US" dirty="0"/>
+          </a:p>
+        </p:txBody>
+      </p:sp>
+    </p:spTree>
+    <p:extLst>
+      <p:ext uri="{BB962C8B-B14F-4D97-AF65-F5344CB8AC3E}">
+        <p14:creationId xmlns:p14="http://schemas.microsoft.com/office/powerpoint/2010/main" val="2649316604"/>
+      </p:ext>
+    </p:extLst>
+  </p:cSld>
+  <p:clrMapOvr>
+    <a:masterClrMapping/>
+  </p:clrMapOvr>
+</p:sld>
+</file>
+
+<file path=ppt/slides/slide4.xml><?xml version="1.0" encoding="utf-8"?>
+<p:sld xmlns:a="http://schemas.openxmlformats.org/drawingml/2006/main" xmlns:r="http://schemas.openxmlformats.org/officeDocument/2006/relationships" xmlns:p="http://schemas.openxmlformats.org/presentationml/2006/main">
+  <p:cSld>
+    <p:spTree>
+      <p:nvGrpSpPr>
+        <p:cNvPr id="1" name="Shape 102"/>
         <p:cNvGrpSpPr/>
         <p:nvPr/>
       </p:nvGrpSpPr>
@@ -8070,7 +8375,9 @@
       <p:sp>
         <p:nvSpPr>
           <p:cNvPr id="103" name="Google Shape;103;p15"/>
-          <p:cNvSpPr txBox="1"/>
+          <p:cNvSpPr txBox="1">
+            <a:spLocks noGrp="1"/>
+          </p:cNvSpPr>
           <p:nvPr>
             <p:ph type="title"/>
           </p:nvPr>
@@ -8085,12 +8392,12 @@
           </a:prstGeom>
         </p:spPr>
         <p:txBody>
-          <a:bodyPr anchorCtr="0" anchor="t" bIns="91425" lIns="91425" spcFirstLastPara="1" rIns="91425" wrap="square" tIns="91425">
+          <a:bodyPr spcFirstLastPara="1" wrap="square" lIns="91425" tIns="91425" rIns="91425" bIns="91425" anchor="t" anchorCtr="0">
             <a:noAutofit/>
           </a:bodyPr>
           <a:lstStyle/>
           <a:p>
-            <a:pPr indent="0" lvl="0" marL="0" rtl="0" algn="l">
+            <a:pPr marL="0" lvl="0" indent="0" algn="l" rtl="0">
               <a:spcBef>
                 <a:spcPts val="0"/>
               </a:spcBef>
@@ -8101,11 +8408,7 @@
             </a:pPr>
             <a:r>
               <a:rPr lang="en"/>
-              <a:t>Instrumented</a:t>
-            </a:r>
-            <a:r>
-              <a:rPr lang="en"/>
-              <a:t> tests Vs Local unit test</a:t>
+              <a:t>Instrumented tests Vs Local unit test</a:t>
             </a:r>
             <a:endParaRPr/>
           </a:p>
@@ -8114,9 +8417,11 @@
       <p:sp>
         <p:nvSpPr>
           <p:cNvPr id="104" name="Google Shape;104;p15"/>
-          <p:cNvSpPr txBox="1"/>
+          <p:cNvSpPr txBox="1">
+            <a:spLocks noGrp="1"/>
+          </p:cNvSpPr>
           <p:nvPr>
-            <p:ph idx="1" type="body"/>
+            <p:ph type="body" idx="1"/>
           </p:nvPr>
         </p:nvSpPr>
         <p:spPr>
@@ -8129,12 +8434,12 @@
           </a:prstGeom>
         </p:spPr>
         <p:txBody>
-          <a:bodyPr anchorCtr="0" anchor="t" bIns="91425" lIns="91425" spcFirstLastPara="1" rIns="91425" wrap="square" tIns="91425">
+          <a:bodyPr spcFirstLastPara="1" wrap="square" lIns="91425" tIns="91425" rIns="91425" bIns="91425" anchor="t" anchorCtr="0">
             <a:noAutofit/>
           </a:bodyPr>
           <a:lstStyle/>
           <a:p>
-            <a:pPr indent="-304800" lvl="0" marL="457200" rtl="0" algn="l">
+            <a:pPr marL="457200" lvl="0" indent="-304800" algn="l" rtl="0">
               <a:spcBef>
                 <a:spcPts val="1200"/>
               </a:spcBef>
@@ -8159,7 +8464,7 @@
               <a:t>Local Unit tests - Located at </a:t>
             </a:r>
             <a:r>
-              <a:rPr b="1" lang="en" sz="1100">
+              <a:rPr lang="en" sz="1100" b="1">
                 <a:solidFill>
                   <a:srgbClr val="EC407A"/>
                 </a:solidFill>
@@ -8209,7 +8514,7 @@
             </a:endParaRPr>
           </a:p>
           <a:p>
-            <a:pPr indent="-304800" lvl="1" marL="914400" rtl="0" algn="l">
+            <a:pPr marL="914400" lvl="1" indent="-304800" algn="l" rtl="0">
               <a:spcBef>
                 <a:spcPts val="0"/>
               </a:spcBef>
@@ -8243,7 +8548,7 @@
             </a:endParaRPr>
           </a:p>
           <a:p>
-            <a:pPr indent="-304800" lvl="1" marL="914400" rtl="0" algn="l">
+            <a:pPr marL="914400" lvl="1" indent="-304800" algn="l" rtl="0">
               <a:spcBef>
                 <a:spcPts val="0"/>
               </a:spcBef>
@@ -8265,18 +8570,7 @@
                   <a:srgbClr val="FFFFFF"/>
                 </a:highlight>
               </a:rPr>
-              <a:t>These tests to minimize execution time -  no Android framework dependencies, can mock Android Framework </a:t>
-            </a:r>
-            <a:r>
-              <a:rPr lang="en" sz="1200">
-                <a:solidFill>
-                  <a:srgbClr val="202124"/>
-                </a:solidFill>
-                <a:highlight>
-                  <a:srgbClr val="FFFFFF"/>
-                </a:highlight>
-              </a:rPr>
-              <a:t>This lets you use popular mocking libraries, like Mockito.</a:t>
+              <a:t>These tests to minimize execution time -  no Android framework dependencies, can mock Android Framework This lets you use popular mocking libraries, like Mockito.</a:t>
             </a:r>
             <a:endParaRPr sz="1200">
               <a:solidFill>
@@ -8288,7 +8582,7 @@
             </a:endParaRPr>
           </a:p>
           <a:p>
-            <a:pPr indent="-304800" lvl="0" marL="457200" rtl="0" algn="l">
+            <a:pPr marL="457200" lvl="0" indent="-304800" algn="l" rtl="0">
               <a:spcBef>
                 <a:spcPts val="0"/>
               </a:spcBef>
@@ -8321,7 +8615,7 @@
               <a:t>Located at </a:t>
             </a:r>
             <a:r>
-              <a:rPr b="1" lang="en" sz="1100">
+              <a:rPr lang="en" sz="1100" b="1">
                 <a:solidFill>
                   <a:srgbClr val="EC407A"/>
                 </a:solidFill>
@@ -8368,7 +8662,7 @@
             </a:endParaRPr>
           </a:p>
           <a:p>
-            <a:pPr indent="-304800" lvl="1" marL="914400" rtl="0" algn="l">
+            <a:pPr marL="914400" lvl="1" indent="-304800" algn="l" rtl="0">
               <a:spcBef>
                 <a:spcPts val="0"/>
               </a:spcBef>
@@ -8396,7 +8690,7 @@
             </a:endParaRPr>
           </a:p>
           <a:p>
-            <a:pPr indent="-304800" lvl="1" marL="914400" rtl="0" algn="l">
+            <a:pPr marL="914400" lvl="1" indent="-304800" algn="l" rtl="0">
               <a:spcBef>
                 <a:spcPts val="0"/>
               </a:spcBef>
@@ -8448,7 +8742,7 @@
             </a:endParaRPr>
           </a:p>
           <a:p>
-            <a:pPr indent="-304800" lvl="1" marL="914400" rtl="0" algn="l">
+            <a:pPr marL="914400" lvl="1" indent="-304800" algn="l" rtl="0">
               <a:spcBef>
                 <a:spcPts val="0"/>
               </a:spcBef>
@@ -8479,7 +8773,7 @@
             </a:endParaRPr>
           </a:p>
           <a:p>
-            <a:pPr indent="0" lvl="0" marL="0" rtl="0" algn="l">
+            <a:pPr marL="0" lvl="0" indent="0" algn="l" rtl="0">
               <a:spcBef>
                 <a:spcPts val="2400"/>
               </a:spcBef>
@@ -8509,7 +8803,7 @@
             </a:endParaRPr>
           </a:p>
           <a:p>
-            <a:pPr indent="0" lvl="0" marL="0" rtl="0" algn="l">
+            <a:pPr marL="0" lvl="0" indent="0" algn="l" rtl="0">
               <a:spcBef>
                 <a:spcPts val="2400"/>
               </a:spcBef>
@@ -8536,7 +8830,7 @@
             </a:endParaRPr>
           </a:p>
           <a:p>
-            <a:pPr indent="0" lvl="0" marL="0" rtl="0" algn="l">
+            <a:pPr marL="0" lvl="0" indent="0" algn="l" rtl="0">
               <a:spcBef>
                 <a:spcPts val="2400"/>
               </a:spcBef>
@@ -8545,9 +8839,6 @@
               </a:spcAft>
               <a:buNone/>
             </a:pPr>
-            <a:r>
-              <a:t/>
-            </a:r>
             <a:endParaRPr sz="1200">
               <a:solidFill>
                 <a:srgbClr val="202124"/>
@@ -8595,12 +8886,12 @@
 </p:sld>
 </file>
 
-<file path=ppt/slides/slide4.xml><?xml version="1.0" encoding="utf-8"?>
-<p:sld xmlns:a="http://schemas.openxmlformats.org/drawingml/2006/main" xmlns:r="http://schemas.openxmlformats.org/officeDocument/2006/relationships" xmlns:mc="http://schemas.openxmlformats.org/markup-compatibility/2006" xmlns:mv="urn:schemas-microsoft-com:mac:vml" xmlns:p="http://schemas.openxmlformats.org/presentationml/2006/main" xmlns:c="http://schemas.openxmlformats.org/drawingml/2006/chart" xmlns:dgm="http://schemas.openxmlformats.org/drawingml/2006/diagram" xmlns:o="urn:schemas-microsoft-com:office:office" xmlns:v="urn:schemas-microsoft-com:vml" xmlns:pvml="urn:schemas-microsoft-com:office:powerpoint" xmlns:com="http://schemas.openxmlformats.org/drawingml/2006/compatibility" xmlns:p14="http://schemas.microsoft.com/office/powerpoint/2010/main" xmlns:p15="http://schemas.microsoft.com/office/powerpoint/2012/main">
+<file path=ppt/slides/slide5.xml><?xml version="1.0" encoding="utf-8"?>
+<p:sld xmlns:a="http://schemas.openxmlformats.org/drawingml/2006/main" xmlns:r="http://schemas.openxmlformats.org/officeDocument/2006/relationships" xmlns:p="http://schemas.openxmlformats.org/presentationml/2006/main">
   <p:cSld>
     <p:spTree>
       <p:nvGrpSpPr>
-        <p:cNvPr id="109" name="Shape 109"/>
+        <p:cNvPr id="1" name="Shape 109"/>
         <p:cNvGrpSpPr/>
         <p:nvPr/>
       </p:nvGrpSpPr>
@@ -8615,7 +8906,9 @@
       <p:sp>
         <p:nvSpPr>
           <p:cNvPr id="110" name="Google Shape;110;p16"/>
-          <p:cNvSpPr txBox="1"/>
+          <p:cNvSpPr txBox="1">
+            <a:spLocks noGrp="1"/>
+          </p:cNvSpPr>
           <p:nvPr>
             <p:ph type="title"/>
           </p:nvPr>
@@ -8630,12 +8923,12 @@
           </a:prstGeom>
         </p:spPr>
         <p:txBody>
-          <a:bodyPr anchorCtr="0" anchor="t" bIns="91425" lIns="91425" spcFirstLastPara="1" rIns="91425" wrap="square" tIns="91425">
+          <a:bodyPr spcFirstLastPara="1" wrap="square" lIns="91425" tIns="91425" rIns="91425" bIns="91425" anchor="t" anchorCtr="0">
             <a:noAutofit/>
           </a:bodyPr>
           <a:lstStyle/>
           <a:p>
-            <a:pPr indent="0" lvl="0" marL="0" rtl="0" algn="l">
+            <a:pPr marL="0" lvl="0" indent="0" algn="l" rtl="0">
               <a:spcBef>
                 <a:spcPts val="0"/>
               </a:spcBef>
@@ -8655,9 +8948,11 @@
       <p:sp>
         <p:nvSpPr>
           <p:cNvPr id="111" name="Google Shape;111;p16"/>
-          <p:cNvSpPr txBox="1"/>
+          <p:cNvSpPr txBox="1">
+            <a:spLocks noGrp="1"/>
+          </p:cNvSpPr>
           <p:nvPr>
-            <p:ph idx="1" type="body"/>
+            <p:ph type="body" idx="1"/>
           </p:nvPr>
         </p:nvSpPr>
         <p:spPr>
@@ -8670,12 +8965,12 @@
           </a:prstGeom>
         </p:spPr>
         <p:txBody>
-          <a:bodyPr anchorCtr="0" anchor="t" bIns="91425" lIns="91425" spcFirstLastPara="1" rIns="91425" wrap="square" tIns="91425">
+          <a:bodyPr spcFirstLastPara="1" wrap="square" lIns="91425" tIns="91425" rIns="91425" bIns="91425" anchor="t" anchorCtr="0">
             <a:noAutofit/>
           </a:bodyPr>
           <a:lstStyle/>
           <a:p>
-            <a:pPr indent="0" lvl="0" marL="0" rtl="0" algn="l">
+            <a:pPr marL="0" lvl="0" indent="0" algn="l" rtl="0">
               <a:spcBef>
                 <a:spcPts val="0"/>
               </a:spcBef>
@@ -8691,7 +8986,7 @@
             <a:endParaRPr/>
           </a:p>
           <a:p>
-            <a:pPr indent="0" lvl="0" marL="0" rtl="0" algn="l">
+            <a:pPr marL="0" lvl="0" indent="0" algn="l" rtl="0">
               <a:spcBef>
                 <a:spcPts val="1600"/>
               </a:spcBef>
@@ -8700,9 +8995,6 @@
               </a:spcAft>
               <a:buNone/>
             </a:pPr>
-            <a:r>
-              <a:t/>
-            </a:r>
             <a:endParaRPr/>
           </a:p>
         </p:txBody>
@@ -8717,7 +9009,7 @@
           <a:blip r:embed="rId3">
             <a:alphaModFix/>
           </a:blip>
-          <a:srcRect b="0" l="4116" r="18068" t="10881"/>
+          <a:srcRect l="4116" t="10881" r="18068"/>
           <a:stretch/>
         </p:blipFill>
         <p:spPr>
@@ -8771,7 +9063,7 @@
 </file>
 
 <file path=ppt/theme/theme1.xml><?xml version="1.0" encoding="utf-8"?>
-<a:theme xmlns:a="http://schemas.openxmlformats.org/drawingml/2006/main" xmlns:r="http://schemas.openxmlformats.org/officeDocument/2006/relationships" name="Geometric">
+<a:theme xmlns:a="http://schemas.openxmlformats.org/drawingml/2006/main" name="Geometric">
   <a:themeElements>
     <a:clrScheme name="Geometric">
       <a:dk1>
@@ -9046,11 +9338,13 @@
       </a:bgFillStyleLst>
     </a:fmtScheme>
   </a:themeElements>
+  <a:objectDefaults/>
+  <a:extraClrSchemeLst/>
 </a:theme>
 </file>
 
 <file path=ppt/theme/theme2.xml><?xml version="1.0" encoding="utf-8"?>
-<a:theme xmlns:a="http://schemas.openxmlformats.org/drawingml/2006/main" xmlns:r="http://schemas.openxmlformats.org/officeDocument/2006/relationships">
+<a:theme xmlns:a="http://schemas.openxmlformats.org/drawingml/2006/main">
   <a:themeElements>
     <a:clrScheme name="Default">
       <a:dk1>
@@ -9325,5 +9619,7 @@
       </a:bgFillStyleLst>
     </a:fmtScheme>
   </a:themeElements>
+  <a:objectDefaults/>
+  <a:extraClrSchemeLst/>
 </a:theme>
 </file>